--- a/OpenRefine3Operations/Menu_case/WTpresentation.pptx
+++ b/OpenRefine3Operations/Menu_case/WTpresentation.pptx
@@ -4,18 +4,23 @@
   <p:sldMasterIdLst>
     <p:sldMasterId id="2147483648" r:id="rId1"/>
   </p:sldMasterIdLst>
+  <p:notesMasterIdLst>
+    <p:notesMasterId r:id="rId15"/>
+  </p:notesMasterIdLst>
   <p:sldIdLst>
     <p:sldId id="256" r:id="rId2"/>
     <p:sldId id="257" r:id="rId3"/>
     <p:sldId id="258" r:id="rId4"/>
-    <p:sldId id="263" r:id="rId5"/>
-    <p:sldId id="259" r:id="rId6"/>
-    <p:sldId id="264" r:id="rId7"/>
-    <p:sldId id="261" r:id="rId8"/>
-    <p:sldId id="265" r:id="rId9"/>
-    <p:sldId id="266" r:id="rId10"/>
-    <p:sldId id="260" r:id="rId11"/>
-    <p:sldId id="262" r:id="rId12"/>
+    <p:sldId id="270" r:id="rId5"/>
+    <p:sldId id="263" r:id="rId6"/>
+    <p:sldId id="268" r:id="rId7"/>
+    <p:sldId id="259" r:id="rId8"/>
+    <p:sldId id="264" r:id="rId9"/>
+    <p:sldId id="261" r:id="rId10"/>
+    <p:sldId id="265" r:id="rId11"/>
+    <p:sldId id="266" r:id="rId12"/>
+    <p:sldId id="260" r:id="rId13"/>
+    <p:sldId id="262" r:id="rId14"/>
   </p:sldIdLst>
   <p:sldSz cx="12192000" cy="6858000"/>
   <p:notesSz cx="6858000" cy="9144000"/>
@@ -115,6 +120,579 @@
     </a:lvl9pPr>
   </p:defaultTextStyle>
 </p:presentation>
+</file>
+
+<file path=ppt/notesMasters/notesMaster1.xml><?xml version="1.0" encoding="utf-8"?>
+<p:notesMaster xmlns:a="http://schemas.openxmlformats.org/drawingml/2006/main" xmlns:r="http://schemas.openxmlformats.org/officeDocument/2006/relationships" xmlns:p="http://schemas.openxmlformats.org/presentationml/2006/main">
+  <p:cSld>
+    <p:bg>
+      <p:bgRef idx="1001">
+        <a:schemeClr val="bg1"/>
+      </p:bgRef>
+    </p:bg>
+    <p:spTree>
+      <p:nvGrpSpPr>
+        <p:cNvPr id="1" name=""/>
+        <p:cNvGrpSpPr/>
+        <p:nvPr/>
+      </p:nvGrpSpPr>
+      <p:grpSpPr>
+        <a:xfrm>
+          <a:off x="0" y="0"/>
+          <a:ext cx="0" cy="0"/>
+          <a:chOff x="0" y="0"/>
+          <a:chExt cx="0" cy="0"/>
+        </a:xfrm>
+      </p:grpSpPr>
+      <p:sp>
+        <p:nvSpPr>
+          <p:cNvPr id="2" name="Header Placeholder 1"/>
+          <p:cNvSpPr>
+            <a:spLocks noGrp="1"/>
+          </p:cNvSpPr>
+          <p:nvPr>
+            <p:ph type="hdr" sz="quarter"/>
+          </p:nvPr>
+        </p:nvSpPr>
+        <p:spPr>
+          <a:xfrm>
+            <a:off x="0" y="0"/>
+            <a:ext cx="2971800" cy="458788"/>
+          </a:xfrm>
+          <a:prstGeom prst="rect">
+            <a:avLst/>
+          </a:prstGeom>
+        </p:spPr>
+        <p:txBody>
+          <a:bodyPr vert="horz" lIns="91440" tIns="45720" rIns="91440" bIns="45720" rtlCol="0"/>
+          <a:lstStyle>
+            <a:lvl1pPr algn="l">
+              <a:defRPr sz="1200"/>
+            </a:lvl1pPr>
+          </a:lstStyle>
+          <a:p>
+            <a:endParaRPr lang="en-US"/>
+          </a:p>
+        </p:txBody>
+      </p:sp>
+      <p:sp>
+        <p:nvSpPr>
+          <p:cNvPr id="3" name="Date Placeholder 2"/>
+          <p:cNvSpPr>
+            <a:spLocks noGrp="1"/>
+          </p:cNvSpPr>
+          <p:nvPr>
+            <p:ph type="dt" idx="1"/>
+          </p:nvPr>
+        </p:nvSpPr>
+        <p:spPr>
+          <a:xfrm>
+            <a:off x="3884613" y="0"/>
+            <a:ext cx="2971800" cy="458788"/>
+          </a:xfrm>
+          <a:prstGeom prst="rect">
+            <a:avLst/>
+          </a:prstGeom>
+        </p:spPr>
+        <p:txBody>
+          <a:bodyPr vert="horz" lIns="91440" tIns="45720" rIns="91440" bIns="45720" rtlCol="0"/>
+          <a:lstStyle>
+            <a:lvl1pPr algn="r">
+              <a:defRPr sz="1200"/>
+            </a:lvl1pPr>
+          </a:lstStyle>
+          <a:p>
+            <a:fld id="{3EA7D813-DCC3-8A48-836D-8E16EE6287C3}" type="datetimeFigureOut">
+              <a:rPr lang="en-US" smtClean="0"/>
+              <a:t>7/17/18</a:t>
+            </a:fld>
+            <a:endParaRPr lang="en-US"/>
+          </a:p>
+        </p:txBody>
+      </p:sp>
+      <p:sp>
+        <p:nvSpPr>
+          <p:cNvPr id="4" name="Slide Image Placeholder 3"/>
+          <p:cNvSpPr>
+            <a:spLocks noGrp="1" noRot="1" noChangeAspect="1"/>
+          </p:cNvSpPr>
+          <p:nvPr>
+            <p:ph type="sldImg" idx="2"/>
+          </p:nvPr>
+        </p:nvSpPr>
+        <p:spPr>
+          <a:xfrm>
+            <a:off x="685800" y="1143000"/>
+            <a:ext cx="5486400" cy="3086100"/>
+          </a:xfrm>
+          <a:prstGeom prst="rect">
+            <a:avLst/>
+          </a:prstGeom>
+          <a:noFill/>
+          <a:ln w="12700">
+            <a:solidFill>
+              <a:prstClr val="black"/>
+            </a:solidFill>
+          </a:ln>
+        </p:spPr>
+        <p:txBody>
+          <a:bodyPr vert="horz" lIns="91440" tIns="45720" rIns="91440" bIns="45720" rtlCol="0" anchor="ctr"/>
+          <a:lstStyle/>
+          <a:p>
+            <a:endParaRPr lang="en-US"/>
+          </a:p>
+        </p:txBody>
+      </p:sp>
+      <p:sp>
+        <p:nvSpPr>
+          <p:cNvPr id="5" name="Notes Placeholder 4"/>
+          <p:cNvSpPr>
+            <a:spLocks noGrp="1"/>
+          </p:cNvSpPr>
+          <p:nvPr>
+            <p:ph type="body" sz="quarter" idx="3"/>
+          </p:nvPr>
+        </p:nvSpPr>
+        <p:spPr>
+          <a:xfrm>
+            <a:off x="685800" y="4400550"/>
+            <a:ext cx="5486400" cy="3600450"/>
+          </a:xfrm>
+          <a:prstGeom prst="rect">
+            <a:avLst/>
+          </a:prstGeom>
+        </p:spPr>
+        <p:txBody>
+          <a:bodyPr vert="horz" lIns="91440" tIns="45720" rIns="91440" bIns="45720" rtlCol="0"/>
+          <a:lstStyle/>
+          <a:p>
+            <a:pPr lvl="0"/>
+            <a:r>
+              <a:rPr lang="en-US"/>
+              <a:t>Edit Master text styles</a:t>
+            </a:r>
+          </a:p>
+          <a:p>
+            <a:pPr lvl="1"/>
+            <a:r>
+              <a:rPr lang="en-US"/>
+              <a:t>Second level</a:t>
+            </a:r>
+          </a:p>
+          <a:p>
+            <a:pPr lvl="2"/>
+            <a:r>
+              <a:rPr lang="en-US"/>
+              <a:t>Third level</a:t>
+            </a:r>
+          </a:p>
+          <a:p>
+            <a:pPr lvl="3"/>
+            <a:r>
+              <a:rPr lang="en-US"/>
+              <a:t>Fourth level</a:t>
+            </a:r>
+          </a:p>
+          <a:p>
+            <a:pPr lvl="4"/>
+            <a:r>
+              <a:rPr lang="en-US"/>
+              <a:t>Fifth level</a:t>
+            </a:r>
+          </a:p>
+        </p:txBody>
+      </p:sp>
+      <p:sp>
+        <p:nvSpPr>
+          <p:cNvPr id="6" name="Footer Placeholder 5"/>
+          <p:cNvSpPr>
+            <a:spLocks noGrp="1"/>
+          </p:cNvSpPr>
+          <p:nvPr>
+            <p:ph type="ftr" sz="quarter" idx="4"/>
+          </p:nvPr>
+        </p:nvSpPr>
+        <p:spPr>
+          <a:xfrm>
+            <a:off x="0" y="8685213"/>
+            <a:ext cx="2971800" cy="458787"/>
+          </a:xfrm>
+          <a:prstGeom prst="rect">
+            <a:avLst/>
+          </a:prstGeom>
+        </p:spPr>
+        <p:txBody>
+          <a:bodyPr vert="horz" lIns="91440" tIns="45720" rIns="91440" bIns="45720" rtlCol="0" anchor="b"/>
+          <a:lstStyle>
+            <a:lvl1pPr algn="l">
+              <a:defRPr sz="1200"/>
+            </a:lvl1pPr>
+          </a:lstStyle>
+          <a:p>
+            <a:endParaRPr lang="en-US"/>
+          </a:p>
+        </p:txBody>
+      </p:sp>
+      <p:sp>
+        <p:nvSpPr>
+          <p:cNvPr id="7" name="Slide Number Placeholder 6"/>
+          <p:cNvSpPr>
+            <a:spLocks noGrp="1"/>
+          </p:cNvSpPr>
+          <p:nvPr>
+            <p:ph type="sldNum" sz="quarter" idx="5"/>
+          </p:nvPr>
+        </p:nvSpPr>
+        <p:spPr>
+          <a:xfrm>
+            <a:off x="3884613" y="8685213"/>
+            <a:ext cx="2971800" cy="458787"/>
+          </a:xfrm>
+          <a:prstGeom prst="rect">
+            <a:avLst/>
+          </a:prstGeom>
+        </p:spPr>
+        <p:txBody>
+          <a:bodyPr vert="horz" lIns="91440" tIns="45720" rIns="91440" bIns="45720" rtlCol="0" anchor="b"/>
+          <a:lstStyle>
+            <a:lvl1pPr algn="r">
+              <a:defRPr sz="1200"/>
+            </a:lvl1pPr>
+          </a:lstStyle>
+          <a:p>
+            <a:fld id="{F1CB0DE7-480D-0449-AC40-95646450DA38}" type="slidenum">
+              <a:rPr lang="en-US" smtClean="0"/>
+              <a:t>‹#›</a:t>
+            </a:fld>
+            <a:endParaRPr lang="en-US"/>
+          </a:p>
+        </p:txBody>
+      </p:sp>
+    </p:spTree>
+    <p:extLst>
+      <p:ext uri="{BB962C8B-B14F-4D97-AF65-F5344CB8AC3E}">
+        <p14:creationId xmlns:p14="http://schemas.microsoft.com/office/powerpoint/2010/main" val="2886900214"/>
+      </p:ext>
+    </p:extLst>
+  </p:cSld>
+  <p:clrMap bg1="lt1" tx1="dk1" bg2="lt2" tx2="dk2" accent1="accent1" accent2="accent2" accent3="accent3" accent4="accent4" accent5="accent5" accent6="accent6" hlink="hlink" folHlink="folHlink"/>
+  <p:notesStyle>
+    <a:lvl1pPr marL="0" algn="l" defTabSz="914400" rtl="0" eaLnBrk="1" latinLnBrk="0" hangingPunct="1">
+      <a:defRPr sz="1200" kern="1200">
+        <a:solidFill>
+          <a:schemeClr val="tx1"/>
+        </a:solidFill>
+        <a:latin typeface="+mn-lt"/>
+        <a:ea typeface="+mn-ea"/>
+        <a:cs typeface="+mn-cs"/>
+      </a:defRPr>
+    </a:lvl1pPr>
+    <a:lvl2pPr marL="457200" algn="l" defTabSz="914400" rtl="0" eaLnBrk="1" latinLnBrk="0" hangingPunct="1">
+      <a:defRPr sz="1200" kern="1200">
+        <a:solidFill>
+          <a:schemeClr val="tx1"/>
+        </a:solidFill>
+        <a:latin typeface="+mn-lt"/>
+        <a:ea typeface="+mn-ea"/>
+        <a:cs typeface="+mn-cs"/>
+      </a:defRPr>
+    </a:lvl2pPr>
+    <a:lvl3pPr marL="914400" algn="l" defTabSz="914400" rtl="0" eaLnBrk="1" latinLnBrk="0" hangingPunct="1">
+      <a:defRPr sz="1200" kern="1200">
+        <a:solidFill>
+          <a:schemeClr val="tx1"/>
+        </a:solidFill>
+        <a:latin typeface="+mn-lt"/>
+        <a:ea typeface="+mn-ea"/>
+        <a:cs typeface="+mn-cs"/>
+      </a:defRPr>
+    </a:lvl3pPr>
+    <a:lvl4pPr marL="1371600" algn="l" defTabSz="914400" rtl="0" eaLnBrk="1" latinLnBrk="0" hangingPunct="1">
+      <a:defRPr sz="1200" kern="1200">
+        <a:solidFill>
+          <a:schemeClr val="tx1"/>
+        </a:solidFill>
+        <a:latin typeface="+mn-lt"/>
+        <a:ea typeface="+mn-ea"/>
+        <a:cs typeface="+mn-cs"/>
+      </a:defRPr>
+    </a:lvl4pPr>
+    <a:lvl5pPr marL="1828800" algn="l" defTabSz="914400" rtl="0" eaLnBrk="1" latinLnBrk="0" hangingPunct="1">
+      <a:defRPr sz="1200" kern="1200">
+        <a:solidFill>
+          <a:schemeClr val="tx1"/>
+        </a:solidFill>
+        <a:latin typeface="+mn-lt"/>
+        <a:ea typeface="+mn-ea"/>
+        <a:cs typeface="+mn-cs"/>
+      </a:defRPr>
+    </a:lvl5pPr>
+    <a:lvl6pPr marL="2286000" algn="l" defTabSz="914400" rtl="0" eaLnBrk="1" latinLnBrk="0" hangingPunct="1">
+      <a:defRPr sz="1200" kern="1200">
+        <a:solidFill>
+          <a:schemeClr val="tx1"/>
+        </a:solidFill>
+        <a:latin typeface="+mn-lt"/>
+        <a:ea typeface="+mn-ea"/>
+        <a:cs typeface="+mn-cs"/>
+      </a:defRPr>
+    </a:lvl6pPr>
+    <a:lvl7pPr marL="2743200" algn="l" defTabSz="914400" rtl="0" eaLnBrk="1" latinLnBrk="0" hangingPunct="1">
+      <a:defRPr sz="1200" kern="1200">
+        <a:solidFill>
+          <a:schemeClr val="tx1"/>
+        </a:solidFill>
+        <a:latin typeface="+mn-lt"/>
+        <a:ea typeface="+mn-ea"/>
+        <a:cs typeface="+mn-cs"/>
+      </a:defRPr>
+    </a:lvl7pPr>
+    <a:lvl8pPr marL="3200400" algn="l" defTabSz="914400" rtl="0" eaLnBrk="1" latinLnBrk="0" hangingPunct="1">
+      <a:defRPr sz="1200" kern="1200">
+        <a:solidFill>
+          <a:schemeClr val="tx1"/>
+        </a:solidFill>
+        <a:latin typeface="+mn-lt"/>
+        <a:ea typeface="+mn-ea"/>
+        <a:cs typeface="+mn-cs"/>
+      </a:defRPr>
+    </a:lvl8pPr>
+    <a:lvl9pPr marL="3657600" algn="l" defTabSz="914400" rtl="0" eaLnBrk="1" latinLnBrk="0" hangingPunct="1">
+      <a:defRPr sz="1200" kern="1200">
+        <a:solidFill>
+          <a:schemeClr val="tx1"/>
+        </a:solidFill>
+        <a:latin typeface="+mn-lt"/>
+        <a:ea typeface="+mn-ea"/>
+        <a:cs typeface="+mn-cs"/>
+      </a:defRPr>
+    </a:lvl9pPr>
+  </p:notesStyle>
+</p:notesMaster>
+</file>
+
+<file path=ppt/notesSlides/notesSlide1.xml><?xml version="1.0" encoding="utf-8"?>
+<p:notes xmlns:a="http://schemas.openxmlformats.org/drawingml/2006/main" xmlns:r="http://schemas.openxmlformats.org/officeDocument/2006/relationships" xmlns:p="http://schemas.openxmlformats.org/presentationml/2006/main">
+  <p:cSld>
+    <p:spTree>
+      <p:nvGrpSpPr>
+        <p:cNvPr id="1" name=""/>
+        <p:cNvGrpSpPr/>
+        <p:nvPr/>
+      </p:nvGrpSpPr>
+      <p:grpSpPr>
+        <a:xfrm>
+          <a:off x="0" y="0"/>
+          <a:ext cx="0" cy="0"/>
+          <a:chOff x="0" y="0"/>
+          <a:chExt cx="0" cy="0"/>
+        </a:xfrm>
+      </p:grpSpPr>
+      <p:sp>
+        <p:nvSpPr>
+          <p:cNvPr id="2" name="Slide Image Placeholder 1"/>
+          <p:cNvSpPr>
+            <a:spLocks noGrp="1" noRot="1" noChangeAspect="1"/>
+          </p:cNvSpPr>
+          <p:nvPr>
+            <p:ph type="sldImg"/>
+          </p:nvPr>
+        </p:nvSpPr>
+        <p:spPr/>
+      </p:sp>
+      <p:sp>
+        <p:nvSpPr>
+          <p:cNvPr id="3" name="Notes Placeholder 2"/>
+          <p:cNvSpPr>
+            <a:spLocks noGrp="1"/>
+          </p:cNvSpPr>
+          <p:nvPr>
+            <p:ph type="body" idx="1"/>
+          </p:nvPr>
+        </p:nvSpPr>
+        <p:spPr/>
+        <p:txBody>
+          <a:bodyPr/>
+          <a:lstStyle/>
+          <a:p>
+            <a:r>
+              <a:rPr lang="en-US" altLang="zh-Hans" dirty="0"/>
+              <a:t>userStory1:</a:t>
+            </a:r>
+            <a:r>
+              <a:rPr lang="zh-Hans" altLang="en-US" dirty="0"/>
+              <a:t> </a:t>
+            </a:r>
+            <a:r>
+              <a:rPr lang="en-US" altLang="zh-Hans" dirty="0"/>
+              <a:t>@:</a:t>
+            </a:r>
+            <a:r>
+              <a:rPr lang="zh-Hans" altLang="en-US" dirty="0"/>
+              <a:t> </a:t>
+            </a:r>
+            <a:endParaRPr lang="en-US" altLang="zh-Hans" dirty="0"/>
+          </a:p>
+          <a:p>
+            <a:r>
+              <a:rPr lang="en-US" altLang="zh-Hans" dirty="0"/>
+              <a:t>userStory2:</a:t>
+            </a:r>
+          </a:p>
+          <a:p>
+            <a:r>
+              <a:rPr lang="zh-Hans" altLang="en-US" dirty="0"/>
+              <a:t> </a:t>
+            </a:r>
+            <a:endParaRPr lang="en-US" altLang="zh-Hans" dirty="0"/>
+          </a:p>
+          <a:p>
+            <a:r>
+              <a:rPr lang="en-US" altLang="zh-Hans" dirty="0"/>
+              <a:t>update</a:t>
+            </a:r>
+            <a:r>
+              <a:rPr lang="zh-Hans" altLang="en-US" dirty="0"/>
+              <a:t> </a:t>
+            </a:r>
+            <a:r>
+              <a:rPr lang="en-US" altLang="zh-Hans" dirty="0"/>
+              <a:t>d1:</a:t>
+            </a:r>
+            <a:r>
+              <a:rPr lang="zh-Hans" altLang="en-US" dirty="0"/>
+              <a:t> </a:t>
+            </a:r>
+            <a:r>
+              <a:rPr lang="en-US" altLang="zh-Hans" dirty="0"/>
+              <a:t>----&gt;</a:t>
+            </a:r>
+            <a:r>
+              <a:rPr lang="zh-Hans" altLang="en-US" dirty="0"/>
+              <a:t> </a:t>
+            </a:r>
+            <a:endParaRPr lang="en-US" dirty="0"/>
+          </a:p>
+        </p:txBody>
+      </p:sp>
+      <p:sp>
+        <p:nvSpPr>
+          <p:cNvPr id="4" name="Slide Number Placeholder 3"/>
+          <p:cNvSpPr>
+            <a:spLocks noGrp="1"/>
+          </p:cNvSpPr>
+          <p:nvPr>
+            <p:ph type="sldNum" sz="quarter" idx="10"/>
+          </p:nvPr>
+        </p:nvSpPr>
+        <p:spPr/>
+        <p:txBody>
+          <a:bodyPr/>
+          <a:lstStyle/>
+          <a:p>
+            <a:fld id="{F1CB0DE7-480D-0449-AC40-95646450DA38}" type="slidenum">
+              <a:rPr lang="en-US" smtClean="0"/>
+              <a:t>3</a:t>
+            </a:fld>
+            <a:endParaRPr lang="en-US"/>
+          </a:p>
+        </p:txBody>
+      </p:sp>
+    </p:spTree>
+    <p:extLst>
+      <p:ext uri="{BB962C8B-B14F-4D97-AF65-F5344CB8AC3E}">
+        <p14:creationId xmlns:p14="http://schemas.microsoft.com/office/powerpoint/2010/main" val="809425509"/>
+      </p:ext>
+    </p:extLst>
+  </p:cSld>
+  <p:clrMapOvr>
+    <a:masterClrMapping/>
+  </p:clrMapOvr>
+</p:notes>
+</file>
+
+<file path=ppt/notesSlides/notesSlide2.xml><?xml version="1.0" encoding="utf-8"?>
+<p:notes xmlns:a="http://schemas.openxmlformats.org/drawingml/2006/main" xmlns:r="http://schemas.openxmlformats.org/officeDocument/2006/relationships" xmlns:p="http://schemas.openxmlformats.org/presentationml/2006/main">
+  <p:cSld>
+    <p:spTree>
+      <p:nvGrpSpPr>
+        <p:cNvPr id="1" name=""/>
+        <p:cNvGrpSpPr/>
+        <p:nvPr/>
+      </p:nvGrpSpPr>
+      <p:grpSpPr>
+        <a:xfrm>
+          <a:off x="0" y="0"/>
+          <a:ext cx="0" cy="0"/>
+          <a:chOff x="0" y="0"/>
+          <a:chExt cx="0" cy="0"/>
+        </a:xfrm>
+      </p:grpSpPr>
+      <p:sp>
+        <p:nvSpPr>
+          <p:cNvPr id="2" name="Slide Image Placeholder 1"/>
+          <p:cNvSpPr>
+            <a:spLocks noGrp="1" noRot="1" noChangeAspect="1"/>
+          </p:cNvSpPr>
+          <p:nvPr>
+            <p:ph type="sldImg"/>
+          </p:nvPr>
+        </p:nvSpPr>
+        <p:spPr/>
+      </p:sp>
+      <p:sp>
+        <p:nvSpPr>
+          <p:cNvPr id="3" name="Notes Placeholder 2"/>
+          <p:cNvSpPr>
+            <a:spLocks noGrp="1"/>
+          </p:cNvSpPr>
+          <p:nvPr>
+            <p:ph type="body" idx="1"/>
+          </p:nvPr>
+        </p:nvSpPr>
+        <p:spPr/>
+        <p:txBody>
+          <a:bodyPr/>
+          <a:lstStyle/>
+          <a:p>
+            <a:endParaRPr lang="en-US" dirty="0"/>
+          </a:p>
+        </p:txBody>
+      </p:sp>
+      <p:sp>
+        <p:nvSpPr>
+          <p:cNvPr id="4" name="Slide Number Placeholder 3"/>
+          <p:cNvSpPr>
+            <a:spLocks noGrp="1"/>
+          </p:cNvSpPr>
+          <p:nvPr>
+            <p:ph type="sldNum" sz="quarter" idx="10"/>
+          </p:nvPr>
+        </p:nvSpPr>
+        <p:spPr/>
+        <p:txBody>
+          <a:bodyPr/>
+          <a:lstStyle/>
+          <a:p>
+            <a:fld id="{F1CB0DE7-480D-0449-AC40-95646450DA38}" type="slidenum">
+              <a:rPr lang="en-US" smtClean="0"/>
+              <a:t>5</a:t>
+            </a:fld>
+            <a:endParaRPr lang="en-US"/>
+          </a:p>
+        </p:txBody>
+      </p:sp>
+    </p:spTree>
+    <p:extLst>
+      <p:ext uri="{BB962C8B-B14F-4D97-AF65-F5344CB8AC3E}">
+        <p14:creationId xmlns:p14="http://schemas.microsoft.com/office/powerpoint/2010/main" val="1043144077"/>
+      </p:ext>
+    </p:extLst>
+  </p:cSld>
+  <p:clrMapOvr>
+    <a:masterClrMapping/>
+  </p:clrMapOvr>
+</p:notes>
 </file>
 
 <file path=ppt/slideLayouts/slideLayout1.xml><?xml version="1.0" encoding="utf-8"?>
@@ -3729,7 +4307,7 @@
           <p:cNvPr id="2" name="Title 1">
             <a:extLst>
               <a:ext uri="{FF2B5EF4-FFF2-40B4-BE49-F238E27FC236}">
-                <a16:creationId xmlns:a16="http://schemas.microsoft.com/office/drawing/2014/main" id="{B9C0B949-781C-684F-9B63-355731990A09}"/>
+                <a16:creationId xmlns:a16="http://schemas.microsoft.com/office/drawing/2014/main" id="{B52DCFAE-D36D-3B4E-9016-524CAE7A99DA}"/>
               </a:ext>
             </a:extLst>
           </p:cNvPr>
@@ -3748,27 +4326,31 @@
             <a:pPr algn="ctr"/>
             <a:r>
               <a:rPr lang="en-US" altLang="zh-Hans" dirty="0"/>
-              <a:t>Openrefine-client</a:t>
-            </a:r>
-            <a:r>
-              <a:rPr lang="zh-Hans" altLang="en-US" dirty="0"/>
-              <a:t> </a:t>
-            </a:r>
-            <a:r>
-              <a:rPr lang="en-US" altLang="zh-Hans" dirty="0"/>
-              <a:t>library</a:t>
-            </a:r>
-            <a:r>
-              <a:rPr lang="zh-Hans" altLang="en-US" dirty="0"/>
-              <a:t> </a:t>
-            </a:r>
-            <a:r>
-              <a:rPr lang="en-US" altLang="zh-Hans" dirty="0"/>
-              <a:t>Outputs</a:t>
-            </a:r>
-            <a:r>
-              <a:rPr lang="zh-Hans" altLang="en-US" dirty="0"/>
-              <a:t> </a:t>
+              <a:t>Openrefine</a:t>
+            </a:r>
+            <a:r>
+              <a:rPr lang="zh-Hans" altLang="en-US" dirty="0"/>
+              <a:t> </a:t>
+            </a:r>
+            <a:r>
+              <a:rPr lang="en-US" altLang="zh-Hans" dirty="0"/>
+              <a:t>Gui</a:t>
+            </a:r>
+            <a:r>
+              <a:rPr lang="zh-Hans" altLang="en-US" dirty="0"/>
+              <a:t> </a:t>
+            </a:r>
+            <a:r>
+              <a:rPr lang="en-US" altLang="zh-Hans" dirty="0"/>
+              <a:t>workflow</a:t>
+            </a:r>
+            <a:r>
+              <a:rPr lang="zh-Hans" altLang="en-US" dirty="0"/>
+              <a:t> </a:t>
+            </a:r>
+            <a:r>
+              <a:rPr lang="en-US" altLang="zh-Hans" dirty="0"/>
+              <a:t>outputs</a:t>
             </a:r>
             <a:endParaRPr lang="en-US" dirty="0"/>
           </a:p>
@@ -3779,7 +4361,7 @@
           <p:cNvPr id="3" name="Content Placeholder 2">
             <a:extLst>
               <a:ext uri="{FF2B5EF4-FFF2-40B4-BE49-F238E27FC236}">
-                <a16:creationId xmlns:a16="http://schemas.microsoft.com/office/drawing/2014/main" id="{67B0D11D-00E5-FA48-BED3-B5F7E7D7C548}"/>
+                <a16:creationId xmlns:a16="http://schemas.microsoft.com/office/drawing/2014/main" id="{F9886DC5-405D-9343-BAF6-23919A6FE8E6}"/>
               </a:ext>
             </a:extLst>
           </p:cNvPr>
@@ -3793,7 +4375,7 @@
         <p:spPr/>
         <p:txBody>
           <a:bodyPr>
-            <a:normAutofit lnSpcReduction="10000"/>
+            <a:normAutofit/>
           </a:bodyPr>
           <a:lstStyle/>
           <a:p>
@@ -3806,16 +4388,40 @@
               <a:t> </a:t>
             </a:r>
             <a:r>
-              <a:rPr lang="en-US" altLang="zh-Hans" dirty="0" err="1"/>
-              <a:t>Openrefinerecipe.py</a:t>
-            </a:r>
-            <a:r>
-              <a:rPr lang="zh-Hans" altLang="en-US" dirty="0"/>
-              <a:t> </a:t>
-            </a:r>
-            <a:r>
-              <a:rPr lang="en-US" altLang="zh-Hans" dirty="0"/>
-              <a:t>:</a:t>
+              <a:rPr lang="en-US" altLang="zh-Hans" dirty="0"/>
+              <a:t>export</a:t>
+            </a:r>
+            <a:r>
+              <a:rPr lang="zh-Hans" altLang="en-US" dirty="0"/>
+              <a:t> </a:t>
+            </a:r>
+            <a:r>
+              <a:rPr lang="en-US" altLang="zh-Hans" dirty="0"/>
+              <a:t>the</a:t>
+            </a:r>
+            <a:r>
+              <a:rPr lang="zh-Hans" altLang="en-US" dirty="0"/>
+              <a:t> </a:t>
+            </a:r>
+            <a:r>
+              <a:rPr lang="en-US" altLang="zh-Hans" dirty="0"/>
+              <a:t>Openrefine</a:t>
+            </a:r>
+            <a:r>
+              <a:rPr lang="zh-Hans" altLang="en-US" dirty="0"/>
+              <a:t> </a:t>
+            </a:r>
+            <a:r>
+              <a:rPr lang="en-US" altLang="zh-Hans" dirty="0"/>
+              <a:t>cleaned</a:t>
+            </a:r>
+            <a:r>
+              <a:rPr lang="zh-Hans" altLang="en-US" dirty="0"/>
+              <a:t> </a:t>
+            </a:r>
+            <a:r>
+              <a:rPr lang="en-US" altLang="zh-Hans" dirty="0"/>
+              <a:t>csv:</a:t>
             </a:r>
             <a:r>
               <a:rPr lang="zh-Hans" altLang="en-US" dirty="0"/>
@@ -3825,75 +4431,22 @@
               <a:rPr lang="en-US" altLang="zh-Hans" dirty="0">
                 <a:hlinkClick r:id="rId2"/>
               </a:rPr>
-              <a:t>Openrefinerecipe</a:t>
-            </a:r>
-            <a:r>
-              <a:rPr lang="en-US" altLang="zh-Hans" dirty="0"/>
-              <a:t>,</a:t>
-            </a:r>
-            <a:r>
-              <a:rPr lang="zh-Hans" altLang="en-US" dirty="0"/>
-              <a:t> </a:t>
-            </a:r>
-            <a:r>
-              <a:rPr lang="en-US" altLang="zh-Hans" dirty="0"/>
-              <a:t>this</a:t>
-            </a:r>
-            <a:r>
-              <a:rPr lang="zh-Hans" altLang="en-US" dirty="0"/>
-              <a:t> </a:t>
-            </a:r>
-            <a:r>
-              <a:rPr lang="en-US" altLang="zh-Hans" dirty="0"/>
-              <a:t>python</a:t>
-            </a:r>
-            <a:r>
-              <a:rPr lang="zh-Hans" altLang="en-US" dirty="0"/>
-              <a:t> </a:t>
-            </a:r>
-            <a:r>
-              <a:rPr lang="en-US" altLang="zh-Hans" dirty="0"/>
-              <a:t>script</a:t>
-            </a:r>
-            <a:r>
-              <a:rPr lang="zh-Hans" altLang="en-US" dirty="0"/>
-              <a:t> </a:t>
-            </a:r>
-            <a:r>
-              <a:rPr lang="en-US" altLang="zh-Hans" dirty="0"/>
-              <a:t>is</a:t>
-            </a:r>
-            <a:r>
-              <a:rPr lang="zh-Hans" altLang="en-US" dirty="0"/>
-              <a:t> </a:t>
-            </a:r>
-            <a:r>
-              <a:rPr lang="en-US" altLang="zh-Hans" dirty="0"/>
-              <a:t>to</a:t>
-            </a:r>
-            <a:r>
-              <a:rPr lang="zh-Hans" altLang="en-US" dirty="0"/>
-              <a:t> </a:t>
-            </a:r>
-            <a:r>
-              <a:rPr lang="en-US" altLang="zh-Hans" dirty="0"/>
-              <a:t>list</a:t>
-            </a:r>
-            <a:r>
-              <a:rPr lang="zh-Hans" altLang="en-US" dirty="0"/>
-              <a:t> </a:t>
-            </a:r>
-            <a:r>
-              <a:rPr lang="en-US" altLang="zh-Hans" dirty="0"/>
-              <a:t>all</a:t>
-            </a:r>
-            <a:r>
-              <a:rPr lang="zh-Hans" altLang="en-US" dirty="0"/>
-              <a:t> </a:t>
-            </a:r>
-            <a:r>
-              <a:rPr lang="en-US" altLang="zh-Hans" dirty="0"/>
-              <a:t>of</a:t>
+              <a:t>Openrefine_cleanedcsvfile</a:t>
+            </a:r>
+            <a:endParaRPr lang="en-US" altLang="zh-Hans" dirty="0"/>
+          </a:p>
+          <a:p>
+            <a:r>
+              <a:rPr lang="en-US" altLang="zh-Hans" dirty="0"/>
+              <a:t>2.</a:t>
+            </a:r>
+            <a:r>
+              <a:rPr lang="zh-Hans" altLang="en-US" dirty="0"/>
+              <a:t> </a:t>
+            </a:r>
+            <a:r>
+              <a:rPr lang="en-US" altLang="zh-Hans" dirty="0"/>
+              <a:t>extract</a:t>
             </a:r>
             <a:r>
               <a:rPr lang="zh-Hans" altLang="en-US" dirty="0"/>
@@ -3909,85 +4462,7 @@
             </a:r>
             <a:r>
               <a:rPr lang="en-US" altLang="zh-Hans" dirty="0"/>
-              <a:t>operations</a:t>
-            </a:r>
-            <a:r>
-              <a:rPr lang="zh-Hans" altLang="en-US" dirty="0"/>
-              <a:t> </a:t>
-            </a:r>
-            <a:r>
-              <a:rPr lang="en-US" altLang="zh-Hans" dirty="0"/>
-              <a:t>of</a:t>
-            </a:r>
-            <a:r>
-              <a:rPr lang="zh-Hans" altLang="en-US" dirty="0"/>
-              <a:t> </a:t>
-            </a:r>
-            <a:r>
-              <a:rPr lang="en-US" altLang="zh-Hans" dirty="0"/>
-              <a:t>Openrefine,</a:t>
-            </a:r>
-            <a:r>
-              <a:rPr lang="zh-Hans" altLang="en-US" dirty="0"/>
-              <a:t> </a:t>
-            </a:r>
-            <a:r>
-              <a:rPr lang="en-US" altLang="zh-Hans" dirty="0"/>
-              <a:t>which</a:t>
-            </a:r>
-            <a:r>
-              <a:rPr lang="zh-Hans" altLang="en-US" dirty="0"/>
-              <a:t> </a:t>
-            </a:r>
-            <a:r>
-              <a:rPr lang="en-US" altLang="zh-Hans" dirty="0"/>
-              <a:t>return</a:t>
-            </a:r>
-            <a:r>
-              <a:rPr lang="zh-Hans" altLang="en-US" dirty="0"/>
-              <a:t> </a:t>
-            </a:r>
-            <a:r>
-              <a:rPr lang="en-US" altLang="zh-Hans" dirty="0"/>
-              <a:t>the</a:t>
-            </a:r>
-            <a:r>
-              <a:rPr lang="zh-Hans" altLang="en-US" dirty="0"/>
-              <a:t> </a:t>
-            </a:r>
-            <a:r>
-              <a:rPr lang="en-US" altLang="zh-Hans" dirty="0"/>
-              <a:t>functions</a:t>
-            </a:r>
-            <a:r>
-              <a:rPr lang="zh-Hans" altLang="en-US" dirty="0"/>
-              <a:t> </a:t>
-            </a:r>
-            <a:r>
-              <a:rPr lang="en-US" altLang="zh-Hans" dirty="0"/>
-              <a:t>in</a:t>
-            </a:r>
-            <a:r>
-              <a:rPr lang="zh-Hans" altLang="en-US" dirty="0"/>
-              <a:t> </a:t>
-            </a:r>
-            <a:r>
-              <a:rPr lang="en-US" altLang="zh-Hans" dirty="0"/>
-              <a:t>Openrefine-client</a:t>
-            </a:r>
-            <a:r>
-              <a:rPr lang="zh-Hans" altLang="en-US" dirty="0"/>
-              <a:t> </a:t>
-            </a:r>
-            <a:r>
-              <a:rPr lang="en-US" altLang="zh-Hans" dirty="0"/>
-              <a:t>Library.</a:t>
-            </a:r>
-          </a:p>
-          <a:p>
-            <a:r>
-              <a:rPr lang="en-US" altLang="zh-Hans" dirty="0"/>
-              <a:t>2.</a:t>
+              <a:t>Openrefine</a:t>
             </a:r>
             <a:r>
               <a:rPr lang="zh-Hans" altLang="en-US" dirty="0"/>
@@ -3995,11 +4470,15 @@
             </a:r>
             <a:r>
               <a:rPr lang="en-US" altLang="zh-Hans" dirty="0" err="1"/>
-              <a:t>Userscript.py</a:t>
-            </a:r>
-            <a:r>
-              <a:rPr lang="en-US" altLang="zh-Hans" dirty="0"/>
-              <a:t>:</a:t>
+              <a:t>json</a:t>
+            </a:r>
+            <a:r>
+              <a:rPr lang="zh-Hans" altLang="en-US" dirty="0"/>
+              <a:t> </a:t>
+            </a:r>
+            <a:r>
+              <a:rPr lang="en-US" altLang="zh-Hans" dirty="0"/>
+              <a:t>file:</a:t>
             </a:r>
             <a:r>
               <a:rPr lang="zh-Hans" altLang="en-US" dirty="0"/>
@@ -4009,203 +4488,30 @@
               <a:rPr lang="en-US" altLang="zh-Hans" dirty="0">
                 <a:hlinkClick r:id="rId3"/>
               </a:rPr>
-              <a:t>Userscript</a:t>
-            </a:r>
-            <a:r>
-              <a:rPr lang="en-US" altLang="zh-Hans" dirty="0"/>
-              <a:t>,</a:t>
-            </a:r>
-            <a:r>
-              <a:rPr lang="zh-Hans" altLang="en-US" dirty="0"/>
-              <a:t> </a:t>
-            </a:r>
-            <a:r>
-              <a:rPr lang="en-US" altLang="zh-Hans" dirty="0"/>
-              <a:t>this</a:t>
-            </a:r>
-            <a:r>
-              <a:rPr lang="zh-Hans" altLang="en-US" dirty="0"/>
-              <a:t> </a:t>
-            </a:r>
-            <a:r>
-              <a:rPr lang="en-US" altLang="zh-Hans" dirty="0"/>
-              <a:t>system</a:t>
-            </a:r>
-            <a:r>
-              <a:rPr lang="zh-Hans" altLang="en-US" dirty="0"/>
-              <a:t> </a:t>
-            </a:r>
-            <a:r>
-              <a:rPr lang="en-US" altLang="zh-Hans" dirty="0"/>
-              <a:t>is</a:t>
-            </a:r>
-            <a:r>
-              <a:rPr lang="zh-Hans" altLang="en-US" dirty="0"/>
-              <a:t> </a:t>
-            </a:r>
-            <a:r>
-              <a:rPr lang="en-US" altLang="zh-Hans" dirty="0"/>
-              <a:t>to</a:t>
-            </a:r>
-            <a:r>
-              <a:rPr lang="zh-Hans" altLang="en-US" dirty="0"/>
-              <a:t> </a:t>
-            </a:r>
-            <a:r>
-              <a:rPr lang="en-US" altLang="zh-Hans" dirty="0"/>
-              <a:t>construct</a:t>
-            </a:r>
-            <a:r>
-              <a:rPr lang="zh-Hans" altLang="en-US" dirty="0"/>
-              <a:t> </a:t>
-            </a:r>
-            <a:r>
-              <a:rPr lang="en-US" altLang="zh-Hans" dirty="0"/>
-              <a:t>interaction</a:t>
-            </a:r>
-            <a:r>
-              <a:rPr lang="zh-Hans" altLang="en-US" dirty="0"/>
-              <a:t> </a:t>
-            </a:r>
-            <a:r>
-              <a:rPr lang="en-US" altLang="zh-Hans" dirty="0"/>
-              <a:t>between</a:t>
-            </a:r>
-            <a:r>
-              <a:rPr lang="zh-Hans" altLang="en-US" dirty="0"/>
-              <a:t> </a:t>
-            </a:r>
-            <a:r>
-              <a:rPr lang="en-US" altLang="zh-Hans" dirty="0"/>
-              <a:t>human</a:t>
-            </a:r>
-            <a:r>
-              <a:rPr lang="zh-Hans" altLang="en-US" dirty="0"/>
-              <a:t> </a:t>
-            </a:r>
-            <a:r>
-              <a:rPr lang="en-US" altLang="zh-Hans" dirty="0"/>
-              <a:t>and</a:t>
-            </a:r>
-            <a:r>
-              <a:rPr lang="zh-Hans" altLang="en-US" dirty="0"/>
-              <a:t> </a:t>
-            </a:r>
-            <a:r>
-              <a:rPr lang="en-US" altLang="zh-Hans" dirty="0"/>
-              <a:t>the</a:t>
-            </a:r>
-            <a:r>
-              <a:rPr lang="zh-Hans" altLang="en-US" dirty="0"/>
-              <a:t> </a:t>
-            </a:r>
-            <a:r>
-              <a:rPr lang="en-US" altLang="zh-Hans" dirty="0"/>
-              <a:t>Openrefine</a:t>
-            </a:r>
-            <a:r>
-              <a:rPr lang="zh-Hans" altLang="en-US" dirty="0"/>
-              <a:t> </a:t>
-            </a:r>
-            <a:r>
-              <a:rPr lang="en-US" altLang="zh-Hans" dirty="0"/>
-              <a:t>with</a:t>
-            </a:r>
-            <a:r>
-              <a:rPr lang="zh-Hans" altLang="en-US" dirty="0"/>
-              <a:t> </a:t>
-            </a:r>
-            <a:r>
-              <a:rPr lang="en-US" altLang="zh-Hans" dirty="0"/>
-              <a:t>python</a:t>
-            </a:r>
-            <a:r>
-              <a:rPr lang="zh-Hans" altLang="en-US" dirty="0"/>
-              <a:t> </a:t>
-            </a:r>
-            <a:r>
-              <a:rPr lang="en-US" altLang="zh-Hans" dirty="0"/>
-              <a:t>command.</a:t>
-            </a:r>
-            <a:r>
-              <a:rPr lang="zh-Hans" altLang="en-US" dirty="0"/>
-              <a:t> </a:t>
-            </a:r>
-            <a:r>
-              <a:rPr lang="en-US" altLang="zh-Hans" dirty="0"/>
-              <a:t>with</a:t>
-            </a:r>
-            <a:r>
-              <a:rPr lang="zh-Hans" altLang="en-US" dirty="0"/>
-              <a:t> </a:t>
-            </a:r>
-            <a:r>
-              <a:rPr lang="en-US" altLang="zh-Hans" dirty="0"/>
-              <a:t>all</a:t>
-            </a:r>
-            <a:r>
-              <a:rPr lang="zh-Hans" altLang="en-US" dirty="0"/>
-              <a:t> </a:t>
-            </a:r>
-            <a:r>
-              <a:rPr lang="en-US" altLang="zh-Hans" dirty="0"/>
-              <a:t>data</a:t>
-            </a:r>
-            <a:r>
-              <a:rPr lang="zh-Hans" altLang="en-US" dirty="0"/>
-              <a:t> </a:t>
-            </a:r>
-            <a:r>
-              <a:rPr lang="en-US" altLang="zh-Hans" dirty="0"/>
-              <a:t>wrangling</a:t>
-            </a:r>
-            <a:r>
-              <a:rPr lang="zh-Hans" altLang="en-US" dirty="0"/>
-              <a:t> </a:t>
-            </a:r>
-            <a:r>
-              <a:rPr lang="en-US" altLang="zh-Hans" dirty="0"/>
-              <a:t>commands</a:t>
-            </a:r>
-            <a:r>
-              <a:rPr lang="zh-Hans" altLang="en-US" dirty="0"/>
-              <a:t> </a:t>
-            </a:r>
-            <a:r>
-              <a:rPr lang="en-US" altLang="zh-Hans" dirty="0"/>
-              <a:t>done,</a:t>
-            </a:r>
-            <a:r>
-              <a:rPr lang="zh-Hans" altLang="en-US" dirty="0"/>
-              <a:t> </a:t>
-            </a:r>
-            <a:r>
-              <a:rPr lang="en-US" altLang="zh-Hans" dirty="0"/>
-              <a:t>it</a:t>
-            </a:r>
-            <a:r>
-              <a:rPr lang="zh-Hans" altLang="en-US" dirty="0"/>
-              <a:t> </a:t>
-            </a:r>
-            <a:r>
-              <a:rPr lang="en-US" altLang="zh-Hans" dirty="0"/>
-              <a:t>can</a:t>
-            </a:r>
-            <a:r>
-              <a:rPr lang="zh-Hans" altLang="en-US" dirty="0"/>
-              <a:t> </a:t>
-            </a:r>
-            <a:r>
-              <a:rPr lang="en-US" altLang="zh-Hans" dirty="0"/>
-              <a:t>generate</a:t>
-            </a:r>
-            <a:r>
-              <a:rPr lang="zh-Hans" altLang="en-US" dirty="0"/>
-              <a:t> </a:t>
-            </a:r>
-            <a:r>
-              <a:rPr lang="en-US" altLang="zh-Hans" dirty="0"/>
-              <a:t>a</a:t>
+              <a:t>Openrefine_cleanedjsonfile</a:t>
+            </a:r>
+            <a:endParaRPr lang="en-US" altLang="zh-Hans" dirty="0"/>
+          </a:p>
+          <a:p>
+            <a:r>
+              <a:rPr lang="en-US" altLang="zh-Hans" dirty="0"/>
+              <a:t>3.</a:t>
+            </a:r>
+            <a:r>
+              <a:rPr lang="zh-Hans" altLang="en-US" dirty="0"/>
+              <a:t> </a:t>
+            </a:r>
+            <a:r>
+              <a:rPr lang="en-US" altLang="zh-Hans" dirty="0"/>
+              <a:t>apply</a:t>
+            </a:r>
+            <a:r>
+              <a:rPr lang="zh-Hans" altLang="en-US" dirty="0"/>
+              <a:t> </a:t>
+            </a:r>
+            <a:r>
+              <a:rPr lang="en-US" altLang="zh-Hans" dirty="0"/>
+              <a:t>step2</a:t>
             </a:r>
             <a:r>
               <a:rPr lang="zh-Hans" altLang="en-US" dirty="0"/>
@@ -4229,15 +4535,76 @@
             </a:r>
             <a:r>
               <a:rPr lang="en-US" altLang="zh-Hans" dirty="0"/>
-              <a:t>after</a:t>
-            </a:r>
-            <a:r>
-              <a:rPr lang="zh-Hans" altLang="en-US" dirty="0"/>
-              <a:t> </a:t>
-            </a:r>
-            <a:r>
-              <a:rPr lang="en-US" altLang="zh-Hans" dirty="0"/>
-              <a:t>running</a:t>
+              <a:t>with</a:t>
+            </a:r>
+            <a:r>
+              <a:rPr lang="zh-Hans" altLang="en-US" dirty="0"/>
+              <a:t> </a:t>
+            </a:r>
+            <a:r>
+              <a:rPr lang="en-US" altLang="zh-Hans" dirty="0" err="1"/>
+              <a:t>openrefine</a:t>
+            </a:r>
+            <a:r>
+              <a:rPr lang="en-US" altLang="zh-Hans" dirty="0"/>
+              <a:t>-client</a:t>
+            </a:r>
+            <a:r>
+              <a:rPr lang="zh-Hans" altLang="en-US" dirty="0"/>
+              <a:t> </a:t>
+            </a:r>
+            <a:r>
+              <a:rPr lang="en-US" altLang="zh-Hans" dirty="0"/>
+              <a:t>library</a:t>
+            </a:r>
+            <a:r>
+              <a:rPr lang="zh-Hans" altLang="en-US" dirty="0"/>
+              <a:t> </a:t>
+            </a:r>
+            <a:r>
+              <a:rPr lang="en-US" altLang="zh-Hans" dirty="0"/>
+              <a:t>in</a:t>
+            </a:r>
+            <a:r>
+              <a:rPr lang="zh-Hans" altLang="en-US" dirty="0"/>
+              <a:t> </a:t>
+            </a:r>
+            <a:r>
+              <a:rPr lang="en-US" altLang="zh-Hans" dirty="0"/>
+              <a:t>bash</a:t>
+            </a:r>
+            <a:r>
+              <a:rPr lang="zh-Hans" altLang="en-US" dirty="0"/>
+              <a:t> </a:t>
+            </a:r>
+            <a:r>
+              <a:rPr lang="en-US" altLang="zh-Hans" dirty="0"/>
+              <a:t>mode:</a:t>
+            </a:r>
+            <a:r>
+              <a:rPr lang="zh-Hans" altLang="en-US" dirty="0"/>
+              <a:t> </a:t>
+            </a:r>
+            <a:r>
+              <a:rPr lang="en-US" altLang="zh-Hans" dirty="0">
+                <a:hlinkClick r:id="rId4"/>
+              </a:rPr>
+              <a:t>Openrefine-client_bash</a:t>
+            </a:r>
+            <a:endParaRPr lang="en-US" altLang="zh-Hans" dirty="0"/>
+          </a:p>
+          <a:p>
+            <a:r>
+              <a:rPr lang="en-US" altLang="zh-Hans" dirty="0"/>
+              <a:t>4.</a:t>
+            </a:r>
+            <a:r>
+              <a:rPr lang="zh-Hans" altLang="en-US" dirty="0"/>
+              <a:t> </a:t>
+            </a:r>
+            <a:r>
+              <a:rPr lang="en-US" altLang="zh-Hans" dirty="0"/>
+              <a:t>generate</a:t>
             </a:r>
             <a:r>
               <a:rPr lang="zh-Hans" altLang="en-US" dirty="0"/>
@@ -4253,15 +4620,120 @@
             </a:r>
             <a:r>
               <a:rPr lang="en-US" altLang="zh-Hans" dirty="0"/>
-              <a:t>system.</a:t>
-            </a:r>
-            <a:r>
-              <a:rPr lang="zh-Hans" altLang="en-US" dirty="0"/>
-              <a:t>  </a:t>
-            </a:r>
-            <a:r>
-              <a:rPr lang="en-US" altLang="zh-Hans" dirty="0"/>
-              <a:t>At</a:t>
+              <a:t>Openrefine</a:t>
+            </a:r>
+            <a:r>
+              <a:rPr lang="zh-Hans" altLang="en-US" dirty="0"/>
+              <a:t> </a:t>
+            </a:r>
+            <a:r>
+              <a:rPr lang="en-US" altLang="zh-Hans" dirty="0"/>
+              <a:t>cleaned</a:t>
+            </a:r>
+            <a:r>
+              <a:rPr lang="zh-Hans" altLang="en-US" dirty="0"/>
+              <a:t> </a:t>
+            </a:r>
+            <a:r>
+              <a:rPr lang="en-US" altLang="zh-Hans" dirty="0"/>
+              <a:t>csv:</a:t>
+            </a:r>
+            <a:r>
+              <a:rPr lang="zh-Hans" altLang="en-US" dirty="0"/>
+              <a:t> </a:t>
+            </a:r>
+            <a:r>
+              <a:rPr lang="en-US" altLang="zh-Hans" dirty="0">
+                <a:hlinkClick r:id="rId5"/>
+              </a:rPr>
+              <a:t>Openrefine-client_cleanedcsvfile</a:t>
+            </a:r>
+            <a:endParaRPr lang="en-US" altLang="zh-Hans" dirty="0"/>
+          </a:p>
+          <a:p>
+            <a:r>
+              <a:rPr lang="en-US" altLang="zh-Hans" dirty="0"/>
+              <a:t>5.</a:t>
+            </a:r>
+            <a:r>
+              <a:rPr lang="zh-Hans" altLang="en-US" dirty="0"/>
+              <a:t> </a:t>
+            </a:r>
+            <a:r>
+              <a:rPr lang="en-US" altLang="zh-Hans" dirty="0"/>
+              <a:t>compare</a:t>
+            </a:r>
+            <a:r>
+              <a:rPr lang="zh-Hans" altLang="en-US" dirty="0"/>
+              <a:t> </a:t>
+            </a:r>
+            <a:r>
+              <a:rPr lang="en-US" altLang="zh-Hans" dirty="0"/>
+              <a:t>step1</a:t>
+            </a:r>
+            <a:r>
+              <a:rPr lang="zh-Hans" altLang="en-US" dirty="0"/>
+              <a:t> </a:t>
+            </a:r>
+            <a:r>
+              <a:rPr lang="en-US" altLang="zh-Hans" dirty="0"/>
+              <a:t>and</a:t>
+            </a:r>
+            <a:r>
+              <a:rPr lang="zh-Hans" altLang="en-US" dirty="0"/>
+              <a:t> </a:t>
+            </a:r>
+            <a:r>
+              <a:rPr lang="en-US" altLang="zh-Hans" dirty="0"/>
+              <a:t>step4</a:t>
+            </a:r>
+            <a:r>
+              <a:rPr lang="zh-Hans" altLang="en-US" dirty="0"/>
+              <a:t> </a:t>
+            </a:r>
+            <a:r>
+              <a:rPr lang="en-US" altLang="zh-Hans" dirty="0"/>
+              <a:t>output</a:t>
+            </a:r>
+            <a:r>
+              <a:rPr lang="zh-Hans" altLang="en-US" dirty="0"/>
+              <a:t> </a:t>
+            </a:r>
+            <a:r>
+              <a:rPr lang="en-US" altLang="zh-Hans" dirty="0"/>
+              <a:t>cleaned</a:t>
+            </a:r>
+            <a:r>
+              <a:rPr lang="zh-Hans" altLang="en-US" dirty="0"/>
+              <a:t> </a:t>
+            </a:r>
+            <a:r>
+              <a:rPr lang="en-US" altLang="zh-Hans" dirty="0"/>
+              <a:t>csv</a:t>
+            </a:r>
+            <a:r>
+              <a:rPr lang="zh-Hans" altLang="en-US" dirty="0"/>
+              <a:t> </a:t>
+            </a:r>
+            <a:r>
+              <a:rPr lang="en-US" altLang="zh-Hans" dirty="0"/>
+              <a:t>file,</a:t>
+            </a:r>
+            <a:r>
+              <a:rPr lang="zh-Hans" altLang="en-US" dirty="0"/>
+              <a:t> </a:t>
+            </a:r>
+            <a:r>
+              <a:rPr lang="en-US" altLang="zh-Hans" dirty="0"/>
+              <a:t>they</a:t>
+            </a:r>
+            <a:r>
+              <a:rPr lang="zh-Hans" altLang="en-US" dirty="0"/>
+              <a:t> </a:t>
+            </a:r>
+            <a:r>
+              <a:rPr lang="en-US" altLang="zh-Hans" dirty="0"/>
+              <a:t>are</a:t>
             </a:r>
             <a:r>
               <a:rPr lang="zh-Hans" altLang="en-US" dirty="0"/>
@@ -4277,95 +4749,7 @@
             </a:r>
             <a:r>
               <a:rPr lang="en-US" altLang="zh-Hans" dirty="0"/>
-              <a:t>same</a:t>
-            </a:r>
-            <a:r>
-              <a:rPr lang="zh-Hans" altLang="en-US" dirty="0"/>
-              <a:t> </a:t>
-            </a:r>
-            <a:r>
-              <a:rPr lang="en-US" altLang="zh-Hans" dirty="0"/>
-              <a:t>time,</a:t>
-            </a:r>
-            <a:r>
-              <a:rPr lang="zh-Hans" altLang="en-US" dirty="0"/>
-              <a:t> </a:t>
-            </a:r>
-            <a:r>
-              <a:rPr lang="en-US" altLang="zh-Hans" dirty="0"/>
-              <a:t>the</a:t>
-            </a:r>
-            <a:r>
-              <a:rPr lang="zh-Hans" altLang="en-US" dirty="0"/>
-              <a:t> </a:t>
-            </a:r>
-            <a:r>
-              <a:rPr lang="en-US" altLang="zh-Hans" dirty="0"/>
-              <a:t>Openrefine</a:t>
-            </a:r>
-            <a:r>
-              <a:rPr lang="zh-Hans" altLang="en-US" dirty="0"/>
-              <a:t> </a:t>
-            </a:r>
-            <a:r>
-              <a:rPr lang="en-US" altLang="zh-Hans" dirty="0"/>
-              <a:t>GUI</a:t>
-            </a:r>
-            <a:r>
-              <a:rPr lang="zh-Hans" altLang="en-US" dirty="0"/>
-              <a:t> </a:t>
-            </a:r>
-            <a:r>
-              <a:rPr lang="en-US" altLang="zh-Hans" dirty="0"/>
-              <a:t>will</a:t>
-            </a:r>
-            <a:r>
-              <a:rPr lang="zh-Hans" altLang="en-US" dirty="0"/>
-              <a:t> </a:t>
-            </a:r>
-            <a:r>
-              <a:rPr lang="en-US" altLang="zh-Hans" dirty="0"/>
-              <a:t>generate</a:t>
-            </a:r>
-            <a:r>
-              <a:rPr lang="zh-Hans" altLang="en-US" dirty="0"/>
-              <a:t> </a:t>
-            </a:r>
-            <a:r>
-              <a:rPr lang="en-US" altLang="zh-Hans" dirty="0"/>
-              <a:t>the</a:t>
-            </a:r>
-            <a:r>
-              <a:rPr lang="zh-Hans" altLang="en-US" dirty="0"/>
-              <a:t> </a:t>
-            </a:r>
-            <a:r>
-              <a:rPr lang="en-US" altLang="zh-Hans" dirty="0"/>
-              <a:t>corresponding</a:t>
-            </a:r>
-            <a:r>
-              <a:rPr lang="zh-Hans" altLang="en-US" dirty="0"/>
-              <a:t> </a:t>
-            </a:r>
-            <a:r>
-              <a:rPr lang="en-US" altLang="zh-Hans" dirty="0"/>
-              <a:t>cleaned</a:t>
-            </a:r>
-            <a:r>
-              <a:rPr lang="zh-Hans" altLang="en-US" dirty="0"/>
-              <a:t> </a:t>
-            </a:r>
-            <a:r>
-              <a:rPr lang="en-US" altLang="zh-Hans" dirty="0"/>
-              <a:t>csv</a:t>
-            </a:r>
-            <a:r>
-              <a:rPr lang="zh-Hans" altLang="en-US" dirty="0"/>
-              <a:t> </a:t>
-            </a:r>
-            <a:r>
-              <a:rPr lang="en-US" altLang="zh-Hans" dirty="0"/>
-              <a:t>file.</a:t>
+              <a:t>same.</a:t>
             </a:r>
             <a:r>
               <a:rPr lang="zh-Hans" altLang="en-US" dirty="0"/>
@@ -4374,310 +4758,15 @@
             <a:endParaRPr lang="en-US" altLang="zh-Hans" dirty="0"/>
           </a:p>
           <a:p>
-            <a:r>
-              <a:rPr lang="en-US" altLang="zh-Hans" dirty="0"/>
-              <a:t>3.</a:t>
-            </a:r>
-            <a:r>
-              <a:rPr lang="zh-Hans" altLang="en-US" dirty="0"/>
-              <a:t> </a:t>
-            </a:r>
-            <a:r>
-              <a:rPr lang="en-US" altLang="zh-Hans" dirty="0"/>
-              <a:t>when</a:t>
-            </a:r>
-            <a:r>
-              <a:rPr lang="zh-Hans" altLang="en-US" dirty="0"/>
-              <a:t> </a:t>
-            </a:r>
-            <a:r>
-              <a:rPr lang="en-US" altLang="zh-Hans" dirty="0"/>
-              <a:t>apply</a:t>
-            </a:r>
-            <a:r>
-              <a:rPr lang="zh-Hans" altLang="en-US" dirty="0"/>
-              <a:t> </a:t>
-            </a:r>
-            <a:r>
-              <a:rPr lang="en-US" altLang="zh-Hans" dirty="0"/>
-              <a:t>the</a:t>
-            </a:r>
-            <a:r>
-              <a:rPr lang="zh-Hans" altLang="en-US" dirty="0"/>
-              <a:t> </a:t>
-            </a:r>
-            <a:r>
-              <a:rPr lang="en-US" altLang="zh-Hans" dirty="0" err="1"/>
-              <a:t>json</a:t>
-            </a:r>
-            <a:r>
-              <a:rPr lang="zh-Hans" altLang="en-US" dirty="0"/>
-              <a:t> </a:t>
-            </a:r>
-            <a:r>
-              <a:rPr lang="en-US" altLang="zh-Hans" dirty="0"/>
-              <a:t>file</a:t>
-            </a:r>
-            <a:r>
-              <a:rPr lang="zh-Hans" altLang="en-US" dirty="0"/>
-              <a:t> </a:t>
-            </a:r>
-            <a:r>
-              <a:rPr lang="en-US" altLang="zh-Hans" dirty="0"/>
-              <a:t>in</a:t>
-            </a:r>
-            <a:r>
-              <a:rPr lang="zh-Hans" altLang="en-US" dirty="0"/>
-              <a:t> </a:t>
-            </a:r>
-            <a:r>
-              <a:rPr lang="en-US" altLang="zh-Hans" dirty="0"/>
-              <a:t>step2</a:t>
-            </a:r>
-            <a:r>
-              <a:rPr lang="zh-Hans" altLang="en-US" dirty="0"/>
-              <a:t> </a:t>
-            </a:r>
-            <a:r>
-              <a:rPr lang="en-US" altLang="zh-Hans" dirty="0"/>
-              <a:t>to</a:t>
-            </a:r>
-            <a:r>
-              <a:rPr lang="zh-Hans" altLang="en-US" dirty="0"/>
-              <a:t> </a:t>
-            </a:r>
-            <a:r>
-              <a:rPr lang="en-US" altLang="zh-Hans" dirty="0"/>
-              <a:t>Openrefine</a:t>
-            </a:r>
-            <a:r>
-              <a:rPr lang="zh-Hans" altLang="en-US" dirty="0"/>
-              <a:t> </a:t>
-            </a:r>
-            <a:r>
-              <a:rPr lang="en-US" altLang="zh-Hans" dirty="0"/>
-              <a:t>GUI</a:t>
-            </a:r>
-            <a:r>
-              <a:rPr lang="zh-Hans" altLang="en-US" dirty="0"/>
-              <a:t> </a:t>
-            </a:r>
-            <a:r>
-              <a:rPr lang="en-US" altLang="zh-Hans" dirty="0"/>
-              <a:t>(Apply</a:t>
-            </a:r>
-            <a:r>
-              <a:rPr lang="zh-Hans" altLang="en-US" dirty="0"/>
-              <a:t> </a:t>
-            </a:r>
-            <a:r>
-              <a:rPr lang="en-US" altLang="zh-Hans" dirty="0"/>
-              <a:t>operation</a:t>
-            </a:r>
-            <a:r>
-              <a:rPr lang="zh-Hans" altLang="en-US" dirty="0"/>
-              <a:t> </a:t>
-            </a:r>
-            <a:r>
-              <a:rPr lang="en-US" altLang="zh-Hans" dirty="0"/>
-              <a:t>history),</a:t>
-            </a:r>
-            <a:r>
-              <a:rPr lang="zh-Hans" altLang="en-US" dirty="0"/>
-              <a:t> </a:t>
-            </a:r>
-            <a:r>
-              <a:rPr lang="en-US" altLang="zh-Hans" dirty="0"/>
-              <a:t>Or</a:t>
-            </a:r>
-            <a:r>
-              <a:rPr lang="zh-Hans" altLang="en-US" dirty="0"/>
-              <a:t> </a:t>
-            </a:r>
-            <a:r>
-              <a:rPr lang="en-US" altLang="zh-Hans" dirty="0"/>
-              <a:t>use</a:t>
-            </a:r>
-            <a:r>
-              <a:rPr lang="zh-Hans" altLang="en-US" dirty="0"/>
-              <a:t> </a:t>
-            </a:r>
-            <a:r>
-              <a:rPr lang="en-US" altLang="zh-Hans" dirty="0"/>
-              <a:t>step</a:t>
-            </a:r>
-            <a:r>
-              <a:rPr lang="zh-Hans" altLang="en-US" dirty="0"/>
-              <a:t> </a:t>
-            </a:r>
-            <a:r>
-              <a:rPr lang="en-US" altLang="zh-Hans" dirty="0"/>
-              <a:t>1</a:t>
-            </a:r>
-            <a:r>
-              <a:rPr lang="zh-Hans" altLang="en-US" dirty="0"/>
-              <a:t> </a:t>
-            </a:r>
-            <a:r>
-              <a:rPr lang="en-US" altLang="zh-Hans" dirty="0"/>
-              <a:t>to</a:t>
-            </a:r>
-            <a:r>
-              <a:rPr lang="zh-Hans" altLang="en-US" dirty="0"/>
-              <a:t> </a:t>
-            </a:r>
-            <a:r>
-              <a:rPr lang="en-US" altLang="zh-Hans" dirty="0"/>
-              <a:t>do</a:t>
-            </a:r>
-            <a:r>
-              <a:rPr lang="zh-Hans" altLang="en-US" dirty="0"/>
-              <a:t> </a:t>
-            </a:r>
-            <a:r>
-              <a:rPr lang="en-US" altLang="zh-Hans" dirty="0"/>
-              <a:t>the</a:t>
-            </a:r>
-            <a:r>
-              <a:rPr lang="zh-Hans" altLang="en-US" dirty="0"/>
-              <a:t> </a:t>
-            </a:r>
-            <a:r>
-              <a:rPr lang="en-US" altLang="zh-Hans" dirty="0"/>
-              <a:t>bash</a:t>
-            </a:r>
-            <a:r>
-              <a:rPr lang="zh-Hans" altLang="en-US" dirty="0"/>
-              <a:t> </a:t>
-            </a:r>
-            <a:r>
-              <a:rPr lang="en-US" altLang="zh-Hans" dirty="0"/>
-              <a:t>mode</a:t>
-            </a:r>
-            <a:r>
-              <a:rPr lang="zh-Hans" altLang="en-US" dirty="0"/>
-              <a:t> </a:t>
-            </a:r>
-            <a:r>
-              <a:rPr lang="en-US" altLang="zh-Hans" dirty="0"/>
-              <a:t>apply</a:t>
-            </a:r>
-            <a:r>
-              <a:rPr lang="zh-Hans" altLang="en-US" dirty="0"/>
-              <a:t> </a:t>
-            </a:r>
-            <a:r>
-              <a:rPr lang="en-US" altLang="zh-Hans" dirty="0"/>
-              <a:t>operation.</a:t>
-            </a:r>
-            <a:r>
-              <a:rPr lang="zh-Hans" altLang="en-US" dirty="0"/>
-              <a:t> </a:t>
-            </a:r>
-            <a:r>
-              <a:rPr lang="en-US" altLang="zh-Hans" dirty="0"/>
-              <a:t>The</a:t>
-            </a:r>
-            <a:r>
-              <a:rPr lang="zh-Hans" altLang="en-US" dirty="0"/>
-              <a:t> </a:t>
-            </a:r>
-            <a:r>
-              <a:rPr lang="en-US" altLang="zh-Hans" dirty="0"/>
-              <a:t>outputs</a:t>
-            </a:r>
-            <a:r>
-              <a:rPr lang="zh-Hans" altLang="en-US" dirty="0"/>
-              <a:t> </a:t>
-            </a:r>
-            <a:r>
-              <a:rPr lang="en-US" altLang="zh-Hans" dirty="0"/>
-              <a:t>cleaned</a:t>
-            </a:r>
-            <a:r>
-              <a:rPr lang="zh-Hans" altLang="en-US" dirty="0"/>
-              <a:t> </a:t>
-            </a:r>
-            <a:r>
-              <a:rPr lang="en-US" altLang="zh-Hans" dirty="0"/>
-              <a:t>csv</a:t>
-            </a:r>
-            <a:r>
-              <a:rPr lang="zh-Hans" altLang="en-US" dirty="0"/>
-              <a:t> </a:t>
-            </a:r>
-            <a:r>
-              <a:rPr lang="en-US" altLang="zh-Hans" dirty="0"/>
-              <a:t>file</a:t>
-            </a:r>
-            <a:r>
-              <a:rPr lang="zh-Hans" altLang="en-US" dirty="0"/>
-              <a:t> </a:t>
-            </a:r>
-            <a:r>
-              <a:rPr lang="en-US" altLang="zh-Hans" dirty="0"/>
-              <a:t>is</a:t>
-            </a:r>
-            <a:r>
-              <a:rPr lang="zh-Hans" altLang="en-US" dirty="0"/>
-              <a:t> </a:t>
-            </a:r>
-            <a:r>
-              <a:rPr lang="en-US" altLang="zh-Hans" dirty="0"/>
-              <a:t>the</a:t>
-            </a:r>
-            <a:r>
-              <a:rPr lang="zh-Hans" altLang="en-US" dirty="0"/>
-              <a:t> </a:t>
-            </a:r>
-            <a:r>
-              <a:rPr lang="en-US" altLang="zh-Hans" dirty="0"/>
-              <a:t>same</a:t>
-            </a:r>
-            <a:r>
-              <a:rPr lang="zh-Hans" altLang="en-US" dirty="0"/>
-              <a:t> </a:t>
-            </a:r>
-            <a:r>
-              <a:rPr lang="en-US" altLang="zh-Hans" dirty="0"/>
-              <a:t>as</a:t>
-            </a:r>
-            <a:r>
-              <a:rPr lang="zh-Hans" altLang="en-US" dirty="0"/>
-              <a:t> </a:t>
-            </a:r>
-            <a:r>
-              <a:rPr lang="en-US" altLang="zh-Hans" dirty="0"/>
-              <a:t>step2</a:t>
-            </a:r>
-            <a:r>
-              <a:rPr lang="zh-Hans" altLang="en-US" dirty="0"/>
-              <a:t> </a:t>
-            </a:r>
-            <a:r>
-              <a:rPr lang="en-US" altLang="zh-Hans" dirty="0"/>
-              <a:t>cleaned</a:t>
-            </a:r>
-            <a:r>
-              <a:rPr lang="zh-Hans" altLang="en-US" dirty="0"/>
-              <a:t> </a:t>
-            </a:r>
-            <a:r>
-              <a:rPr lang="en-US" altLang="zh-Hans" dirty="0"/>
-              <a:t>csv</a:t>
-            </a:r>
-            <a:r>
-              <a:rPr lang="zh-Hans" altLang="en-US" dirty="0"/>
-              <a:t> </a:t>
-            </a:r>
-            <a:r>
-              <a:rPr lang="en-US" altLang="zh-Hans" dirty="0"/>
-              <a:t>file.</a:t>
-            </a:r>
-            <a:r>
-              <a:rPr lang="zh-Hans" altLang="en-US" dirty="0"/>
-              <a:t> </a:t>
-            </a:r>
+            <a:endParaRPr lang="en-US" altLang="zh-Hans" dirty="0"/>
+          </a:p>
+          <a:p>
+            <a:endParaRPr lang="en-US" altLang="zh-Hans" dirty="0"/>
+          </a:p>
+          <a:p>
+            <a:endParaRPr lang="en-US" altLang="zh-Hans" dirty="0"/>
+          </a:p>
+          <a:p>
             <a:endParaRPr lang="en-US" dirty="0"/>
           </a:p>
         </p:txBody>
@@ -4685,7 +4774,7 @@
     </p:spTree>
     <p:extLst>
       <p:ext uri="{BB962C8B-B14F-4D97-AF65-F5344CB8AC3E}">
-        <p14:creationId xmlns:p14="http://schemas.microsoft.com/office/powerpoint/2010/main" val="2966791618"/>
+        <p14:creationId xmlns:p14="http://schemas.microsoft.com/office/powerpoint/2010/main" val="4164511923"/>
       </p:ext>
     </p:extLst>
   </p:cSld>
@@ -4717,6 +4806,831 @@
           <p:cNvPr id="2" name="Title 1">
             <a:extLst>
               <a:ext uri="{FF2B5EF4-FFF2-40B4-BE49-F238E27FC236}">
+                <a16:creationId xmlns:a16="http://schemas.microsoft.com/office/drawing/2014/main" id="{B63625F3-B375-8F4D-A693-3507D4FF38B6}"/>
+              </a:ext>
+            </a:extLst>
+          </p:cNvPr>
+          <p:cNvSpPr>
+            <a:spLocks noGrp="1"/>
+          </p:cNvSpPr>
+          <p:nvPr>
+            <p:ph type="title"/>
+          </p:nvPr>
+        </p:nvSpPr>
+        <p:spPr/>
+        <p:txBody>
+          <a:bodyPr/>
+          <a:lstStyle/>
+          <a:p>
+            <a:pPr algn="ctr"/>
+            <a:r>
+              <a:rPr lang="en-US" altLang="zh-Hans" dirty="0"/>
+              <a:t>Openrefine-client</a:t>
+            </a:r>
+            <a:r>
+              <a:rPr lang="zh-Hans" altLang="en-US" dirty="0"/>
+              <a:t> </a:t>
+            </a:r>
+            <a:r>
+              <a:rPr lang="en-US" altLang="zh-Hans" dirty="0"/>
+              <a:t>library</a:t>
+            </a:r>
+            <a:r>
+              <a:rPr lang="zh-Hans" altLang="en-US" dirty="0"/>
+              <a:t> </a:t>
+            </a:r>
+            <a:r>
+              <a:rPr lang="en-US" altLang="zh-Hans" dirty="0"/>
+              <a:t>Outputs</a:t>
+            </a:r>
+            <a:r>
+              <a:rPr lang="zh-Hans" altLang="en-US" dirty="0"/>
+              <a:t> </a:t>
+            </a:r>
+            <a:endParaRPr lang="en-US" dirty="0"/>
+          </a:p>
+        </p:txBody>
+      </p:sp>
+      <p:sp>
+        <p:nvSpPr>
+          <p:cNvPr id="3" name="Content Placeholder 2">
+            <a:extLst>
+              <a:ext uri="{FF2B5EF4-FFF2-40B4-BE49-F238E27FC236}">
+                <a16:creationId xmlns:a16="http://schemas.microsoft.com/office/drawing/2014/main" id="{E5BB94BD-6F14-734F-A6E2-DF07141C55EF}"/>
+              </a:ext>
+            </a:extLst>
+          </p:cNvPr>
+          <p:cNvSpPr>
+            <a:spLocks noGrp="1"/>
+          </p:cNvSpPr>
+          <p:nvPr>
+            <p:ph idx="1"/>
+          </p:nvPr>
+        </p:nvSpPr>
+        <p:spPr/>
+        <p:txBody>
+          <a:bodyPr/>
+          <a:lstStyle/>
+          <a:p>
+            <a:endParaRPr lang="en-US"/>
+          </a:p>
+        </p:txBody>
+      </p:sp>
+    </p:spTree>
+    <p:extLst>
+      <p:ext uri="{BB962C8B-B14F-4D97-AF65-F5344CB8AC3E}">
+        <p14:creationId xmlns:p14="http://schemas.microsoft.com/office/powerpoint/2010/main" val="663992507"/>
+      </p:ext>
+    </p:extLst>
+  </p:cSld>
+  <p:clrMapOvr>
+    <a:masterClrMapping/>
+  </p:clrMapOvr>
+</p:sld>
+</file>
+
+<file path=ppt/slides/slide12.xml><?xml version="1.0" encoding="utf-8"?>
+<p:sld xmlns:a="http://schemas.openxmlformats.org/drawingml/2006/main" xmlns:r="http://schemas.openxmlformats.org/officeDocument/2006/relationships" xmlns:p="http://schemas.openxmlformats.org/presentationml/2006/main">
+  <p:cSld>
+    <p:spTree>
+      <p:nvGrpSpPr>
+        <p:cNvPr id="1" name=""/>
+        <p:cNvGrpSpPr/>
+        <p:nvPr/>
+      </p:nvGrpSpPr>
+      <p:grpSpPr>
+        <a:xfrm>
+          <a:off x="0" y="0"/>
+          <a:ext cx="0" cy="0"/>
+          <a:chOff x="0" y="0"/>
+          <a:chExt cx="0" cy="0"/>
+        </a:xfrm>
+      </p:grpSpPr>
+      <p:sp>
+        <p:nvSpPr>
+          <p:cNvPr id="2" name="Title 1">
+            <a:extLst>
+              <a:ext uri="{FF2B5EF4-FFF2-40B4-BE49-F238E27FC236}">
+                <a16:creationId xmlns:a16="http://schemas.microsoft.com/office/drawing/2014/main" id="{B9C0B949-781C-684F-9B63-355731990A09}"/>
+              </a:ext>
+            </a:extLst>
+          </p:cNvPr>
+          <p:cNvSpPr>
+            <a:spLocks noGrp="1"/>
+          </p:cNvSpPr>
+          <p:nvPr>
+            <p:ph type="title"/>
+          </p:nvPr>
+        </p:nvSpPr>
+        <p:spPr/>
+        <p:txBody>
+          <a:bodyPr/>
+          <a:lstStyle/>
+          <a:p>
+            <a:pPr algn="ctr"/>
+            <a:r>
+              <a:rPr lang="en-US" altLang="zh-Hans" dirty="0"/>
+              <a:t>Openrefine-client</a:t>
+            </a:r>
+            <a:r>
+              <a:rPr lang="zh-Hans" altLang="en-US" dirty="0"/>
+              <a:t> </a:t>
+            </a:r>
+            <a:r>
+              <a:rPr lang="en-US" altLang="zh-Hans" dirty="0"/>
+              <a:t>library</a:t>
+            </a:r>
+            <a:r>
+              <a:rPr lang="zh-Hans" altLang="en-US" dirty="0"/>
+              <a:t> </a:t>
+            </a:r>
+            <a:r>
+              <a:rPr lang="en-US" altLang="zh-Hans" dirty="0"/>
+              <a:t>Outputs</a:t>
+            </a:r>
+            <a:r>
+              <a:rPr lang="zh-Hans" altLang="en-US" dirty="0"/>
+              <a:t> </a:t>
+            </a:r>
+            <a:endParaRPr lang="en-US" dirty="0"/>
+          </a:p>
+        </p:txBody>
+      </p:sp>
+      <p:sp>
+        <p:nvSpPr>
+          <p:cNvPr id="3" name="Content Placeholder 2">
+            <a:extLst>
+              <a:ext uri="{FF2B5EF4-FFF2-40B4-BE49-F238E27FC236}">
+                <a16:creationId xmlns:a16="http://schemas.microsoft.com/office/drawing/2014/main" id="{67B0D11D-00E5-FA48-BED3-B5F7E7D7C548}"/>
+              </a:ext>
+            </a:extLst>
+          </p:cNvPr>
+          <p:cNvSpPr>
+            <a:spLocks noGrp="1"/>
+          </p:cNvSpPr>
+          <p:nvPr>
+            <p:ph idx="1"/>
+          </p:nvPr>
+        </p:nvSpPr>
+        <p:spPr/>
+        <p:txBody>
+          <a:bodyPr>
+            <a:normAutofit/>
+          </a:bodyPr>
+          <a:lstStyle/>
+          <a:p>
+            <a:r>
+              <a:rPr lang="en-US" altLang="zh-Hans" dirty="0"/>
+              <a:t>1.</a:t>
+            </a:r>
+            <a:r>
+              <a:rPr lang="zh-Hans" altLang="en-US" dirty="0"/>
+              <a:t> </a:t>
+            </a:r>
+            <a:r>
+              <a:rPr lang="en-US" altLang="zh-Hans" dirty="0" err="1"/>
+              <a:t>Openrefinerecipe.py</a:t>
+            </a:r>
+            <a:r>
+              <a:rPr lang="zh-Hans" altLang="en-US" dirty="0"/>
+              <a:t> </a:t>
+            </a:r>
+            <a:r>
+              <a:rPr lang="en-US" altLang="zh-Hans" dirty="0"/>
+              <a:t>:</a:t>
+            </a:r>
+            <a:r>
+              <a:rPr lang="zh-Hans" altLang="en-US" dirty="0"/>
+              <a:t> </a:t>
+            </a:r>
+            <a:r>
+              <a:rPr lang="en-US" altLang="zh-Hans" dirty="0">
+                <a:hlinkClick r:id="rId2"/>
+              </a:rPr>
+              <a:t>Openrefinerecipe</a:t>
+            </a:r>
+            <a:r>
+              <a:rPr lang="en-US" altLang="zh-Hans" dirty="0"/>
+              <a:t>,</a:t>
+            </a:r>
+            <a:r>
+              <a:rPr lang="zh-Hans" altLang="en-US" dirty="0"/>
+              <a:t> </a:t>
+            </a:r>
+            <a:r>
+              <a:rPr lang="en-US" altLang="zh-Hans" dirty="0"/>
+              <a:t>this</a:t>
+            </a:r>
+            <a:r>
+              <a:rPr lang="zh-Hans" altLang="en-US" dirty="0"/>
+              <a:t> </a:t>
+            </a:r>
+            <a:r>
+              <a:rPr lang="en-US" altLang="zh-Hans" dirty="0"/>
+              <a:t>python</a:t>
+            </a:r>
+            <a:r>
+              <a:rPr lang="zh-Hans" altLang="en-US" dirty="0"/>
+              <a:t> </a:t>
+            </a:r>
+            <a:r>
+              <a:rPr lang="en-US" altLang="zh-Hans" dirty="0"/>
+              <a:t>script</a:t>
+            </a:r>
+            <a:r>
+              <a:rPr lang="zh-Hans" altLang="en-US" dirty="0"/>
+              <a:t> </a:t>
+            </a:r>
+            <a:r>
+              <a:rPr lang="en-US" altLang="zh-Hans" dirty="0"/>
+              <a:t>is</a:t>
+            </a:r>
+            <a:r>
+              <a:rPr lang="zh-Hans" altLang="en-US" dirty="0"/>
+              <a:t> </a:t>
+            </a:r>
+            <a:r>
+              <a:rPr lang="en-US" altLang="zh-Hans" dirty="0"/>
+              <a:t>to</a:t>
+            </a:r>
+            <a:r>
+              <a:rPr lang="zh-Hans" altLang="en-US" dirty="0"/>
+              <a:t> </a:t>
+            </a:r>
+            <a:r>
+              <a:rPr lang="en-US" altLang="zh-Hans" dirty="0"/>
+              <a:t>list</a:t>
+            </a:r>
+            <a:r>
+              <a:rPr lang="zh-Hans" altLang="en-US" dirty="0"/>
+              <a:t> </a:t>
+            </a:r>
+            <a:r>
+              <a:rPr lang="en-US" altLang="zh-Hans" dirty="0"/>
+              <a:t>all</a:t>
+            </a:r>
+            <a:r>
+              <a:rPr lang="zh-Hans" altLang="en-US" dirty="0"/>
+              <a:t> </a:t>
+            </a:r>
+            <a:r>
+              <a:rPr lang="en-US" altLang="zh-Hans" dirty="0"/>
+              <a:t>of</a:t>
+            </a:r>
+            <a:r>
+              <a:rPr lang="zh-Hans" altLang="en-US" dirty="0"/>
+              <a:t> </a:t>
+            </a:r>
+            <a:r>
+              <a:rPr lang="en-US" altLang="zh-Hans" dirty="0"/>
+              <a:t>the</a:t>
+            </a:r>
+            <a:r>
+              <a:rPr lang="zh-Hans" altLang="en-US" dirty="0"/>
+              <a:t> </a:t>
+            </a:r>
+            <a:r>
+              <a:rPr lang="en-US" altLang="zh-Hans" dirty="0"/>
+              <a:t>operations</a:t>
+            </a:r>
+            <a:r>
+              <a:rPr lang="zh-Hans" altLang="en-US" dirty="0"/>
+              <a:t> </a:t>
+            </a:r>
+            <a:r>
+              <a:rPr lang="en-US" altLang="zh-Hans" dirty="0"/>
+              <a:t>of</a:t>
+            </a:r>
+            <a:r>
+              <a:rPr lang="zh-Hans" altLang="en-US" dirty="0"/>
+              <a:t> </a:t>
+            </a:r>
+            <a:r>
+              <a:rPr lang="en-US" altLang="zh-Hans" dirty="0"/>
+              <a:t>Openrefine,</a:t>
+            </a:r>
+            <a:r>
+              <a:rPr lang="zh-Hans" altLang="en-US" dirty="0"/>
+              <a:t> </a:t>
+            </a:r>
+            <a:r>
+              <a:rPr lang="en-US" altLang="zh-Hans" dirty="0"/>
+              <a:t>which</a:t>
+            </a:r>
+            <a:r>
+              <a:rPr lang="zh-Hans" altLang="en-US" dirty="0"/>
+              <a:t> </a:t>
+            </a:r>
+            <a:r>
+              <a:rPr lang="en-US" altLang="zh-Hans" dirty="0"/>
+              <a:t>return</a:t>
+            </a:r>
+            <a:r>
+              <a:rPr lang="zh-Hans" altLang="en-US" dirty="0"/>
+              <a:t> </a:t>
+            </a:r>
+            <a:r>
+              <a:rPr lang="en-US" altLang="zh-Hans" dirty="0"/>
+              <a:t>the</a:t>
+            </a:r>
+            <a:r>
+              <a:rPr lang="zh-Hans" altLang="en-US" dirty="0"/>
+              <a:t> </a:t>
+            </a:r>
+            <a:r>
+              <a:rPr lang="en-US" altLang="zh-Hans" dirty="0"/>
+              <a:t>functions</a:t>
+            </a:r>
+            <a:r>
+              <a:rPr lang="zh-Hans" altLang="en-US" dirty="0"/>
+              <a:t> </a:t>
+            </a:r>
+            <a:r>
+              <a:rPr lang="en-US" altLang="zh-Hans" dirty="0"/>
+              <a:t>in</a:t>
+            </a:r>
+            <a:r>
+              <a:rPr lang="zh-Hans" altLang="en-US" dirty="0"/>
+              <a:t> </a:t>
+            </a:r>
+            <a:r>
+              <a:rPr lang="en-US" altLang="zh-Hans" dirty="0"/>
+              <a:t>Openrefine-client</a:t>
+            </a:r>
+            <a:r>
+              <a:rPr lang="zh-Hans" altLang="en-US" dirty="0"/>
+              <a:t> </a:t>
+            </a:r>
+            <a:r>
+              <a:rPr lang="en-US" altLang="zh-Hans" dirty="0"/>
+              <a:t>Library (higher-order Function).</a:t>
+            </a:r>
+          </a:p>
+          <a:p>
+            <a:r>
+              <a:rPr lang="en-US" altLang="zh-Hans" dirty="0"/>
+              <a:t>2.</a:t>
+            </a:r>
+            <a:r>
+              <a:rPr lang="zh-Hans" altLang="en-US" dirty="0"/>
+              <a:t> </a:t>
+            </a:r>
+            <a:r>
+              <a:rPr lang="en-US" altLang="zh-Hans" dirty="0"/>
+              <a:t>X-OR-</a:t>
+            </a:r>
+            <a:r>
+              <a:rPr lang="en-US" altLang="zh-Hans" dirty="0" err="1"/>
+              <a:t>X.py</a:t>
+            </a:r>
+            <a:r>
+              <a:rPr lang="en-US" altLang="zh-Hans" dirty="0"/>
+              <a:t>:</a:t>
+            </a:r>
+            <a:r>
+              <a:rPr lang="zh-Hans" altLang="en-US" dirty="0"/>
+              <a:t> </a:t>
+            </a:r>
+            <a:r>
+              <a:rPr lang="en-US" altLang="zh-Hans" dirty="0">
+                <a:hlinkClick r:id="rId3"/>
+              </a:rPr>
+              <a:t>X-OR-X</a:t>
+            </a:r>
+            <a:r>
+              <a:rPr lang="en-US" altLang="zh-Hans" dirty="0"/>
+              <a:t>,</a:t>
+            </a:r>
+            <a:r>
+              <a:rPr lang="zh-Hans" altLang="en-US" dirty="0"/>
+              <a:t> </a:t>
+            </a:r>
+            <a:r>
+              <a:rPr lang="en-US" altLang="zh-Hans" dirty="0"/>
+              <a:t>this</a:t>
+            </a:r>
+            <a:r>
+              <a:rPr lang="zh-Hans" altLang="en-US" dirty="0"/>
+              <a:t> </a:t>
+            </a:r>
+            <a:r>
+              <a:rPr lang="en-US" altLang="zh-Hans" dirty="0"/>
+              <a:t>system</a:t>
+            </a:r>
+            <a:r>
+              <a:rPr lang="zh-Hans" altLang="en-US" dirty="0"/>
+              <a:t> </a:t>
+            </a:r>
+            <a:r>
+              <a:rPr lang="en-US" altLang="zh-Hans" dirty="0"/>
+              <a:t>is</a:t>
+            </a:r>
+            <a:r>
+              <a:rPr lang="zh-Hans" altLang="en-US" dirty="0"/>
+              <a:t> </a:t>
+            </a:r>
+            <a:r>
+              <a:rPr lang="en-US" altLang="zh-Hans" dirty="0"/>
+              <a:t>to</a:t>
+            </a:r>
+            <a:r>
+              <a:rPr lang="zh-Hans" altLang="en-US" dirty="0"/>
+              <a:t> </a:t>
+            </a:r>
+            <a:r>
+              <a:rPr lang="en-US" altLang="zh-Hans" dirty="0"/>
+              <a:t>construct</a:t>
+            </a:r>
+            <a:r>
+              <a:rPr lang="zh-Hans" altLang="en-US" dirty="0"/>
+              <a:t> </a:t>
+            </a:r>
+            <a:r>
+              <a:rPr lang="en-US" altLang="zh-Hans" dirty="0"/>
+              <a:t>interaction</a:t>
+            </a:r>
+            <a:r>
+              <a:rPr lang="zh-Hans" altLang="en-US" dirty="0"/>
+              <a:t> </a:t>
+            </a:r>
+            <a:r>
+              <a:rPr lang="en-US" altLang="zh-Hans" dirty="0"/>
+              <a:t>between</a:t>
+            </a:r>
+            <a:r>
+              <a:rPr lang="zh-Hans" altLang="en-US" dirty="0"/>
+              <a:t> </a:t>
+            </a:r>
+            <a:r>
+              <a:rPr lang="en-US" altLang="zh-Hans" dirty="0"/>
+              <a:t>human</a:t>
+            </a:r>
+            <a:r>
+              <a:rPr lang="zh-Hans" altLang="en-US" dirty="0"/>
+              <a:t> </a:t>
+            </a:r>
+            <a:r>
+              <a:rPr lang="en-US" altLang="zh-Hans" dirty="0"/>
+              <a:t>and</a:t>
+            </a:r>
+            <a:r>
+              <a:rPr lang="zh-Hans" altLang="en-US" dirty="0"/>
+              <a:t> </a:t>
+            </a:r>
+            <a:r>
+              <a:rPr lang="en-US" altLang="zh-Hans" dirty="0"/>
+              <a:t>the</a:t>
+            </a:r>
+            <a:r>
+              <a:rPr lang="zh-Hans" altLang="en-US" dirty="0"/>
+              <a:t> </a:t>
+            </a:r>
+            <a:r>
+              <a:rPr lang="en-US" altLang="zh-Hans" dirty="0"/>
+              <a:t>Openrefine</a:t>
+            </a:r>
+            <a:r>
+              <a:rPr lang="zh-Hans" altLang="en-US" dirty="0"/>
+              <a:t> </a:t>
+            </a:r>
+            <a:r>
+              <a:rPr lang="en-US" altLang="zh-Hans" dirty="0"/>
+              <a:t>with</a:t>
+            </a:r>
+            <a:r>
+              <a:rPr lang="zh-Hans" altLang="en-US" dirty="0"/>
+              <a:t> </a:t>
+            </a:r>
+            <a:r>
+              <a:rPr lang="en-US" altLang="zh-Hans" dirty="0"/>
+              <a:t>python</a:t>
+            </a:r>
+            <a:r>
+              <a:rPr lang="zh-Hans" altLang="en-US" dirty="0"/>
+              <a:t> </a:t>
+            </a:r>
+            <a:r>
+              <a:rPr lang="en-US" altLang="zh-Hans" dirty="0"/>
+              <a:t>command.</a:t>
+            </a:r>
+            <a:r>
+              <a:rPr lang="zh-Hans" altLang="en-US" dirty="0"/>
+              <a:t> </a:t>
+            </a:r>
+            <a:r>
+              <a:rPr lang="en-US" altLang="zh-Hans" dirty="0"/>
+              <a:t>with</a:t>
+            </a:r>
+            <a:r>
+              <a:rPr lang="zh-Hans" altLang="en-US" dirty="0"/>
+              <a:t> </a:t>
+            </a:r>
+            <a:r>
+              <a:rPr lang="en-US" altLang="zh-Hans" dirty="0"/>
+              <a:t>all</a:t>
+            </a:r>
+            <a:r>
+              <a:rPr lang="zh-Hans" altLang="en-US" dirty="0"/>
+              <a:t> </a:t>
+            </a:r>
+            <a:r>
+              <a:rPr lang="en-US" altLang="zh-Hans" dirty="0"/>
+              <a:t>data</a:t>
+            </a:r>
+            <a:r>
+              <a:rPr lang="zh-Hans" altLang="en-US" dirty="0"/>
+              <a:t> </a:t>
+            </a:r>
+            <a:r>
+              <a:rPr lang="en-US" altLang="zh-Hans" dirty="0"/>
+              <a:t>wrangling</a:t>
+            </a:r>
+            <a:r>
+              <a:rPr lang="zh-Hans" altLang="en-US" dirty="0"/>
+              <a:t> </a:t>
+            </a:r>
+            <a:r>
+              <a:rPr lang="en-US" altLang="zh-Hans" dirty="0"/>
+              <a:t>commands</a:t>
+            </a:r>
+            <a:r>
+              <a:rPr lang="zh-Hans" altLang="en-US" dirty="0"/>
+              <a:t> </a:t>
+            </a:r>
+            <a:r>
+              <a:rPr lang="en-US" altLang="zh-Hans" dirty="0"/>
+              <a:t>done,</a:t>
+            </a:r>
+            <a:r>
+              <a:rPr lang="zh-Hans" altLang="en-US" dirty="0"/>
+              <a:t> </a:t>
+            </a:r>
+            <a:r>
+              <a:rPr lang="en-US" altLang="zh-Hans" dirty="0"/>
+              <a:t>it</a:t>
+            </a:r>
+            <a:r>
+              <a:rPr lang="zh-Hans" altLang="en-US" dirty="0"/>
+              <a:t> </a:t>
+            </a:r>
+            <a:r>
+              <a:rPr lang="en-US" altLang="zh-Hans" dirty="0"/>
+              <a:t>can</a:t>
+            </a:r>
+            <a:r>
+              <a:rPr lang="zh-Hans" altLang="en-US" dirty="0"/>
+              <a:t> </a:t>
+            </a:r>
+            <a:r>
+              <a:rPr lang="en-US" altLang="zh-Hans" dirty="0"/>
+              <a:t>generate</a:t>
+            </a:r>
+            <a:r>
+              <a:rPr lang="zh-Hans" altLang="en-US" dirty="0"/>
+              <a:t> </a:t>
+            </a:r>
+            <a:r>
+              <a:rPr lang="en-US" altLang="zh-Hans" dirty="0"/>
+              <a:t>a</a:t>
+            </a:r>
+            <a:r>
+              <a:rPr lang="zh-Hans" altLang="en-US" dirty="0"/>
+              <a:t> </a:t>
+            </a:r>
+            <a:r>
+              <a:rPr lang="en-US" altLang="zh-Hans" dirty="0"/>
+              <a:t>user-guided</a:t>
+            </a:r>
+            <a:r>
+              <a:rPr lang="zh-Hans" altLang="en-US" dirty="0"/>
+              <a:t> </a:t>
+            </a:r>
+            <a:r>
+              <a:rPr lang="en-US" altLang="zh-Hans" dirty="0" err="1"/>
+              <a:t>json</a:t>
+            </a:r>
+            <a:r>
+              <a:rPr lang="zh-Hans" altLang="en-US" dirty="0"/>
+              <a:t> </a:t>
+            </a:r>
+            <a:r>
+              <a:rPr lang="en-US" altLang="zh-Hans" dirty="0"/>
+              <a:t>file</a:t>
+            </a:r>
+            <a:r>
+              <a:rPr lang="zh-Hans" altLang="en-US" dirty="0"/>
+              <a:t> </a:t>
+            </a:r>
+            <a:r>
+              <a:rPr lang="en-US" altLang="zh-Hans" dirty="0"/>
+              <a:t>after</a:t>
+            </a:r>
+            <a:r>
+              <a:rPr lang="zh-Hans" altLang="en-US" dirty="0"/>
+              <a:t> </a:t>
+            </a:r>
+            <a:r>
+              <a:rPr lang="en-US" altLang="zh-Hans" dirty="0"/>
+              <a:t>running</a:t>
+            </a:r>
+            <a:r>
+              <a:rPr lang="zh-Hans" altLang="en-US" dirty="0"/>
+              <a:t> </a:t>
+            </a:r>
+            <a:r>
+              <a:rPr lang="en-US" altLang="zh-Hans" dirty="0"/>
+              <a:t>the</a:t>
+            </a:r>
+            <a:r>
+              <a:rPr lang="zh-Hans" altLang="en-US" dirty="0"/>
+              <a:t> </a:t>
+            </a:r>
+            <a:r>
+              <a:rPr lang="en-US" altLang="zh-Hans" dirty="0"/>
+              <a:t>system.</a:t>
+            </a:r>
+            <a:r>
+              <a:rPr lang="zh-Hans" altLang="en-US" dirty="0"/>
+              <a:t>  </a:t>
+            </a:r>
+            <a:r>
+              <a:rPr lang="en-US" altLang="zh-Hans" dirty="0"/>
+              <a:t>At</a:t>
+            </a:r>
+            <a:r>
+              <a:rPr lang="zh-Hans" altLang="en-US" dirty="0"/>
+              <a:t> </a:t>
+            </a:r>
+            <a:r>
+              <a:rPr lang="en-US" altLang="zh-Hans" dirty="0"/>
+              <a:t>the</a:t>
+            </a:r>
+            <a:r>
+              <a:rPr lang="zh-Hans" altLang="en-US" dirty="0"/>
+              <a:t> </a:t>
+            </a:r>
+            <a:r>
+              <a:rPr lang="en-US" altLang="zh-Hans" dirty="0"/>
+              <a:t>same</a:t>
+            </a:r>
+            <a:r>
+              <a:rPr lang="zh-Hans" altLang="en-US" dirty="0"/>
+              <a:t> </a:t>
+            </a:r>
+            <a:r>
+              <a:rPr lang="en-US" altLang="zh-Hans" dirty="0"/>
+              <a:t>time,</a:t>
+            </a:r>
+            <a:r>
+              <a:rPr lang="zh-Hans" altLang="en-US" dirty="0"/>
+              <a:t> </a:t>
+            </a:r>
+            <a:r>
+              <a:rPr lang="en-US" altLang="zh-Hans" dirty="0"/>
+              <a:t>the</a:t>
+            </a:r>
+            <a:r>
+              <a:rPr lang="zh-Hans" altLang="en-US" dirty="0"/>
+              <a:t> </a:t>
+            </a:r>
+            <a:r>
+              <a:rPr lang="en-US" altLang="zh-Hans" dirty="0"/>
+              <a:t>Openrefine</a:t>
+            </a:r>
+            <a:r>
+              <a:rPr lang="zh-Hans" altLang="en-US" dirty="0"/>
+              <a:t> </a:t>
+            </a:r>
+            <a:r>
+              <a:rPr lang="en-US" altLang="zh-Hans" dirty="0"/>
+              <a:t>GUI</a:t>
+            </a:r>
+            <a:r>
+              <a:rPr lang="zh-Hans" altLang="en-US" dirty="0"/>
+              <a:t> </a:t>
+            </a:r>
+            <a:r>
+              <a:rPr lang="en-US" altLang="zh-Hans" dirty="0"/>
+              <a:t>will</a:t>
+            </a:r>
+            <a:r>
+              <a:rPr lang="zh-Hans" altLang="en-US" dirty="0"/>
+              <a:t> </a:t>
+            </a:r>
+            <a:r>
+              <a:rPr lang="en-US" altLang="zh-Hans" dirty="0"/>
+              <a:t>generate</a:t>
+            </a:r>
+            <a:r>
+              <a:rPr lang="zh-Hans" altLang="en-US" dirty="0"/>
+              <a:t> </a:t>
+            </a:r>
+            <a:r>
+              <a:rPr lang="en-US" altLang="zh-Hans" dirty="0"/>
+              <a:t>the</a:t>
+            </a:r>
+            <a:r>
+              <a:rPr lang="zh-Hans" altLang="en-US" dirty="0"/>
+              <a:t> </a:t>
+            </a:r>
+            <a:r>
+              <a:rPr lang="en-US" altLang="zh-Hans" dirty="0"/>
+              <a:t>corresponding</a:t>
+            </a:r>
+            <a:r>
+              <a:rPr lang="zh-Hans" altLang="en-US" dirty="0"/>
+              <a:t> </a:t>
+            </a:r>
+            <a:r>
+              <a:rPr lang="en-US" altLang="zh-Hans" dirty="0"/>
+              <a:t>cleaned</a:t>
+            </a:r>
+            <a:r>
+              <a:rPr lang="zh-Hans" altLang="en-US" dirty="0"/>
+              <a:t> </a:t>
+            </a:r>
+            <a:r>
+              <a:rPr lang="en-US" altLang="zh-Hans" dirty="0"/>
+              <a:t>csv</a:t>
+            </a:r>
+            <a:r>
+              <a:rPr lang="zh-Hans" altLang="en-US" dirty="0"/>
+              <a:t> </a:t>
+            </a:r>
+            <a:r>
+              <a:rPr lang="en-US" altLang="zh-Hans" dirty="0"/>
+              <a:t>file</a:t>
+            </a:r>
+            <a:r>
+              <a:rPr lang="zh-Hans" altLang="en-US" dirty="0"/>
+              <a:t> </a:t>
+            </a:r>
+            <a:r>
+              <a:rPr lang="en-US" altLang="zh-Hans" dirty="0"/>
+              <a:t>and</a:t>
+            </a:r>
+            <a:r>
+              <a:rPr lang="zh-Hans" altLang="en-US" dirty="0"/>
+              <a:t> </a:t>
+            </a:r>
+            <a:r>
+              <a:rPr lang="en-US" altLang="zh-Hans" dirty="0"/>
+              <a:t>original-OR</a:t>
+            </a:r>
+            <a:r>
+              <a:rPr lang="zh-Hans" altLang="en-US" dirty="0"/>
+              <a:t> </a:t>
+            </a:r>
+            <a:r>
+              <a:rPr lang="en-US" altLang="zh-Hans" dirty="0" err="1"/>
+              <a:t>json</a:t>
+            </a:r>
+            <a:r>
+              <a:rPr lang="zh-Hans" altLang="en-US" dirty="0"/>
+              <a:t> </a:t>
+            </a:r>
+            <a:r>
+              <a:rPr lang="en-US" altLang="zh-Hans" dirty="0"/>
+              <a:t>file.</a:t>
+            </a:r>
+          </a:p>
+        </p:txBody>
+      </p:sp>
+    </p:spTree>
+    <p:extLst>
+      <p:ext uri="{BB962C8B-B14F-4D97-AF65-F5344CB8AC3E}">
+        <p14:creationId xmlns:p14="http://schemas.microsoft.com/office/powerpoint/2010/main" val="2966791618"/>
+      </p:ext>
+    </p:extLst>
+  </p:cSld>
+  <p:clrMapOvr>
+    <a:masterClrMapping/>
+  </p:clrMapOvr>
+</p:sld>
+</file>
+
+<file path=ppt/slides/slide13.xml><?xml version="1.0" encoding="utf-8"?>
+<p:sld xmlns:a="http://schemas.openxmlformats.org/drawingml/2006/main" xmlns:r="http://schemas.openxmlformats.org/officeDocument/2006/relationships" xmlns:p="http://schemas.openxmlformats.org/presentationml/2006/main">
+  <p:cSld>
+    <p:spTree>
+      <p:nvGrpSpPr>
+        <p:cNvPr id="1" name=""/>
+        <p:cNvGrpSpPr/>
+        <p:nvPr/>
+      </p:nvGrpSpPr>
+      <p:grpSpPr>
+        <a:xfrm>
+          <a:off x="0" y="0"/>
+          <a:ext cx="0" cy="0"/>
+          <a:chOff x="0" y="0"/>
+          <a:chExt cx="0" cy="0"/>
+        </a:xfrm>
+      </p:grpSpPr>
+      <p:sp>
+        <p:nvSpPr>
+          <p:cNvPr id="2" name="Title 1">
+            <a:extLst>
+              <a:ext uri="{FF2B5EF4-FFF2-40B4-BE49-F238E27FC236}">
                 <a16:creationId xmlns:a16="http://schemas.microsoft.com/office/drawing/2014/main" id="{A58A0ED4-9599-0245-A3D4-A88FE90039C7}"/>
               </a:ext>
             </a:extLst>
@@ -4781,6 +5695,113 @@
             </a:r>
             <a:r>
               <a:rPr lang="en-US" altLang="zh-Hans" dirty="0"/>
+              <a:t>Parse</a:t>
+            </a:r>
+            <a:r>
+              <a:rPr lang="zh-Hans" altLang="en-US" dirty="0"/>
+              <a:t> </a:t>
+            </a:r>
+            <a:r>
+              <a:rPr lang="en-US" altLang="zh-Hans" dirty="0"/>
+              <a:t>the</a:t>
+            </a:r>
+            <a:r>
+              <a:rPr lang="zh-Hans" altLang="en-US" dirty="0"/>
+              <a:t> </a:t>
+            </a:r>
+            <a:r>
+              <a:rPr lang="en-US" altLang="zh-Hans" dirty="0"/>
+              <a:t>step2</a:t>
+            </a:r>
+            <a:r>
+              <a:rPr lang="zh-Hans" altLang="en-US" dirty="0"/>
+              <a:t> </a:t>
+            </a:r>
+            <a:r>
+              <a:rPr lang="en-US" altLang="zh-Hans" dirty="0"/>
+              <a:t>user-guided</a:t>
+            </a:r>
+            <a:r>
+              <a:rPr lang="zh-Hans" altLang="en-US" dirty="0"/>
+              <a:t> </a:t>
+            </a:r>
+            <a:r>
+              <a:rPr lang="en-US" altLang="zh-Hans" dirty="0" err="1"/>
+              <a:t>json</a:t>
+            </a:r>
+            <a:r>
+              <a:rPr lang="zh-Hans" altLang="en-US" dirty="0"/>
+              <a:t> </a:t>
+            </a:r>
+            <a:r>
+              <a:rPr lang="en-US" altLang="zh-Hans" dirty="0"/>
+              <a:t>file</a:t>
+            </a:r>
+            <a:r>
+              <a:rPr lang="zh-Hans" altLang="en-US" dirty="0"/>
+              <a:t> </a:t>
+            </a:r>
+            <a:r>
+              <a:rPr lang="en-US" altLang="zh-Hans" dirty="0"/>
+              <a:t>and</a:t>
+            </a:r>
+            <a:r>
+              <a:rPr lang="zh-Hans" altLang="en-US" dirty="0"/>
+              <a:t> </a:t>
+            </a:r>
+            <a:r>
+              <a:rPr lang="en-US" altLang="zh-Hans" dirty="0"/>
+              <a:t>reproduce</a:t>
+            </a:r>
+            <a:r>
+              <a:rPr lang="zh-Hans" altLang="en-US" dirty="0"/>
+              <a:t> </a:t>
+            </a:r>
+            <a:r>
+              <a:rPr lang="en-US" altLang="zh-Hans" dirty="0"/>
+              <a:t>the</a:t>
+            </a:r>
+            <a:r>
+              <a:rPr lang="zh-Hans" altLang="en-US" dirty="0"/>
+              <a:t> </a:t>
+            </a:r>
+            <a:r>
+              <a:rPr lang="en-US" altLang="zh-Hans" dirty="0"/>
+              <a:t>data</a:t>
+            </a:r>
+            <a:r>
+              <a:rPr lang="zh-Hans" altLang="en-US" dirty="0"/>
+              <a:t> </a:t>
+            </a:r>
+            <a:r>
+              <a:rPr lang="en-US" altLang="zh-Hans" dirty="0"/>
+              <a:t>wrangling</a:t>
+            </a:r>
+            <a:r>
+              <a:rPr lang="zh-Hans" altLang="en-US" dirty="0"/>
+              <a:t> </a:t>
+            </a:r>
+            <a:r>
+              <a:rPr lang="en-US" altLang="zh-Hans" dirty="0"/>
+              <a:t>procedure.</a:t>
+            </a:r>
+            <a:r>
+              <a:rPr lang="zh-Hans" altLang="en-US" dirty="0"/>
+              <a:t> </a:t>
+            </a:r>
+            <a:endParaRPr lang="en-US" altLang="zh-Hans" dirty="0"/>
+          </a:p>
+          <a:p>
+            <a:r>
+              <a:rPr lang="en-US" altLang="zh-Hans" dirty="0"/>
+              <a:t>2.</a:t>
+            </a:r>
+            <a:r>
+              <a:rPr lang="zh-Hans" altLang="en-US" dirty="0"/>
+              <a:t> </a:t>
+            </a:r>
+            <a:r>
+              <a:rPr lang="en-US" altLang="zh-Hans" dirty="0"/>
               <a:t>generate</a:t>
             </a:r>
             <a:r>
@@ -4880,7 +5901,7 @@
           <a:p>
             <a:r>
               <a:rPr lang="en-US" altLang="zh-Hans" dirty="0"/>
-              <a:t>2.</a:t>
+              <a:t>3.</a:t>
             </a:r>
             <a:r>
               <a:rPr lang="zh-Hans" altLang="en-US" dirty="0"/>
@@ -5165,7 +6186,7 @@
         <p:spPr/>
         <p:txBody>
           <a:bodyPr>
-            <a:normAutofit fontScale="85000" lnSpcReduction="10000"/>
+            <a:normAutofit fontScale="92500" lnSpcReduction="20000"/>
           </a:bodyPr>
           <a:lstStyle/>
           <a:p>
@@ -5373,35 +6394,39 @@
             </a:r>
             <a:r>
               <a:rPr lang="en-US" dirty="0"/>
-              <a:t>et </a:t>
-            </a:r>
-            <a:r>
-              <a:rPr lang="en-US" altLang="zh-Hans" dirty="0"/>
-              <a:t>@</a:t>
+              <a:t>et input </a:t>
+            </a:r>
+            <a:r>
+              <a:rPr lang="en-US" altLang="zh-Hans" dirty="0"/>
+              <a:t>csv</a:t>
+            </a:r>
+            <a:r>
+              <a:rPr lang="zh-Hans" altLang="en-US" dirty="0"/>
+              <a:t> </a:t>
+            </a:r>
+            <a:r>
+              <a:rPr lang="en-US" altLang="zh-Hans" dirty="0"/>
+              <a:t>D1</a:t>
             </a:r>
             <a:r>
               <a:rPr lang="en-US" dirty="0"/>
-              <a:t>input </a:t>
-            </a:r>
-            <a:r>
-              <a:rPr lang="en-US" altLang="zh-Hans" dirty="0"/>
-              <a:t>csv</a:t>
+              <a:t>(raw dataset) and output (cleaned dataset) csv</a:t>
+            </a:r>
+            <a:r>
+              <a:rPr lang="zh-Hans" altLang="en-US" dirty="0"/>
+              <a:t> </a:t>
+            </a:r>
+            <a:r>
+              <a:rPr lang="en-US" altLang="zh-Hans" dirty="0"/>
+              <a:t>D2</a:t>
             </a:r>
             <a:r>
               <a:rPr lang="en-US" dirty="0"/>
-              <a:t>(raw dataset) and </a:t>
-            </a:r>
-            <a:r>
-              <a:rPr lang="en-US" altLang="zh-Hans" dirty="0"/>
-              <a:t>@</a:t>
-            </a:r>
-            <a:r>
-              <a:rPr lang="en-US" dirty="0"/>
-              <a:t>output (cleaned dataset) csv, as well as the </a:t>
-            </a:r>
-            <a:r>
-              <a:rPr lang="en-US" altLang="zh-Hans" dirty="0"/>
-              <a:t>@output</a:t>
+              <a:t>, as well as the </a:t>
+            </a:r>
+            <a:r>
+              <a:rPr lang="en-US" altLang="zh-Hans" dirty="0"/>
+              <a:t>output</a:t>
             </a:r>
             <a:r>
               <a:rPr lang="zh-Hans" altLang="en-US" dirty="0"/>
@@ -5455,19 +6480,23 @@
             </a:r>
             <a:r>
               <a:rPr lang="en-US" dirty="0"/>
-              <a:t>se the </a:t>
-            </a:r>
-            <a:r>
-              <a:rPr lang="en-US" altLang="zh-Hans" dirty="0"/>
-              <a:t>@</a:t>
+              <a:t>se the input csv</a:t>
+            </a:r>
+            <a:r>
+              <a:rPr lang="zh-Hans" altLang="en-US" dirty="0"/>
+              <a:t> </a:t>
+            </a:r>
+            <a:r>
+              <a:rPr lang="en-US" altLang="zh-Hans" dirty="0"/>
+              <a:t>D1</a:t>
             </a:r>
             <a:r>
               <a:rPr lang="en-US" dirty="0"/>
-              <a:t>input csv and </a:t>
-            </a:r>
-            <a:r>
-              <a:rPr lang="en-US" altLang="zh-Hans" dirty="0"/>
-              <a:t>@output</a:t>
+              <a:t> and </a:t>
+            </a:r>
+            <a:r>
+              <a:rPr lang="en-US" altLang="zh-Hans" dirty="0"/>
+              <a:t>output</a:t>
             </a:r>
             <a:r>
               <a:rPr lang="zh-Hans" altLang="en-US" dirty="0"/>
@@ -5479,15 +6508,15 @@
             </a:r>
             <a:r>
               <a:rPr lang="en-US" dirty="0"/>
-              <a:t> file to run them in the </a:t>
-            </a:r>
-            <a:r>
-              <a:rPr lang="en-US" dirty="0" err="1"/>
-              <a:t>Openrefine</a:t>
+              <a:t> file to run them in the Openrefine-client </a:t>
+            </a:r>
+            <a:r>
+              <a:rPr lang="en-US" altLang="zh-Hans" dirty="0"/>
+              <a:t>Library</a:t>
             </a:r>
             <a:r>
               <a:rPr lang="en-US" dirty="0"/>
-              <a:t>-client (interactively) step by step (based on</a:t>
+              <a:t>(interactively) step by step (based on</a:t>
             </a:r>
             <a:r>
               <a:rPr lang="zh-Hans" altLang="en-US" dirty="0"/>
@@ -5519,7 +6548,7 @@
             </a:r>
             <a:r>
               <a:rPr lang="en-US" altLang="zh-Hans" dirty="0"/>
-              <a:t>@output</a:t>
+              <a:t>output</a:t>
             </a:r>
             <a:r>
               <a:rPr lang="zh-Hans" altLang="en-US" dirty="0"/>
@@ -5551,19 +6580,31 @@
             </a:r>
             <a:r>
               <a:rPr lang="en-US" dirty="0"/>
-              <a:t>able to obtain exactly the same </a:t>
-            </a:r>
-            <a:r>
-              <a:rPr lang="en-US" altLang="zh-Hans" dirty="0"/>
-              <a:t>@</a:t>
+              <a:t>able to obtain exactly the same output csv</a:t>
+            </a:r>
+            <a:r>
+              <a:rPr lang="zh-Hans" altLang="en-US" dirty="0"/>
+              <a:t> </a:t>
+            </a:r>
+            <a:r>
+              <a:rPr lang="en-US" altLang="zh-Hans" dirty="0"/>
+              <a:t>D2’</a:t>
             </a:r>
             <a:r>
               <a:rPr lang="en-US" dirty="0"/>
-              <a:t>output csv. Compare the 2 output csv </a:t>
-            </a:r>
-            <a:r>
-              <a:rPr lang="en-US" altLang="zh-Hans" dirty="0"/>
-              <a:t>(step2</a:t>
+              <a:t>. </a:t>
+            </a:r>
+            <a:r>
+              <a:rPr lang="en-US" altLang="zh-Hans" dirty="0"/>
+              <a:t>Compare</a:t>
+            </a:r>
+            <a:r>
+              <a:rPr lang="zh-Hans" altLang="en-US" dirty="0"/>
+              <a:t> </a:t>
+            </a:r>
+            <a:r>
+              <a:rPr lang="en-US" altLang="zh-Hans" dirty="0"/>
+              <a:t>D2</a:t>
             </a:r>
             <a:r>
               <a:rPr lang="zh-Hans" altLang="en-US" dirty="0"/>
@@ -5579,47 +6620,7 @@
             </a:r>
             <a:r>
               <a:rPr lang="en-US" altLang="zh-Hans" dirty="0"/>
-              <a:t>step3</a:t>
-            </a:r>
-            <a:r>
-              <a:rPr lang="zh-Hans" altLang="en-US" dirty="0"/>
-              <a:t> </a:t>
-            </a:r>
-            <a:r>
-              <a:rPr lang="en-US" altLang="zh-Hans" dirty="0"/>
-              <a:t>@output</a:t>
-            </a:r>
-            <a:r>
-              <a:rPr lang="zh-Hans" altLang="en-US" dirty="0"/>
-              <a:t> </a:t>
-            </a:r>
-            <a:r>
-              <a:rPr lang="en-US" altLang="zh-Hans" dirty="0"/>
-              <a:t>csv</a:t>
-            </a:r>
-            <a:r>
-              <a:rPr lang="zh-Hans" altLang="en-US" dirty="0"/>
-              <a:t> </a:t>
-            </a:r>
-            <a:r>
-              <a:rPr lang="en-US" altLang="zh-Hans" dirty="0"/>
-              <a:t>file</a:t>
-            </a:r>
-            <a:r>
-              <a:rPr lang="zh-Hans" altLang="en-US" dirty="0"/>
-              <a:t> </a:t>
-            </a:r>
-            <a:r>
-              <a:rPr lang="en-US" altLang="zh-Hans" dirty="0"/>
-              <a:t>)</a:t>
-            </a:r>
-            <a:r>
-              <a:rPr lang="en-US" dirty="0"/>
-              <a:t>for reproducibility purpose. </a:t>
-            </a:r>
-            <a:r>
-              <a:rPr lang="zh-Hans" altLang="en-US" dirty="0"/>
-              <a:t>  </a:t>
+              <a:t>D2’.</a:t>
             </a:r>
             <a:endParaRPr lang="en-US" dirty="0"/>
           </a:p>
@@ -5641,6 +6642,30 @@
 <file path=ppt/slides/slide4.xml><?xml version="1.0" encoding="utf-8"?>
 <p:sld xmlns:a="http://schemas.openxmlformats.org/drawingml/2006/main" xmlns:r="http://schemas.openxmlformats.org/officeDocument/2006/relationships" xmlns:p="http://schemas.openxmlformats.org/presentationml/2006/main">
   <p:cSld>
+    <p:bg>
+      <p:bgPr>
+        <a:gradFill rotWithShape="1">
+          <a:gsLst>
+            <a:gs pos="0">
+              <a:schemeClr val="bg2">
+                <a:tint val="94000"/>
+                <a:satMod val="80000"/>
+                <a:lumMod val="106000"/>
+              </a:schemeClr>
+            </a:gs>
+            <a:gs pos="100000">
+              <a:schemeClr val="bg2">
+                <a:shade val="80000"/>
+              </a:schemeClr>
+            </a:gs>
+          </a:gsLst>
+          <a:path path="circle">
+            <a:fillToRect l="43000" r="43000" b="100000"/>
+          </a:path>
+        </a:gradFill>
+        <a:effectLst/>
+      </p:bgPr>
+    </p:bg>
     <p:spTree>
       <p:nvGrpSpPr>
         <p:cNvPr id="1" name=""/>
@@ -5657,899 +6682,309 @@
       </p:grpSpPr>
       <p:sp>
         <p:nvSpPr>
-          <p:cNvPr id="2" name="Title 1">
+          <p:cNvPr id="71" name="Rectangle 70">
             <a:extLst>
               <a:ext uri="{FF2B5EF4-FFF2-40B4-BE49-F238E27FC236}">
-                <a16:creationId xmlns:a16="http://schemas.microsoft.com/office/drawing/2014/main" id="{9AA1E709-CD99-614F-9EA5-AA567FBDF5EB}"/>
+                <a16:creationId xmlns:a16="http://schemas.microsoft.com/office/drawing/2014/main" id="{CDDE5CDF-1512-4CDA-B956-23D223F8DE44}"/>
+              </a:ext>
+              <a:ext uri="{C183D7F6-B498-43B3-948B-1728B52AA6E4}">
+                <adec:decorative xmlns:adec="http://schemas.microsoft.com/office/drawing/2017/decorative" val="1"/>
               </a:ext>
             </a:extLst>
           </p:cNvPr>
           <p:cNvSpPr>
-            <a:spLocks noGrp="1"/>
-          </p:cNvSpPr>
-          <p:nvPr>
-            <p:ph type="title"/>
-          </p:nvPr>
-        </p:nvSpPr>
-        <p:spPr/>
-        <p:txBody>
-          <a:bodyPr/>
-          <a:lstStyle/>
-          <a:p>
-            <a:pPr algn="ctr"/>
-            <a:r>
-              <a:rPr lang="en-US" dirty="0"/>
-              <a:t>methodology</a:t>
-            </a:r>
-          </a:p>
-        </p:txBody>
-      </p:sp>
-      <p:sp>
-        <p:nvSpPr>
-          <p:cNvPr id="3" name="Content Placeholder 2">
+            <a:spLocks noGrp="1" noRot="1" noChangeAspect="1" noMove="1" noResize="1" noEditPoints="1" noAdjustHandles="1" noChangeArrowheads="1" noChangeShapeType="1" noTextEdit="1"/>
+          </p:cNvSpPr>
+          <p:nvPr>
+            <p:extLst>
+              <p:ext uri="{386F3935-93C4-4BCD-93E2-E3B085C9AB24}">
+                <p16:designElem xmlns:p16="http://schemas.microsoft.com/office/powerpoint/2015/main" val="1"/>
+              </p:ext>
+            </p:extLst>
+          </p:nvPr>
+        </p:nvSpPr>
+        <p:spPr>
+          <a:xfrm>
+            <a:off x="0" y="2019476"/>
+            <a:ext cx="12192000" cy="4105941"/>
+          </a:xfrm>
+          <a:prstGeom prst="rect">
+            <a:avLst/>
+          </a:prstGeom>
+          <a:gradFill flip="none" rotWithShape="1">
+            <a:gsLst>
+              <a:gs pos="0">
+                <a:schemeClr val="bg2">
+                  <a:alpha val="0"/>
+                </a:schemeClr>
+              </a:gs>
+              <a:gs pos="100000">
+                <a:schemeClr val="bg2"/>
+              </a:gs>
+            </a:gsLst>
+            <a:lin ang="5400000" scaled="0"/>
+            <a:tileRect/>
+          </a:gradFill>
+          <a:ln>
+            <a:noFill/>
+          </a:ln>
+        </p:spPr>
+        <p:style>
+          <a:lnRef idx="2">
+            <a:schemeClr val="accent1">
+              <a:shade val="50000"/>
+            </a:schemeClr>
+          </a:lnRef>
+          <a:fillRef idx="1">
+            <a:schemeClr val="accent1"/>
+          </a:fillRef>
+          <a:effectRef idx="0">
+            <a:schemeClr val="accent1"/>
+          </a:effectRef>
+          <a:fontRef idx="minor">
+            <a:schemeClr val="lt1"/>
+          </a:fontRef>
+        </p:style>
+      </p:sp>
+      <p:pic>
+        <p:nvPicPr>
+          <p:cNvPr id="73" name="Picture 72">
             <a:extLst>
               <a:ext uri="{FF2B5EF4-FFF2-40B4-BE49-F238E27FC236}">
-                <a16:creationId xmlns:a16="http://schemas.microsoft.com/office/drawing/2014/main" id="{08976916-E838-E342-BCBA-8426BE7AF9D5}"/>
+                <a16:creationId xmlns:a16="http://schemas.microsoft.com/office/drawing/2014/main" id="{B029D7D8-5A6B-4C76-94C8-15798C6C5ADB}"/>
+              </a:ext>
+              <a:ext uri="{C183D7F6-B498-43B3-948B-1728B52AA6E4}">
+                <adec:decorative xmlns:adec="http://schemas.microsoft.com/office/drawing/2017/decorative" val="1"/>
               </a:ext>
             </a:extLst>
           </p:cNvPr>
-          <p:cNvSpPr>
-            <a:spLocks noGrp="1"/>
-          </p:cNvSpPr>
+          <p:cNvPicPr>
+            <a:picLocks noGrp="1" noRot="1" noChangeAspect="1" noMove="1" noResize="1" noEditPoints="1" noAdjustHandles="1" noChangeArrowheads="1" noChangeShapeType="1" noCrop="1"/>
+          </p:cNvPicPr>
+          <p:nvPr>
+            <p:extLst>
+              <p:ext uri="{386F3935-93C4-4BCD-93E2-E3B085C9AB24}">
+                <p16:designElem xmlns:p16="http://schemas.microsoft.com/office/powerpoint/2015/main" val="1"/>
+              </p:ext>
+            </p:extLst>
+          </p:nvPr>
+        </p:nvPicPr>
+        <p:blipFill rotWithShape="1">
+          <a:blip r:embed="rId2">
+            <a:extLst>
+              <a:ext uri="{28A0092B-C50C-407E-A947-70E740481C1C}">
+                <a14:useLocalDpi xmlns:a14="http://schemas.microsoft.com/office/drawing/2010/main" val="0"/>
+              </a:ext>
+            </a:extLst>
+          </a:blip>
+          <a:srcRect t="1538" b="-1538"/>
+          <a:stretch/>
+        </p:blipFill>
+        <p:spPr bwMode="black">
+          <a:xfrm>
+            <a:off x="0" y="6126480"/>
+            <a:ext cx="12192000" cy="742950"/>
+          </a:xfrm>
+          <a:prstGeom prst="rect">
+            <a:avLst/>
+          </a:prstGeom>
+        </p:spPr>
+      </p:pic>
+      <p:cxnSp>
+        <p:nvCxnSpPr>
+          <p:cNvPr id="75" name="Straight Connector 74">
+            <a:extLst>
+              <a:ext uri="{FF2B5EF4-FFF2-40B4-BE49-F238E27FC236}">
+                <a16:creationId xmlns:a16="http://schemas.microsoft.com/office/drawing/2014/main" id="{A5C9319C-E20D-4884-952F-60B6A58C3E34}"/>
+              </a:ext>
+              <a:ext uri="{C183D7F6-B498-43B3-948B-1728B52AA6E4}">
+                <adec:decorative xmlns:adec="http://schemas.microsoft.com/office/drawing/2017/decorative" val="1"/>
+              </a:ext>
+            </a:extLst>
+          </p:cNvPr>
+          <p:cNvCxnSpPr>
+            <a:cxnSpLocks noGrp="1" noRot="1" noChangeAspect="1" noMove="1" noResize="1" noEditPoints="1" noAdjustHandles="1" noChangeArrowheads="1" noChangeShapeType="1"/>
+          </p:cNvCxnSpPr>
+          <p:nvPr>
+            <p:extLst>
+              <p:ext uri="{386F3935-93C4-4BCD-93E2-E3B085C9AB24}">
+                <p16:designElem xmlns:p16="http://schemas.microsoft.com/office/powerpoint/2015/main" val="1"/>
+              </p:ext>
+            </p:extLst>
+          </p:nvPr>
+        </p:nvCxnSpPr>
+        <p:spPr>
+          <a:xfrm>
+            <a:off x="0" y="6128413"/>
+            <a:ext cx="12192000" cy="0"/>
+          </a:xfrm>
+          <a:prstGeom prst="line">
+            <a:avLst/>
+          </a:prstGeom>
+          <a:ln w="12700">
+            <a:solidFill>
+              <a:srgbClr val="000001">
+                <a:alpha val="20000"/>
+              </a:srgbClr>
+            </a:solidFill>
+          </a:ln>
+        </p:spPr>
+        <p:style>
+          <a:lnRef idx="1">
+            <a:schemeClr val="accent1"/>
+          </a:lnRef>
+          <a:fillRef idx="0">
+            <a:schemeClr val="accent1"/>
+          </a:fillRef>
+          <a:effectRef idx="0">
+            <a:schemeClr val="accent1"/>
+          </a:effectRef>
+          <a:fontRef idx="minor">
+            <a:schemeClr val="tx1"/>
+          </a:fontRef>
+        </p:style>
+      </p:cxnSp>
+      <p:sp useBgFill="1">
+        <p:nvSpPr>
+          <p:cNvPr id="77" name="Rectangle 76">
+            <a:extLst>
+              <a:ext uri="{FF2B5EF4-FFF2-40B4-BE49-F238E27FC236}">
+                <a16:creationId xmlns:a16="http://schemas.microsoft.com/office/drawing/2014/main" id="{62C9703D-C8F9-44AD-A7C0-C2F3871F8C1B}"/>
+              </a:ext>
+              <a:ext uri="{C183D7F6-B498-43B3-948B-1728B52AA6E4}">
+                <adec:decorative xmlns:adec="http://schemas.microsoft.com/office/drawing/2017/decorative" val="1"/>
+              </a:ext>
+            </a:extLst>
+          </p:cNvPr>
+          <p:cNvSpPr>
+            <a:spLocks noGrp="1" noRot="1" noChangeAspect="1" noMove="1" noResize="1" noEditPoints="1" noAdjustHandles="1" noChangeArrowheads="1" noChangeShapeType="1" noTextEdit="1"/>
+          </p:cNvSpPr>
+          <p:nvPr>
+            <p:extLst>
+              <p:ext uri="{386F3935-93C4-4BCD-93E2-E3B085C9AB24}">
+                <p16:designElem xmlns:p16="http://schemas.microsoft.com/office/powerpoint/2015/main" val="1"/>
+              </p:ext>
+            </p:extLst>
+          </p:nvPr>
+        </p:nvSpPr>
+        <p:spPr>
+          <a:xfrm>
+            <a:off x="0" y="0"/>
+            <a:ext cx="12192000" cy="6160168"/>
+          </a:xfrm>
+          <a:prstGeom prst="rect">
+            <a:avLst/>
+          </a:prstGeom>
+          <a:ln>
+            <a:noFill/>
+          </a:ln>
+        </p:spPr>
+        <p:style>
+          <a:lnRef idx="2">
+            <a:schemeClr val="accent1">
+              <a:shade val="50000"/>
+            </a:schemeClr>
+          </a:lnRef>
+          <a:fillRef idx="1">
+            <a:schemeClr val="accent1"/>
+          </a:fillRef>
+          <a:effectRef idx="0">
+            <a:schemeClr val="accent1"/>
+          </a:effectRef>
+          <a:fontRef idx="minor">
+            <a:schemeClr val="lt1"/>
+          </a:fontRef>
+        </p:style>
+        <p:txBody>
+          <a:bodyPr rtlCol="0" anchor="ctr"/>
+          <a:lstStyle/>
+          <a:p>
+            <a:pPr algn="ctr"/>
+            <a:endParaRPr lang="en-US"/>
+          </a:p>
+        </p:txBody>
+      </p:sp>
+      <p:pic>
+        <p:nvPicPr>
+          <p:cNvPr id="6146" name="Picture 2" descr="https://docs.google.com/drawings/u/2/d/svuRvRkuOV8rBir8pwNXeVA/image?w=602&amp;h=460&amp;rev=310&amp;ac=1&amp;parent=1UK3gBb_t43eRHmRgkOhFU0gn34gilMXxuN21WR-x_UU">
+            <a:extLst>
+              <a:ext uri="{FF2B5EF4-FFF2-40B4-BE49-F238E27FC236}">
+                <a16:creationId xmlns:a16="http://schemas.microsoft.com/office/drawing/2014/main" id="{B45C9BAD-2465-E245-A5C7-C3C3FBF2EE6A}"/>
+              </a:ext>
+            </a:extLst>
+          </p:cNvPr>
+          <p:cNvPicPr>
+            <a:picLocks noGrp="1" noChangeAspect="1" noChangeArrowheads="1"/>
+          </p:cNvPicPr>
           <p:nvPr>
             <p:ph idx="1"/>
           </p:nvPr>
-        </p:nvSpPr>
-        <p:spPr/>
+        </p:nvPicPr>
+        <p:blipFill>
+          <a:blip r:embed="rId3">
+            <a:extLst>
+              <a:ext uri="{28A0092B-C50C-407E-A947-70E740481C1C}">
+                <a14:useLocalDpi xmlns:a14="http://schemas.microsoft.com/office/drawing/2010/main" val="0"/>
+              </a:ext>
+            </a:extLst>
+          </a:blip>
+          <a:srcRect/>
+          <a:stretch>
+            <a:fillRect/>
+          </a:stretch>
+        </p:blipFill>
+        <p:spPr bwMode="auto">
+          <a:xfrm>
+            <a:off x="2907210" y="643467"/>
+            <a:ext cx="6377580" cy="4873234"/>
+          </a:xfrm>
+          <a:prstGeom prst="rect">
+            <a:avLst/>
+          </a:prstGeom>
+          <a:noFill/>
+          <a:extLst>
+            <a:ext uri="{909E8E84-426E-40DD-AFC4-6F175D3DCCD1}">
+              <a14:hiddenFill xmlns:a14="http://schemas.microsoft.com/office/drawing/2010/main">
+                <a:solidFill>
+                  <a:srgbClr val="FFFFFF"/>
+                </a:solidFill>
+              </a14:hiddenFill>
+            </a:ext>
+          </a:extLst>
+        </p:spPr>
+      </p:pic>
+      <p:sp>
+        <p:nvSpPr>
+          <p:cNvPr id="4" name="TextBox 3">
+            <a:extLst>
+              <a:ext uri="{FF2B5EF4-FFF2-40B4-BE49-F238E27FC236}">
+                <a16:creationId xmlns:a16="http://schemas.microsoft.com/office/drawing/2014/main" id="{5B7A4EED-4F74-B74F-B4FC-FDCF3671DA4B}"/>
+              </a:ext>
+            </a:extLst>
+          </p:cNvPr>
+          <p:cNvSpPr txBox="1"/>
+          <p:nvPr/>
+        </p:nvSpPr>
+        <p:spPr>
+          <a:xfrm>
+            <a:off x="520700" y="381000"/>
+            <a:ext cx="1295996" cy="369332"/>
+          </a:xfrm>
+          <a:prstGeom prst="rect">
+            <a:avLst/>
+          </a:prstGeom>
+          <a:noFill/>
+        </p:spPr>
         <p:txBody>
-          <a:bodyPr>
-            <a:normAutofit fontScale="85000" lnSpcReduction="10000"/>
+          <a:bodyPr wrap="none" rtlCol="0">
+            <a:spAutoFit/>
           </a:bodyPr>
           <a:lstStyle/>
           <a:p>
-            <a:pPr marL="0" indent="0">
-              <a:buNone/>
-            </a:pPr>
-            <a:r>
-              <a:rPr lang="en-US" altLang="zh-Hans" dirty="0"/>
-              <a:t>User</a:t>
-            </a:r>
-            <a:r>
-              <a:rPr lang="zh-Hans" altLang="en-US" dirty="0"/>
-              <a:t> </a:t>
-            </a:r>
-            <a:r>
-              <a:rPr lang="en-US" altLang="zh-Hans" dirty="0"/>
-              <a:t>story2:</a:t>
-            </a:r>
-          </a:p>
-          <a:p>
-            <a:pPr marL="0" indent="0">
-              <a:buNone/>
-            </a:pPr>
-            <a:r>
-              <a:rPr lang="en-US" altLang="zh-Hans" dirty="0"/>
-              <a:t>Use</a:t>
-            </a:r>
-            <a:r>
-              <a:rPr lang="zh-Hans" altLang="en-US" dirty="0"/>
-              <a:t> </a:t>
-            </a:r>
-            <a:r>
-              <a:rPr lang="en-US" altLang="zh-Hans" dirty="0" err="1"/>
-              <a:t>Openrefine</a:t>
-            </a:r>
-            <a:r>
-              <a:rPr lang="en-US" altLang="zh-Hans" dirty="0"/>
-              <a:t>-client</a:t>
-            </a:r>
-            <a:r>
-              <a:rPr lang="zh-Hans" altLang="en-US" dirty="0"/>
-              <a:t> </a:t>
-            </a:r>
-            <a:r>
-              <a:rPr lang="en-US" altLang="zh-Hans" dirty="0"/>
-              <a:t>library</a:t>
-            </a:r>
-            <a:r>
-              <a:rPr lang="zh-Hans" altLang="en-US" dirty="0"/>
-              <a:t> </a:t>
-            </a:r>
-            <a:r>
-              <a:rPr lang="en-US" altLang="zh-Hans" dirty="0"/>
-              <a:t>to</a:t>
-            </a:r>
-            <a:r>
-              <a:rPr lang="zh-Hans" altLang="en-US" dirty="0"/>
-              <a:t> </a:t>
-            </a:r>
-            <a:r>
-              <a:rPr lang="en-US" altLang="zh-Hans" dirty="0"/>
-              <a:t>construct</a:t>
-            </a:r>
-            <a:r>
-              <a:rPr lang="zh-Hans" altLang="en-US" dirty="0"/>
-              <a:t> </a:t>
-            </a:r>
-            <a:r>
-              <a:rPr lang="en-US" altLang="zh-Hans" dirty="0"/>
-              <a:t>User-script</a:t>
-            </a:r>
-            <a:r>
-              <a:rPr lang="zh-Hans" altLang="en-US" dirty="0"/>
-              <a:t> </a:t>
-            </a:r>
-            <a:r>
-              <a:rPr lang="en-US" altLang="zh-Hans" dirty="0"/>
-              <a:t>system,</a:t>
-            </a:r>
-            <a:r>
-              <a:rPr lang="zh-Hans" altLang="en-US" dirty="0"/>
-              <a:t> </a:t>
-            </a:r>
-            <a:r>
-              <a:rPr lang="en-US" altLang="zh-Hans" dirty="0"/>
-              <a:t>which</a:t>
-            </a:r>
-            <a:r>
-              <a:rPr lang="zh-Hans" altLang="en-US" dirty="0"/>
-              <a:t> </a:t>
-            </a:r>
-            <a:r>
-              <a:rPr lang="en-US" altLang="zh-Hans" dirty="0"/>
-              <a:t>can</a:t>
-            </a:r>
-            <a:r>
-              <a:rPr lang="zh-Hans" altLang="en-US" dirty="0"/>
-              <a:t> </a:t>
-            </a:r>
-            <a:r>
-              <a:rPr lang="en-US" altLang="zh-Hans" dirty="0"/>
-              <a:t>generate</a:t>
-            </a:r>
-            <a:r>
-              <a:rPr lang="zh-Hans" altLang="en-US" dirty="0"/>
-              <a:t> </a:t>
-            </a:r>
-            <a:r>
-              <a:rPr lang="en-US" altLang="zh-Hans" dirty="0"/>
-              <a:t>the</a:t>
-            </a:r>
-            <a:r>
-              <a:rPr lang="zh-Hans" altLang="en-US" dirty="0"/>
-              <a:t> </a:t>
-            </a:r>
-            <a:r>
-              <a:rPr lang="en-US" altLang="zh-Hans" dirty="0"/>
-              <a:t>reproducible</a:t>
-            </a:r>
-            <a:r>
-              <a:rPr lang="zh-Hans" altLang="en-US" dirty="0"/>
-              <a:t> </a:t>
-            </a:r>
-            <a:r>
-              <a:rPr lang="en-US" altLang="zh-Hans" dirty="0" err="1"/>
-              <a:t>json</a:t>
-            </a:r>
-            <a:r>
-              <a:rPr lang="zh-Hans" altLang="en-US" dirty="0"/>
-              <a:t> </a:t>
-            </a:r>
-            <a:r>
-              <a:rPr lang="en-US" altLang="zh-Hans" dirty="0"/>
-              <a:t>file.</a:t>
-            </a:r>
-            <a:r>
-              <a:rPr lang="zh-Hans" altLang="en-US" dirty="0"/>
-              <a:t> </a:t>
-            </a:r>
-            <a:endParaRPr lang="en-US" altLang="zh-Hans" dirty="0"/>
-          </a:p>
-          <a:p>
-            <a:pPr marL="0" indent="0">
-              <a:buNone/>
-            </a:pPr>
-            <a:r>
-              <a:rPr lang="en-US" altLang="zh-Hans" dirty="0"/>
-              <a:t>Step</a:t>
-            </a:r>
-            <a:r>
-              <a:rPr lang="zh-Hans" altLang="en-US" dirty="0"/>
-              <a:t> </a:t>
-            </a:r>
-            <a:r>
-              <a:rPr lang="en-US" altLang="zh-Hans" dirty="0"/>
-              <a:t>1:</a:t>
-            </a:r>
-            <a:r>
-              <a:rPr lang="zh-Hans" altLang="en-US" dirty="0"/>
-              <a:t> </a:t>
-            </a:r>
-            <a:r>
-              <a:rPr lang="en-US" altLang="zh-Hans" dirty="0" err="1"/>
-              <a:t>Openrefinerecipe.py</a:t>
-            </a:r>
-            <a:r>
-              <a:rPr lang="zh-Hans" altLang="en-US" dirty="0"/>
-              <a:t> </a:t>
-            </a:r>
-            <a:r>
-              <a:rPr lang="en-US" altLang="zh-Hans" dirty="0"/>
-              <a:t>includes</a:t>
-            </a:r>
-            <a:r>
-              <a:rPr lang="zh-Hans" altLang="en-US" dirty="0"/>
-              <a:t> </a:t>
-            </a:r>
-            <a:r>
-              <a:rPr lang="en-US" altLang="zh-Hans" dirty="0"/>
-              <a:t>all</a:t>
-            </a:r>
-            <a:r>
-              <a:rPr lang="zh-Hans" altLang="en-US" dirty="0"/>
-              <a:t> </a:t>
-            </a:r>
-            <a:r>
-              <a:rPr lang="en-US" altLang="zh-Hans" dirty="0"/>
-              <a:t>of</a:t>
-            </a:r>
-            <a:r>
-              <a:rPr lang="zh-Hans" altLang="en-US" dirty="0"/>
-              <a:t> </a:t>
-            </a:r>
-            <a:r>
-              <a:rPr lang="en-US" altLang="zh-Hans" dirty="0"/>
-              <a:t>the</a:t>
-            </a:r>
-            <a:r>
-              <a:rPr lang="zh-Hans" altLang="en-US" dirty="0"/>
-              <a:t> </a:t>
-            </a:r>
-            <a:r>
-              <a:rPr lang="en-US" altLang="zh-Hans" dirty="0"/>
-              <a:t>operations</a:t>
-            </a:r>
-            <a:r>
-              <a:rPr lang="zh-Hans" altLang="en-US" dirty="0"/>
-              <a:t> </a:t>
-            </a:r>
-            <a:r>
-              <a:rPr lang="en-US" altLang="zh-Hans" dirty="0"/>
-              <a:t>in</a:t>
-            </a:r>
-            <a:r>
-              <a:rPr lang="zh-Hans" altLang="en-US" dirty="0"/>
-              <a:t> </a:t>
-            </a:r>
-            <a:r>
-              <a:rPr lang="en-US" altLang="zh-Hans" dirty="0"/>
-              <a:t>Openrefine,</a:t>
-            </a:r>
-            <a:r>
-              <a:rPr lang="zh-Hans" altLang="en-US" dirty="0"/>
-              <a:t> </a:t>
-            </a:r>
-            <a:r>
-              <a:rPr lang="en-US" altLang="zh-Hans" dirty="0"/>
-              <a:t>where</a:t>
-            </a:r>
-            <a:r>
-              <a:rPr lang="zh-Hans" altLang="en-US" dirty="0"/>
-              <a:t> </a:t>
-            </a:r>
-            <a:r>
-              <a:rPr lang="en-US" altLang="zh-Hans" dirty="0"/>
-              <a:t>the</a:t>
-            </a:r>
-            <a:r>
-              <a:rPr lang="zh-Hans" altLang="en-US" dirty="0"/>
-              <a:t> </a:t>
-            </a:r>
-            <a:r>
-              <a:rPr lang="en-US" altLang="zh-Hans" dirty="0"/>
-              <a:t>functions</a:t>
-            </a:r>
-            <a:r>
-              <a:rPr lang="zh-Hans" altLang="en-US" dirty="0"/>
-              <a:t> </a:t>
-            </a:r>
-            <a:r>
-              <a:rPr lang="en-US" altLang="zh-Hans" dirty="0"/>
-              <a:t>of</a:t>
-            </a:r>
-            <a:r>
-              <a:rPr lang="zh-Hans" altLang="en-US" dirty="0"/>
-              <a:t> </a:t>
-            </a:r>
-            <a:r>
-              <a:rPr lang="en-US" altLang="zh-Hans" dirty="0"/>
-              <a:t>operations</a:t>
-            </a:r>
-            <a:r>
-              <a:rPr lang="zh-Hans" altLang="en-US" dirty="0"/>
-              <a:t> </a:t>
-            </a:r>
-            <a:r>
-              <a:rPr lang="en-US" altLang="zh-Hans" dirty="0"/>
-              <a:t>are</a:t>
-            </a:r>
-            <a:r>
-              <a:rPr lang="zh-Hans" altLang="en-US" dirty="0"/>
-              <a:t> </a:t>
-            </a:r>
-            <a:r>
-              <a:rPr lang="en-US" altLang="zh-Hans" dirty="0"/>
-              <a:t>through</a:t>
-            </a:r>
-            <a:r>
-              <a:rPr lang="zh-Hans" altLang="en-US" dirty="0"/>
-              <a:t> </a:t>
-            </a:r>
-            <a:r>
-              <a:rPr lang="en-US" altLang="zh-Hans" dirty="0" err="1"/>
-              <a:t>Openrefine</a:t>
-            </a:r>
-            <a:r>
-              <a:rPr lang="en-US" altLang="zh-Hans" dirty="0"/>
-              <a:t>-client</a:t>
-            </a:r>
-            <a:r>
-              <a:rPr lang="zh-Hans" altLang="en-US" dirty="0"/>
-              <a:t> </a:t>
-            </a:r>
-            <a:r>
-              <a:rPr lang="en-US" altLang="zh-Hans" dirty="0"/>
-              <a:t>Library.</a:t>
-            </a:r>
-            <a:r>
-              <a:rPr lang="zh-Hans" altLang="en-US" dirty="0"/>
-              <a:t> </a:t>
-            </a:r>
-            <a:endParaRPr lang="en-US" altLang="zh-Hans" dirty="0"/>
-          </a:p>
-          <a:p>
-            <a:pPr marL="0" indent="0">
-              <a:buNone/>
-            </a:pPr>
-            <a:r>
-              <a:rPr lang="en-US" altLang="zh-Hans" dirty="0"/>
-              <a:t>Step</a:t>
-            </a:r>
-            <a:r>
-              <a:rPr lang="zh-Hans" altLang="en-US" dirty="0"/>
-              <a:t> </a:t>
-            </a:r>
-            <a:r>
-              <a:rPr lang="en-US" altLang="zh-Hans" dirty="0"/>
-              <a:t>2:</a:t>
-            </a:r>
-            <a:r>
-              <a:rPr lang="zh-Hans" altLang="en-US" dirty="0"/>
-              <a:t> </a:t>
-            </a:r>
-            <a:r>
-              <a:rPr lang="en-US" altLang="zh-Hans" dirty="0" err="1"/>
-              <a:t>UserScript.py</a:t>
-            </a:r>
-            <a:r>
-              <a:rPr lang="zh-Hans" altLang="en-US" dirty="0"/>
-              <a:t> </a:t>
-            </a:r>
-            <a:r>
-              <a:rPr lang="en-US" altLang="zh-Hans" dirty="0"/>
-              <a:t>is</a:t>
-            </a:r>
-            <a:r>
-              <a:rPr lang="zh-Hans" altLang="en-US" dirty="0"/>
-              <a:t> </a:t>
-            </a:r>
-            <a:r>
-              <a:rPr lang="en-US" altLang="zh-Hans" dirty="0"/>
-              <a:t>the</a:t>
-            </a:r>
-            <a:r>
-              <a:rPr lang="zh-Hans" altLang="en-US" dirty="0"/>
-              <a:t> </a:t>
-            </a:r>
-            <a:r>
-              <a:rPr lang="en-US" altLang="zh-Hans" dirty="0"/>
-              <a:t>human-</a:t>
-            </a:r>
-            <a:r>
-              <a:rPr lang="en-US" altLang="zh-Hans" dirty="0" err="1"/>
-              <a:t>Openrefine</a:t>
-            </a:r>
-            <a:r>
-              <a:rPr lang="zh-Hans" altLang="en-US" dirty="0"/>
-              <a:t> </a:t>
-            </a:r>
-            <a:r>
-              <a:rPr lang="en-US" altLang="zh-Hans" dirty="0"/>
-              <a:t>interaction</a:t>
-            </a:r>
-            <a:r>
-              <a:rPr lang="zh-Hans" altLang="en-US" dirty="0"/>
-              <a:t> </a:t>
-            </a:r>
-            <a:r>
-              <a:rPr lang="en-US" altLang="zh-Hans" dirty="0"/>
-              <a:t>script,</a:t>
-            </a:r>
-            <a:r>
-              <a:rPr lang="zh-Hans" altLang="en-US" dirty="0"/>
-              <a:t> </a:t>
-            </a:r>
-            <a:r>
-              <a:rPr lang="en-US" altLang="zh-Hans" dirty="0"/>
-              <a:t>where</a:t>
-            </a:r>
-            <a:r>
-              <a:rPr lang="zh-Hans" altLang="en-US" dirty="0"/>
-              <a:t> </a:t>
-            </a:r>
-            <a:r>
-              <a:rPr lang="en-US" altLang="zh-Hans" dirty="0"/>
-              <a:t>let</a:t>
-            </a:r>
-            <a:r>
-              <a:rPr lang="zh-Hans" altLang="en-US" dirty="0"/>
-              <a:t> </a:t>
-            </a:r>
-            <a:r>
-              <a:rPr lang="en-US" altLang="zh-Hans" dirty="0"/>
-              <a:t>users</a:t>
-            </a:r>
-            <a:r>
-              <a:rPr lang="zh-Hans" altLang="en-US" dirty="0"/>
-              <a:t> </a:t>
-            </a:r>
-            <a:r>
-              <a:rPr lang="en-US" altLang="zh-Hans" dirty="0"/>
-              <a:t>choose</a:t>
-            </a:r>
-            <a:r>
-              <a:rPr lang="zh-Hans" altLang="en-US" dirty="0"/>
-              <a:t> </a:t>
-            </a:r>
-            <a:r>
-              <a:rPr lang="en-US" altLang="zh-Hans" dirty="0"/>
-              <a:t>data-wrangling</a:t>
-            </a:r>
-            <a:r>
-              <a:rPr lang="zh-Hans" altLang="en-US" dirty="0"/>
-              <a:t> </a:t>
-            </a:r>
-            <a:r>
-              <a:rPr lang="en-US" altLang="zh-Hans" dirty="0"/>
-              <a:t>operations</a:t>
-            </a:r>
-            <a:r>
-              <a:rPr lang="zh-Hans" altLang="en-US" dirty="0"/>
-              <a:t> </a:t>
-            </a:r>
-            <a:r>
-              <a:rPr lang="en-US" altLang="zh-Hans" dirty="0"/>
-              <a:t>on</a:t>
-            </a:r>
-            <a:r>
-              <a:rPr lang="zh-Hans" altLang="en-US" dirty="0"/>
-              <a:t> </a:t>
-            </a:r>
-            <a:r>
-              <a:rPr lang="en-US" altLang="zh-Hans" dirty="0"/>
-              <a:t>columns,</a:t>
-            </a:r>
-            <a:r>
-              <a:rPr lang="zh-Hans" altLang="en-US" dirty="0"/>
-              <a:t> </a:t>
-            </a:r>
-            <a:r>
-              <a:rPr lang="en-US" altLang="zh-Hans" dirty="0"/>
-              <a:t>and</a:t>
-            </a:r>
-            <a:r>
-              <a:rPr lang="zh-Hans" altLang="en-US" dirty="0"/>
-              <a:t> </a:t>
-            </a:r>
-            <a:r>
-              <a:rPr lang="en-US" altLang="zh-Hans" dirty="0"/>
-              <a:t>generate</a:t>
-            </a:r>
-            <a:r>
-              <a:rPr lang="zh-Hans" altLang="en-US" dirty="0"/>
-              <a:t> </a:t>
-            </a:r>
-            <a:r>
-              <a:rPr lang="en-US" altLang="zh-Hans" dirty="0"/>
-              <a:t>the</a:t>
-            </a:r>
-            <a:r>
-              <a:rPr lang="zh-Hans" altLang="en-US" dirty="0"/>
-              <a:t> </a:t>
-            </a:r>
-            <a:r>
-              <a:rPr lang="en-US" altLang="zh-Hans" dirty="0"/>
-              <a:t>according</a:t>
-            </a:r>
-            <a:r>
-              <a:rPr lang="zh-Hans" altLang="en-US" dirty="0"/>
-              <a:t> </a:t>
-            </a:r>
-            <a:r>
-              <a:rPr lang="en-US" altLang="zh-Hans" dirty="0"/>
-              <a:t>@output</a:t>
-            </a:r>
-            <a:r>
-              <a:rPr lang="zh-Hans" altLang="en-US" dirty="0"/>
-              <a:t> </a:t>
-            </a:r>
-            <a:r>
-              <a:rPr lang="en-US" altLang="zh-Hans" dirty="0" err="1"/>
-              <a:t>json</a:t>
-            </a:r>
-            <a:r>
-              <a:rPr lang="zh-Hans" altLang="en-US" dirty="0"/>
-              <a:t> </a:t>
-            </a:r>
-            <a:r>
-              <a:rPr lang="en-US" altLang="zh-Hans" dirty="0"/>
-              <a:t>file</a:t>
-            </a:r>
-            <a:r>
-              <a:rPr lang="zh-Hans" altLang="en-US" dirty="0"/>
-              <a:t> </a:t>
-            </a:r>
-            <a:r>
-              <a:rPr lang="en-US" altLang="zh-Hans" dirty="0"/>
-              <a:t>and</a:t>
-            </a:r>
-            <a:r>
-              <a:rPr lang="zh-Hans" altLang="en-US" dirty="0"/>
-              <a:t> </a:t>
-            </a:r>
-            <a:r>
-              <a:rPr lang="en-US" altLang="zh-Hans" dirty="0"/>
-              <a:t>@output</a:t>
-            </a:r>
-            <a:r>
-              <a:rPr lang="zh-Hans" altLang="en-US" dirty="0"/>
-              <a:t> </a:t>
-            </a:r>
-            <a:r>
-              <a:rPr lang="en-US" altLang="zh-Hans" dirty="0"/>
-              <a:t>cleaned</a:t>
-            </a:r>
-            <a:r>
-              <a:rPr lang="zh-Hans" altLang="en-US" dirty="0"/>
-              <a:t> </a:t>
-            </a:r>
-            <a:r>
-              <a:rPr lang="en-US" altLang="zh-Hans" dirty="0"/>
-              <a:t>csv.</a:t>
-            </a:r>
-          </a:p>
-          <a:p>
-            <a:pPr marL="0" indent="0">
-              <a:buNone/>
-            </a:pPr>
-            <a:r>
-              <a:rPr lang="en-US" altLang="zh-Hans" dirty="0"/>
-              <a:t>Step</a:t>
-            </a:r>
-            <a:r>
-              <a:rPr lang="zh-Hans" altLang="en-US" dirty="0"/>
-              <a:t> </a:t>
-            </a:r>
-            <a:r>
-              <a:rPr lang="en-US" altLang="zh-Hans" dirty="0"/>
-              <a:t>3:</a:t>
-            </a:r>
-            <a:r>
-              <a:rPr lang="zh-Hans" altLang="en-US" dirty="0"/>
-              <a:t>  </a:t>
-            </a:r>
-            <a:r>
-              <a:rPr lang="en-US" altLang="zh-Hans" dirty="0"/>
-              <a:t>Do</a:t>
-            </a:r>
-            <a:r>
-              <a:rPr lang="zh-Hans" altLang="en-US" dirty="0"/>
-              <a:t> </a:t>
-            </a:r>
-            <a:r>
-              <a:rPr lang="en-US" altLang="zh-Hans" dirty="0"/>
-              <a:t>the</a:t>
-            </a:r>
-            <a:r>
-              <a:rPr lang="zh-Hans" altLang="en-US" dirty="0"/>
-              <a:t> </a:t>
-            </a:r>
-            <a:r>
-              <a:rPr lang="en-US" altLang="zh-Hans" dirty="0"/>
-              <a:t>copy-paste</a:t>
-            </a:r>
-            <a:r>
-              <a:rPr lang="zh-Hans" altLang="en-US" dirty="0"/>
-              <a:t> </a:t>
-            </a:r>
-            <a:r>
-              <a:rPr lang="en-US" altLang="zh-Hans" dirty="0" err="1"/>
-              <a:t>json</a:t>
-            </a:r>
-            <a:r>
-              <a:rPr lang="zh-Hans" altLang="en-US" dirty="0"/>
-              <a:t> </a:t>
-            </a:r>
-            <a:r>
-              <a:rPr lang="en-US" altLang="zh-Hans" dirty="0"/>
-              <a:t>file</a:t>
-            </a:r>
-            <a:r>
-              <a:rPr lang="zh-Hans" altLang="en-US" dirty="0"/>
-              <a:t> </a:t>
-            </a:r>
-            <a:r>
-              <a:rPr lang="en-US" altLang="zh-Hans" dirty="0"/>
-              <a:t>in</a:t>
-            </a:r>
-            <a:r>
-              <a:rPr lang="zh-Hans" altLang="en-US" dirty="0"/>
-              <a:t> </a:t>
-            </a:r>
-            <a:r>
-              <a:rPr lang="en-US" altLang="zh-Hans" dirty="0" err="1"/>
-              <a:t>Openrefile</a:t>
-            </a:r>
-            <a:r>
-              <a:rPr lang="zh-Hans" altLang="en-US" dirty="0"/>
-              <a:t> </a:t>
-            </a:r>
-            <a:r>
-              <a:rPr lang="en-US" altLang="zh-Hans" dirty="0"/>
-              <a:t>History</a:t>
-            </a:r>
-            <a:r>
-              <a:rPr lang="zh-Hans" altLang="en-US" dirty="0"/>
-              <a:t> </a:t>
-            </a:r>
-            <a:r>
-              <a:rPr lang="en-US" altLang="zh-Hans" dirty="0"/>
-              <a:t>operation</a:t>
-            </a:r>
-            <a:r>
-              <a:rPr lang="zh-Hans" altLang="en-US" dirty="0"/>
-              <a:t> </a:t>
-            </a:r>
-            <a:r>
-              <a:rPr lang="en-US" altLang="zh-Hans" dirty="0"/>
-              <a:t>(extract/apply),</a:t>
-            </a:r>
-            <a:r>
-              <a:rPr lang="zh-Hans" altLang="en-US" dirty="0"/>
-              <a:t> </a:t>
-            </a:r>
-            <a:r>
-              <a:rPr lang="en-US" altLang="zh-Hans" dirty="0"/>
-              <a:t>after</a:t>
-            </a:r>
-            <a:r>
-              <a:rPr lang="zh-Hans" altLang="en-US" dirty="0"/>
-              <a:t> </a:t>
-            </a:r>
-            <a:r>
-              <a:rPr lang="en-US" altLang="zh-Hans" dirty="0"/>
-              <a:t>applying</a:t>
-            </a:r>
-            <a:r>
-              <a:rPr lang="zh-Hans" altLang="en-US" dirty="0"/>
-              <a:t> </a:t>
-            </a:r>
-            <a:r>
-              <a:rPr lang="en-US" altLang="zh-Hans" dirty="0"/>
-              <a:t>it,</a:t>
-            </a:r>
-            <a:r>
-              <a:rPr lang="zh-Hans" altLang="en-US" dirty="0"/>
-              <a:t> </a:t>
-            </a:r>
-            <a:r>
-              <a:rPr lang="en-US" altLang="zh-Hans" dirty="0"/>
-              <a:t>the</a:t>
-            </a:r>
-            <a:r>
-              <a:rPr lang="zh-Hans" altLang="en-US" dirty="0"/>
-              <a:t> </a:t>
-            </a:r>
-            <a:r>
-              <a:rPr lang="en-US" altLang="zh-Hans" dirty="0"/>
-              <a:t>@output</a:t>
-            </a:r>
-            <a:r>
-              <a:rPr lang="zh-Hans" altLang="en-US" dirty="0"/>
-              <a:t> </a:t>
-            </a:r>
-            <a:r>
-              <a:rPr lang="en-US" altLang="zh-Hans" dirty="0"/>
-              <a:t>csv</a:t>
-            </a:r>
-            <a:r>
-              <a:rPr lang="zh-Hans" altLang="en-US" dirty="0"/>
-              <a:t> </a:t>
-            </a:r>
-            <a:r>
-              <a:rPr lang="en-US" altLang="zh-Hans" dirty="0"/>
-              <a:t>file</a:t>
-            </a:r>
-            <a:r>
-              <a:rPr lang="zh-Hans" altLang="en-US" dirty="0"/>
-              <a:t> </a:t>
-            </a:r>
-            <a:r>
-              <a:rPr lang="en-US" altLang="zh-Hans" dirty="0"/>
-              <a:t>is</a:t>
-            </a:r>
-            <a:r>
-              <a:rPr lang="zh-Hans" altLang="en-US" dirty="0"/>
-              <a:t> </a:t>
-            </a:r>
-            <a:r>
-              <a:rPr lang="en-US" altLang="zh-Hans" dirty="0"/>
-              <a:t>the</a:t>
-            </a:r>
-            <a:r>
-              <a:rPr lang="zh-Hans" altLang="en-US" dirty="0"/>
-              <a:t> </a:t>
-            </a:r>
-            <a:r>
-              <a:rPr lang="en-US" altLang="zh-Hans" dirty="0"/>
-              <a:t>same</a:t>
-            </a:r>
-            <a:r>
-              <a:rPr lang="zh-Hans" altLang="en-US" dirty="0"/>
-              <a:t> </a:t>
-            </a:r>
-            <a:r>
-              <a:rPr lang="en-US" altLang="zh-Hans" dirty="0"/>
-              <a:t>as</a:t>
-            </a:r>
-            <a:r>
-              <a:rPr lang="zh-Hans" altLang="en-US" dirty="0"/>
-              <a:t> </a:t>
-            </a:r>
-            <a:r>
-              <a:rPr lang="en-US" altLang="zh-Hans" dirty="0"/>
-              <a:t>step2</a:t>
-            </a:r>
-            <a:r>
-              <a:rPr lang="zh-Hans" altLang="en-US" dirty="0"/>
-              <a:t> </a:t>
-            </a:r>
-            <a:r>
-              <a:rPr lang="en-US" altLang="zh-Hans" dirty="0"/>
-              <a:t>@output</a:t>
-            </a:r>
-            <a:r>
-              <a:rPr lang="zh-Hans" altLang="en-US" dirty="0"/>
-              <a:t> </a:t>
-            </a:r>
-            <a:r>
-              <a:rPr lang="en-US" altLang="zh-Hans" dirty="0"/>
-              <a:t>cleaned</a:t>
-            </a:r>
-            <a:r>
-              <a:rPr lang="zh-Hans" altLang="en-US" dirty="0"/>
-              <a:t> </a:t>
-            </a:r>
-            <a:r>
-              <a:rPr lang="en-US" altLang="zh-Hans" dirty="0"/>
-              <a:t>csv.</a:t>
-            </a:r>
-            <a:r>
-              <a:rPr lang="zh-Hans" altLang="en-US" dirty="0"/>
-              <a:t> </a:t>
-            </a:r>
-            <a:r>
-              <a:rPr lang="en-US" altLang="zh-Hans" dirty="0"/>
-              <a:t>In</a:t>
-            </a:r>
-            <a:r>
-              <a:rPr lang="zh-Hans" altLang="en-US" dirty="0"/>
-              <a:t> </a:t>
-            </a:r>
-            <a:r>
-              <a:rPr lang="en-US" altLang="zh-Hans" dirty="0"/>
-              <a:t>this</a:t>
-            </a:r>
-            <a:r>
-              <a:rPr lang="zh-Hans" altLang="en-US" dirty="0"/>
-              <a:t> </a:t>
-            </a:r>
-            <a:r>
-              <a:rPr lang="en-US" altLang="zh-Hans" dirty="0"/>
-              <a:t>way.</a:t>
-            </a:r>
-            <a:r>
-              <a:rPr lang="zh-Hans" altLang="en-US" dirty="0"/>
-              <a:t> </a:t>
-            </a:r>
-            <a:r>
-              <a:rPr lang="en-US" altLang="zh-Hans" dirty="0"/>
-              <a:t>We</a:t>
-            </a:r>
-            <a:r>
-              <a:rPr lang="zh-Hans" altLang="en-US" dirty="0"/>
-              <a:t> </a:t>
-            </a:r>
-            <a:r>
-              <a:rPr lang="en-US" altLang="zh-Hans" dirty="0"/>
-              <a:t>can</a:t>
-            </a:r>
-            <a:r>
-              <a:rPr lang="zh-Hans" altLang="en-US" dirty="0"/>
-              <a:t> </a:t>
-            </a:r>
-            <a:r>
-              <a:rPr lang="en-US" altLang="zh-Hans" dirty="0"/>
-              <a:t>approve</a:t>
-            </a:r>
-            <a:r>
-              <a:rPr lang="zh-Hans" altLang="en-US" dirty="0"/>
-              <a:t> </a:t>
-            </a:r>
-            <a:r>
-              <a:rPr lang="en-US" altLang="zh-Hans" dirty="0"/>
-              <a:t>the</a:t>
-            </a:r>
-            <a:r>
-              <a:rPr lang="zh-Hans" altLang="en-US" dirty="0"/>
-              <a:t> </a:t>
-            </a:r>
-            <a:r>
-              <a:rPr lang="en-US" altLang="zh-Hans" dirty="0"/>
-              <a:t>reproducibility</a:t>
-            </a:r>
-            <a:r>
-              <a:rPr lang="zh-Hans" altLang="en-US" dirty="0"/>
-              <a:t> </a:t>
-            </a:r>
-            <a:r>
-              <a:rPr lang="en-US" altLang="zh-Hans" dirty="0"/>
-              <a:t>of</a:t>
-            </a:r>
-            <a:r>
-              <a:rPr lang="zh-Hans" altLang="en-US" dirty="0"/>
-              <a:t> </a:t>
-            </a:r>
-            <a:r>
-              <a:rPr lang="en-US" altLang="zh-Hans" dirty="0"/>
-              <a:t>the</a:t>
-            </a:r>
-            <a:r>
-              <a:rPr lang="zh-Hans" altLang="en-US" dirty="0"/>
-              <a:t> </a:t>
-            </a:r>
-            <a:r>
-              <a:rPr lang="en-US" altLang="zh-Hans" dirty="0" err="1"/>
-              <a:t>json</a:t>
-            </a:r>
-            <a:r>
-              <a:rPr lang="zh-Hans" altLang="en-US" dirty="0"/>
-              <a:t> </a:t>
-            </a:r>
-            <a:r>
-              <a:rPr lang="en-US" altLang="zh-Hans" dirty="0"/>
-              <a:t>file.</a:t>
-            </a:r>
-            <a:r>
-              <a:rPr lang="zh-Hans" altLang="en-US" dirty="0"/>
-              <a:t> </a:t>
-            </a:r>
-            <a:endParaRPr lang="en-US" altLang="zh-Hans" dirty="0"/>
-          </a:p>
-          <a:p>
-            <a:pPr marL="0" indent="0">
-              <a:buNone/>
-            </a:pPr>
+            <a:r>
+              <a:rPr lang="en-US" altLang="zh-Hans" dirty="0"/>
+              <a:t>Userstory1:</a:t>
+            </a:r>
             <a:endParaRPr lang="en-US" dirty="0"/>
           </a:p>
         </p:txBody>
@@ -6557,7 +6992,7 @@
     </p:spTree>
     <p:extLst>
       <p:ext uri="{BB962C8B-B14F-4D97-AF65-F5344CB8AC3E}">
-        <p14:creationId xmlns:p14="http://schemas.microsoft.com/office/powerpoint/2010/main" val="1787594738"/>
+        <p14:creationId xmlns:p14="http://schemas.microsoft.com/office/powerpoint/2010/main" val="2593544766"/>
       </p:ext>
     </p:extLst>
   </p:cSld>
@@ -6589,7 +7024,7 @@
           <p:cNvPr id="2" name="Title 1">
             <a:extLst>
               <a:ext uri="{FF2B5EF4-FFF2-40B4-BE49-F238E27FC236}">
-                <a16:creationId xmlns:a16="http://schemas.microsoft.com/office/drawing/2014/main" id="{27B2D4C3-313B-104D-84DE-E9A39D1336CB}"/>
+                <a16:creationId xmlns:a16="http://schemas.microsoft.com/office/drawing/2014/main" id="{9AA1E709-CD99-614F-9EA5-AA567FBDF5EB}"/>
               </a:ext>
             </a:extLst>
           </p:cNvPr>
@@ -6608,7 +7043,7 @@
             <a:pPr algn="ctr"/>
             <a:r>
               <a:rPr lang="en-US" dirty="0"/>
-              <a:t>Predefined data and workflow</a:t>
+              <a:t>methodology</a:t>
             </a:r>
           </a:p>
         </p:txBody>
@@ -6618,7 +7053,7 @@
           <p:cNvPr id="3" name="Content Placeholder 2">
             <a:extLst>
               <a:ext uri="{FF2B5EF4-FFF2-40B4-BE49-F238E27FC236}">
-                <a16:creationId xmlns:a16="http://schemas.microsoft.com/office/drawing/2014/main" id="{A0AB6156-A8EA-CF44-AB6F-4AB708E4E28A}"/>
+                <a16:creationId xmlns:a16="http://schemas.microsoft.com/office/drawing/2014/main" id="{08976916-E838-E342-BCBA-8426BE7AF9D5}"/>
               </a:ext>
             </a:extLst>
           </p:cNvPr>
@@ -6631,238 +7066,34 @@
         </p:nvSpPr>
         <p:spPr/>
         <p:txBody>
-          <a:bodyPr/>
+          <a:bodyPr>
+            <a:normAutofit fontScale="77500" lnSpcReduction="20000"/>
+          </a:bodyPr>
           <a:lstStyle/>
           <a:p>
-            <a:r>
-              <a:rPr lang="en-US" altLang="zh-Hans" dirty="0"/>
-              <a:t>Dataset</a:t>
-            </a:r>
-            <a:r>
-              <a:rPr lang="zh-Hans" altLang="en-US" dirty="0"/>
-              <a:t> </a:t>
-            </a:r>
-            <a:r>
-              <a:rPr lang="en-US" altLang="zh-Hans" dirty="0"/>
-              <a:t>is</a:t>
-            </a:r>
-            <a:r>
-              <a:rPr lang="zh-Hans" altLang="en-US" dirty="0"/>
-              <a:t> </a:t>
-            </a:r>
-            <a:r>
-              <a:rPr lang="en-US" altLang="zh-Hans" dirty="0"/>
-              <a:t>from</a:t>
-            </a:r>
-            <a:r>
-              <a:rPr lang="zh-Hans" altLang="en-US" dirty="0"/>
-              <a:t> </a:t>
-            </a:r>
-            <a:r>
-              <a:rPr lang="en-US" altLang="zh-Hans" dirty="0"/>
-              <a:t>this</a:t>
-            </a:r>
-            <a:r>
-              <a:rPr lang="zh-Hans" altLang="en-US" dirty="0"/>
-              <a:t> </a:t>
-            </a:r>
-            <a:r>
-              <a:rPr lang="en-US" altLang="zh-Hans" dirty="0"/>
-              <a:t>website:</a:t>
-            </a:r>
-            <a:r>
-              <a:rPr lang="zh-Hans" altLang="en-US" dirty="0"/>
-              <a:t> </a:t>
-            </a:r>
-            <a:r>
-              <a:rPr lang="en-US" altLang="zh-Hans" dirty="0">
-                <a:hlinkClick r:id="rId2"/>
-              </a:rPr>
-              <a:t>http://menus.nypl.org/data</a:t>
-            </a:r>
-            <a:r>
-              <a:rPr lang="en-US" altLang="zh-Hans" dirty="0"/>
-              <a:t>.</a:t>
-            </a:r>
-          </a:p>
-          <a:p>
-            <a:r>
-              <a:rPr lang="en-US" altLang="zh-Hans" dirty="0"/>
-              <a:t>Split</a:t>
-            </a:r>
-            <a:r>
-              <a:rPr lang="zh-Hans" altLang="en-US" dirty="0"/>
-              <a:t> </a:t>
-            </a:r>
-            <a:r>
-              <a:rPr lang="en-US" altLang="zh-Hans" dirty="0"/>
-              <a:t>the</a:t>
-            </a:r>
-            <a:r>
-              <a:rPr lang="zh-Hans" altLang="en-US" dirty="0"/>
-              <a:t> </a:t>
-            </a:r>
-            <a:r>
-              <a:rPr lang="en-US" altLang="zh-Hans" dirty="0"/>
-              <a:t>whole</a:t>
-            </a:r>
-            <a:r>
-              <a:rPr lang="zh-Hans" altLang="en-US" dirty="0"/>
-              <a:t> </a:t>
-            </a:r>
-            <a:r>
-              <a:rPr lang="en-US" altLang="zh-Hans" dirty="0" err="1"/>
-              <a:t>Menu.csv</a:t>
-            </a:r>
-            <a:r>
-              <a:rPr lang="zh-Hans" altLang="en-US" dirty="0"/>
-              <a:t> </a:t>
-            </a:r>
-            <a:r>
-              <a:rPr lang="en-US" altLang="zh-Hans" dirty="0"/>
-              <a:t>,</a:t>
-            </a:r>
-            <a:r>
-              <a:rPr lang="zh-Hans" altLang="en-US" dirty="0"/>
-              <a:t> </a:t>
-            </a:r>
-            <a:r>
-              <a:rPr lang="en-US" altLang="zh-Hans" dirty="0"/>
-              <a:t>a</a:t>
-            </a:r>
-            <a:r>
-              <a:rPr lang="zh-Hans" altLang="en-US" dirty="0"/>
-              <a:t> </a:t>
-            </a:r>
-            <a:r>
-              <a:rPr lang="en-US" altLang="zh-Hans" dirty="0"/>
-              <a:t>half</a:t>
-            </a:r>
-            <a:r>
-              <a:rPr lang="zh-Hans" altLang="en-US" dirty="0"/>
-              <a:t> </a:t>
-            </a:r>
-            <a:r>
-              <a:rPr lang="en-US" altLang="zh-Hans" dirty="0"/>
-              <a:t>for</a:t>
-            </a:r>
-            <a:r>
-              <a:rPr lang="zh-Hans" altLang="en-US" dirty="0"/>
-              <a:t> </a:t>
-            </a:r>
-            <a:r>
-              <a:rPr lang="en-US" altLang="zh-Hans" dirty="0"/>
-              <a:t>testing</a:t>
-            </a:r>
-            <a:r>
-              <a:rPr lang="zh-Hans" altLang="en-US" dirty="0"/>
-              <a:t> </a:t>
-            </a:r>
-            <a:r>
-              <a:rPr lang="en-US" altLang="zh-Hans" dirty="0"/>
-              <a:t>and</a:t>
-            </a:r>
-            <a:r>
-              <a:rPr lang="zh-Hans" altLang="en-US" dirty="0"/>
-              <a:t> </a:t>
-            </a:r>
-            <a:r>
-              <a:rPr lang="en-US" altLang="zh-Hans" dirty="0"/>
-              <a:t>the</a:t>
-            </a:r>
-            <a:r>
-              <a:rPr lang="zh-Hans" altLang="en-US" dirty="0"/>
-              <a:t> </a:t>
-            </a:r>
-            <a:r>
-              <a:rPr lang="en-US" altLang="zh-Hans" dirty="0"/>
-              <a:t>other</a:t>
-            </a:r>
-            <a:r>
-              <a:rPr lang="zh-Hans" altLang="en-US" dirty="0"/>
-              <a:t> </a:t>
-            </a:r>
-            <a:r>
-              <a:rPr lang="en-US" altLang="zh-Hans" dirty="0"/>
-              <a:t>half</a:t>
-            </a:r>
-            <a:r>
-              <a:rPr lang="zh-Hans" altLang="en-US" dirty="0"/>
-              <a:t> </a:t>
-            </a:r>
-            <a:r>
-              <a:rPr lang="en-US" altLang="zh-Hans" dirty="0"/>
-              <a:t>for</a:t>
-            </a:r>
-            <a:r>
-              <a:rPr lang="zh-Hans" altLang="en-US" dirty="0"/>
-              <a:t> </a:t>
-            </a:r>
-            <a:r>
-              <a:rPr lang="en-US" altLang="zh-Hans" dirty="0"/>
-              <a:t>training.</a:t>
-            </a:r>
-          </a:p>
-          <a:p>
-            <a:r>
-              <a:rPr lang="en-US" altLang="zh-Hans" dirty="0"/>
-              <a:t>There</a:t>
-            </a:r>
-            <a:r>
-              <a:rPr lang="zh-Hans" altLang="en-US" dirty="0"/>
-              <a:t> </a:t>
-            </a:r>
-            <a:r>
-              <a:rPr lang="en-US" altLang="zh-Hans" dirty="0"/>
-              <a:t>are</a:t>
-            </a:r>
-            <a:r>
-              <a:rPr lang="zh-Hans" altLang="en-US" dirty="0"/>
-              <a:t> </a:t>
-            </a:r>
-            <a:r>
-              <a:rPr lang="en-US" altLang="zh-Hans" dirty="0"/>
-              <a:t>two</a:t>
-            </a:r>
-            <a:r>
-              <a:rPr lang="zh-Hans" altLang="en-US" dirty="0"/>
-              <a:t> </a:t>
-            </a:r>
-            <a:r>
-              <a:rPr lang="en-US" altLang="zh-Hans" dirty="0"/>
-              <a:t>parts:</a:t>
-            </a:r>
-            <a:r>
-              <a:rPr lang="zh-Hans" altLang="en-US" dirty="0"/>
-              <a:t> </a:t>
-            </a:r>
-            <a:r>
-              <a:rPr lang="en-US" altLang="zh-Hans" dirty="0"/>
-              <a:t>Openrefine</a:t>
-            </a:r>
-            <a:r>
-              <a:rPr lang="zh-Hans" altLang="en-US" dirty="0"/>
-              <a:t> </a:t>
-            </a:r>
-            <a:r>
-              <a:rPr lang="en-US" altLang="zh-Hans" dirty="0"/>
-              <a:t>GUI</a:t>
-            </a:r>
-            <a:r>
-              <a:rPr lang="zh-Hans" altLang="en-US" dirty="0"/>
-              <a:t> </a:t>
-            </a:r>
-            <a:r>
-              <a:rPr lang="en-US" altLang="zh-Hans" dirty="0"/>
-              <a:t>workflow,</a:t>
-            </a:r>
-            <a:r>
-              <a:rPr lang="zh-Hans" altLang="en-US" dirty="0"/>
-              <a:t>  </a:t>
-            </a:r>
-            <a:r>
-              <a:rPr lang="en-US" altLang="zh-Hans" dirty="0"/>
-              <a:t>and</a:t>
+            <a:pPr marL="0" indent="0">
+              <a:buNone/>
+            </a:pPr>
+            <a:r>
+              <a:rPr lang="en-US" altLang="zh-Hans" dirty="0"/>
+              <a:t>User</a:t>
+            </a:r>
+            <a:r>
+              <a:rPr lang="zh-Hans" altLang="en-US" dirty="0"/>
+              <a:t> </a:t>
+            </a:r>
+            <a:r>
+              <a:rPr lang="en-US" altLang="zh-Hans" dirty="0"/>
+              <a:t>story2:</a:t>
+            </a:r>
+          </a:p>
+          <a:p>
+            <a:pPr marL="0" indent="0">
+              <a:buNone/>
+            </a:pPr>
+            <a:r>
+              <a:rPr lang="en-US" altLang="zh-Hans" dirty="0"/>
+              <a:t>Use</a:t>
             </a:r>
             <a:r>
               <a:rPr lang="zh-Hans" altLang="en-US" dirty="0"/>
@@ -6882,15 +7113,95 @@
             </a:r>
             <a:r>
               <a:rPr lang="en-US" altLang="zh-Hans" dirty="0"/>
-              <a:t>Library</a:t>
-            </a:r>
-            <a:r>
-              <a:rPr lang="zh-Hans" altLang="en-US" dirty="0"/>
-              <a:t> </a:t>
-            </a:r>
-            <a:r>
-              <a:rPr lang="en-US" altLang="zh-Hans" dirty="0"/>
-              <a:t>workflow.</a:t>
+              <a:t>library</a:t>
+            </a:r>
+            <a:r>
+              <a:rPr lang="zh-Hans" altLang="en-US" dirty="0"/>
+              <a:t> </a:t>
+            </a:r>
+            <a:r>
+              <a:rPr lang="en-US" altLang="zh-Hans" dirty="0"/>
+              <a:t>to</a:t>
+            </a:r>
+            <a:r>
+              <a:rPr lang="zh-Hans" altLang="en-US" dirty="0"/>
+              <a:t> </a:t>
+            </a:r>
+            <a:r>
+              <a:rPr lang="en-US" altLang="zh-Hans" dirty="0"/>
+              <a:t>construct</a:t>
+            </a:r>
+            <a:r>
+              <a:rPr lang="zh-Hans" altLang="en-US" dirty="0"/>
+              <a:t> </a:t>
+            </a:r>
+            <a:r>
+              <a:rPr lang="en-US" altLang="zh-Hans" dirty="0"/>
+              <a:t>User-script</a:t>
+            </a:r>
+            <a:r>
+              <a:rPr lang="zh-Hans" altLang="en-US" dirty="0"/>
+              <a:t> </a:t>
+            </a:r>
+            <a:r>
+              <a:rPr lang="en-US" altLang="zh-Hans" dirty="0"/>
+              <a:t>system,</a:t>
+            </a:r>
+            <a:r>
+              <a:rPr lang="zh-Hans" altLang="en-US" dirty="0"/>
+              <a:t> </a:t>
+            </a:r>
+            <a:r>
+              <a:rPr lang="en-US" altLang="zh-Hans" dirty="0"/>
+              <a:t>which</a:t>
+            </a:r>
+            <a:r>
+              <a:rPr lang="zh-Hans" altLang="en-US" dirty="0"/>
+              <a:t> </a:t>
+            </a:r>
+            <a:r>
+              <a:rPr lang="en-US" altLang="zh-Hans" dirty="0"/>
+              <a:t>can</a:t>
+            </a:r>
+            <a:r>
+              <a:rPr lang="zh-Hans" altLang="en-US" dirty="0"/>
+              <a:t> </a:t>
+            </a:r>
+            <a:r>
+              <a:rPr lang="en-US" altLang="zh-Hans" dirty="0"/>
+              <a:t>generate</a:t>
+            </a:r>
+            <a:r>
+              <a:rPr lang="zh-Hans" altLang="en-US" dirty="0"/>
+              <a:t> </a:t>
+            </a:r>
+            <a:r>
+              <a:rPr lang="en-US" altLang="zh-Hans" dirty="0"/>
+              <a:t>the</a:t>
+            </a:r>
+            <a:r>
+              <a:rPr lang="zh-Hans" altLang="en-US" dirty="0"/>
+              <a:t> </a:t>
+            </a:r>
+            <a:r>
+              <a:rPr lang="en-US" altLang="zh-Hans" dirty="0"/>
+              <a:t>reproducible</a:t>
+            </a:r>
+            <a:r>
+              <a:rPr lang="zh-Hans" altLang="en-US" dirty="0"/>
+              <a:t> </a:t>
+            </a:r>
+            <a:r>
+              <a:rPr lang="en-US" altLang="zh-Hans" dirty="0" err="1"/>
+              <a:t>json</a:t>
+            </a:r>
+            <a:r>
+              <a:rPr lang="zh-Hans" altLang="en-US" dirty="0"/>
+              <a:t> </a:t>
+            </a:r>
+            <a:r>
+              <a:rPr lang="en-US" altLang="zh-Hans" dirty="0"/>
+              <a:t>file.</a:t>
             </a:r>
             <a:r>
               <a:rPr lang="zh-Hans" altLang="en-US" dirty="0"/>
@@ -6899,6 +7210,726 @@
             <a:endParaRPr lang="en-US" altLang="zh-Hans" dirty="0"/>
           </a:p>
           <a:p>
+            <a:pPr marL="0" indent="0">
+              <a:buNone/>
+            </a:pPr>
+            <a:r>
+              <a:rPr lang="en-US" altLang="zh-Hans" dirty="0"/>
+              <a:t>Step</a:t>
+            </a:r>
+            <a:r>
+              <a:rPr lang="zh-Hans" altLang="en-US" dirty="0"/>
+              <a:t> </a:t>
+            </a:r>
+            <a:r>
+              <a:rPr lang="en-US" altLang="zh-Hans" dirty="0"/>
+              <a:t>1:</a:t>
+            </a:r>
+            <a:r>
+              <a:rPr lang="zh-Hans" altLang="en-US" dirty="0"/>
+              <a:t> </a:t>
+            </a:r>
+            <a:r>
+              <a:rPr lang="en-US" altLang="zh-Hans" dirty="0" err="1"/>
+              <a:t>Openrefinerecipe.py</a:t>
+            </a:r>
+            <a:r>
+              <a:rPr lang="zh-Hans" altLang="en-US" dirty="0"/>
+              <a:t> </a:t>
+            </a:r>
+            <a:r>
+              <a:rPr lang="en-US" altLang="zh-Hans" dirty="0"/>
+              <a:t>includes</a:t>
+            </a:r>
+            <a:r>
+              <a:rPr lang="zh-Hans" altLang="en-US" dirty="0"/>
+              <a:t> </a:t>
+            </a:r>
+            <a:r>
+              <a:rPr lang="en-US" altLang="zh-Hans" dirty="0"/>
+              <a:t>all</a:t>
+            </a:r>
+            <a:r>
+              <a:rPr lang="zh-Hans" altLang="en-US" dirty="0"/>
+              <a:t> </a:t>
+            </a:r>
+            <a:r>
+              <a:rPr lang="en-US" altLang="zh-Hans" dirty="0"/>
+              <a:t>of</a:t>
+            </a:r>
+            <a:r>
+              <a:rPr lang="zh-Hans" altLang="en-US" dirty="0"/>
+              <a:t> </a:t>
+            </a:r>
+            <a:r>
+              <a:rPr lang="en-US" altLang="zh-Hans" dirty="0"/>
+              <a:t>the</a:t>
+            </a:r>
+            <a:r>
+              <a:rPr lang="zh-Hans" altLang="en-US" dirty="0"/>
+              <a:t> </a:t>
+            </a:r>
+            <a:r>
+              <a:rPr lang="en-US" altLang="zh-Hans" dirty="0"/>
+              <a:t>operations</a:t>
+            </a:r>
+            <a:r>
+              <a:rPr lang="zh-Hans" altLang="en-US" dirty="0"/>
+              <a:t> </a:t>
+            </a:r>
+            <a:r>
+              <a:rPr lang="en-US" altLang="zh-Hans" dirty="0"/>
+              <a:t>in</a:t>
+            </a:r>
+            <a:r>
+              <a:rPr lang="zh-Hans" altLang="en-US" dirty="0"/>
+              <a:t> </a:t>
+            </a:r>
+            <a:r>
+              <a:rPr lang="en-US" altLang="zh-Hans" dirty="0"/>
+              <a:t>Openrefine,</a:t>
+            </a:r>
+            <a:r>
+              <a:rPr lang="zh-Hans" altLang="en-US" dirty="0"/>
+              <a:t> </a:t>
+            </a:r>
+            <a:r>
+              <a:rPr lang="en-US" altLang="zh-Hans" dirty="0"/>
+              <a:t>where</a:t>
+            </a:r>
+            <a:r>
+              <a:rPr lang="zh-Hans" altLang="en-US" dirty="0"/>
+              <a:t> </a:t>
+            </a:r>
+            <a:r>
+              <a:rPr lang="en-US" altLang="zh-Hans" dirty="0"/>
+              <a:t>the</a:t>
+            </a:r>
+            <a:r>
+              <a:rPr lang="zh-Hans" altLang="en-US" dirty="0"/>
+              <a:t> </a:t>
+            </a:r>
+            <a:r>
+              <a:rPr lang="en-US" altLang="zh-Hans" dirty="0"/>
+              <a:t>functions</a:t>
+            </a:r>
+            <a:r>
+              <a:rPr lang="zh-Hans" altLang="en-US" dirty="0"/>
+              <a:t> </a:t>
+            </a:r>
+            <a:r>
+              <a:rPr lang="en-US" altLang="zh-Hans" dirty="0"/>
+              <a:t>of</a:t>
+            </a:r>
+            <a:r>
+              <a:rPr lang="zh-Hans" altLang="en-US" dirty="0"/>
+              <a:t> </a:t>
+            </a:r>
+            <a:r>
+              <a:rPr lang="en-US" altLang="zh-Hans" dirty="0"/>
+              <a:t>operations</a:t>
+            </a:r>
+            <a:r>
+              <a:rPr lang="zh-Hans" altLang="en-US" dirty="0"/>
+              <a:t> </a:t>
+            </a:r>
+            <a:r>
+              <a:rPr lang="en-US" altLang="zh-Hans" dirty="0"/>
+              <a:t>are</a:t>
+            </a:r>
+            <a:r>
+              <a:rPr lang="zh-Hans" altLang="en-US" dirty="0"/>
+              <a:t> </a:t>
+            </a:r>
+            <a:r>
+              <a:rPr lang="en-US" altLang="zh-Hans" dirty="0"/>
+              <a:t>through</a:t>
+            </a:r>
+            <a:r>
+              <a:rPr lang="zh-Hans" altLang="en-US" dirty="0"/>
+              <a:t> </a:t>
+            </a:r>
+            <a:r>
+              <a:rPr lang="en-US" altLang="zh-Hans" dirty="0" err="1"/>
+              <a:t>Openrefine</a:t>
+            </a:r>
+            <a:r>
+              <a:rPr lang="en-US" altLang="zh-Hans" dirty="0"/>
+              <a:t>-client</a:t>
+            </a:r>
+            <a:r>
+              <a:rPr lang="zh-Hans" altLang="en-US" dirty="0"/>
+              <a:t> </a:t>
+            </a:r>
+            <a:r>
+              <a:rPr lang="en-US" altLang="zh-Hans" dirty="0"/>
+              <a:t>Library.</a:t>
+            </a:r>
+            <a:r>
+              <a:rPr lang="zh-Hans" altLang="en-US" dirty="0"/>
+              <a:t> </a:t>
+            </a:r>
+            <a:endParaRPr lang="en-US" altLang="zh-Hans" dirty="0"/>
+          </a:p>
+          <a:p>
+            <a:pPr marL="0" indent="0">
+              <a:buNone/>
+            </a:pPr>
+            <a:r>
+              <a:rPr lang="en-US" altLang="zh-Hans" dirty="0"/>
+              <a:t>Step</a:t>
+            </a:r>
+            <a:r>
+              <a:rPr lang="zh-Hans" altLang="en-US" dirty="0"/>
+              <a:t> </a:t>
+            </a:r>
+            <a:r>
+              <a:rPr lang="en-US" altLang="zh-Hans" dirty="0"/>
+              <a:t>2:</a:t>
+            </a:r>
+            <a:r>
+              <a:rPr lang="zh-Hans" altLang="en-US" dirty="0"/>
+              <a:t> </a:t>
+            </a:r>
+            <a:r>
+              <a:rPr lang="en-US" altLang="zh-Hans" dirty="0"/>
+              <a:t>X-OR-</a:t>
+            </a:r>
+            <a:r>
+              <a:rPr lang="en-US" altLang="zh-Hans" dirty="0" err="1"/>
+              <a:t>X.py</a:t>
+            </a:r>
+            <a:r>
+              <a:rPr lang="zh-Hans" altLang="en-US" dirty="0"/>
+              <a:t>  </a:t>
+            </a:r>
+            <a:r>
+              <a:rPr lang="en-US" altLang="zh-Hans" dirty="0"/>
+              <a:t>(Extended-Openrefine-Execute)</a:t>
+            </a:r>
+            <a:r>
+              <a:rPr lang="zh-Hans" altLang="en-US" dirty="0"/>
+              <a:t> </a:t>
+            </a:r>
+            <a:r>
+              <a:rPr lang="en-US" altLang="zh-Hans" dirty="0"/>
+              <a:t>is</a:t>
+            </a:r>
+            <a:r>
+              <a:rPr lang="zh-Hans" altLang="en-US" dirty="0"/>
+              <a:t> </a:t>
+            </a:r>
+            <a:r>
+              <a:rPr lang="en-US" altLang="zh-Hans" dirty="0"/>
+              <a:t>the</a:t>
+            </a:r>
+            <a:r>
+              <a:rPr lang="zh-Hans" altLang="en-US" dirty="0"/>
+              <a:t> </a:t>
+            </a:r>
+            <a:r>
+              <a:rPr lang="en-US" altLang="zh-Hans" dirty="0"/>
+              <a:t>human-</a:t>
+            </a:r>
+            <a:r>
+              <a:rPr lang="en-US" altLang="zh-Hans" dirty="0" err="1"/>
+              <a:t>Openrefine</a:t>
+            </a:r>
+            <a:r>
+              <a:rPr lang="zh-Hans" altLang="en-US" dirty="0"/>
+              <a:t> </a:t>
+            </a:r>
+            <a:r>
+              <a:rPr lang="en-US" altLang="zh-Hans" dirty="0"/>
+              <a:t>interaction</a:t>
+            </a:r>
+            <a:r>
+              <a:rPr lang="zh-Hans" altLang="en-US" dirty="0"/>
+              <a:t> </a:t>
+            </a:r>
+            <a:r>
+              <a:rPr lang="en-US" altLang="zh-Hans" dirty="0"/>
+              <a:t>script,</a:t>
+            </a:r>
+            <a:r>
+              <a:rPr lang="zh-Hans" altLang="en-US" dirty="0"/>
+              <a:t> </a:t>
+            </a:r>
+            <a:r>
+              <a:rPr lang="en-US" altLang="zh-Hans" dirty="0"/>
+              <a:t>where</a:t>
+            </a:r>
+            <a:r>
+              <a:rPr lang="zh-Hans" altLang="en-US" dirty="0"/>
+              <a:t> </a:t>
+            </a:r>
+            <a:r>
+              <a:rPr lang="en-US" altLang="zh-Hans" dirty="0"/>
+              <a:t>let</a:t>
+            </a:r>
+            <a:r>
+              <a:rPr lang="zh-Hans" altLang="en-US" dirty="0"/>
+              <a:t> </a:t>
+            </a:r>
+            <a:r>
+              <a:rPr lang="en-US" altLang="zh-Hans" dirty="0"/>
+              <a:t>users</a:t>
+            </a:r>
+            <a:r>
+              <a:rPr lang="zh-Hans" altLang="en-US" dirty="0"/>
+              <a:t> </a:t>
+            </a:r>
+            <a:r>
+              <a:rPr lang="en-US" altLang="zh-Hans" dirty="0"/>
+              <a:t>choose</a:t>
+            </a:r>
+            <a:r>
+              <a:rPr lang="zh-Hans" altLang="en-US" dirty="0"/>
+              <a:t> </a:t>
+            </a:r>
+            <a:r>
+              <a:rPr lang="en-US" altLang="zh-Hans" dirty="0"/>
+              <a:t>data-wrangling</a:t>
+            </a:r>
+            <a:r>
+              <a:rPr lang="zh-Hans" altLang="en-US" dirty="0"/>
+              <a:t> </a:t>
+            </a:r>
+            <a:r>
+              <a:rPr lang="en-US" altLang="zh-Hans" dirty="0"/>
+              <a:t>operations</a:t>
+            </a:r>
+            <a:r>
+              <a:rPr lang="zh-Hans" altLang="en-US" dirty="0"/>
+              <a:t> </a:t>
+            </a:r>
+            <a:r>
+              <a:rPr lang="en-US" altLang="zh-Hans" dirty="0"/>
+              <a:t>on</a:t>
+            </a:r>
+            <a:r>
+              <a:rPr lang="zh-Hans" altLang="en-US" dirty="0"/>
+              <a:t> </a:t>
+            </a:r>
+            <a:r>
+              <a:rPr lang="en-US" altLang="zh-Hans" dirty="0"/>
+              <a:t>columns.</a:t>
+            </a:r>
+            <a:r>
+              <a:rPr lang="zh-Hans" altLang="en-US" dirty="0"/>
+              <a:t> </a:t>
+            </a:r>
+            <a:r>
+              <a:rPr lang="en-US" altLang="zh-Hans" dirty="0"/>
+              <a:t>After</a:t>
+            </a:r>
+            <a:r>
+              <a:rPr lang="zh-Hans" altLang="en-US" dirty="0"/>
+              <a:t> </a:t>
+            </a:r>
+            <a:r>
+              <a:rPr lang="en-US" altLang="zh-Hans" dirty="0"/>
+              <a:t>running</a:t>
+            </a:r>
+            <a:r>
+              <a:rPr lang="zh-Hans" altLang="en-US" dirty="0"/>
+              <a:t> </a:t>
+            </a:r>
+            <a:r>
+              <a:rPr lang="en-US" altLang="zh-Hans" dirty="0"/>
+              <a:t>system,</a:t>
+            </a:r>
+            <a:r>
+              <a:rPr lang="zh-Hans" altLang="en-US" dirty="0"/>
+              <a:t> </a:t>
+            </a:r>
+            <a:r>
+              <a:rPr lang="en-US" altLang="zh-Hans" dirty="0"/>
+              <a:t>it</a:t>
+            </a:r>
+            <a:r>
+              <a:rPr lang="zh-Hans" altLang="en-US" dirty="0"/>
+              <a:t> </a:t>
+            </a:r>
+            <a:r>
+              <a:rPr lang="en-US" altLang="zh-Hans" dirty="0"/>
+              <a:t>will</a:t>
+            </a:r>
+            <a:r>
+              <a:rPr lang="zh-Hans" altLang="en-US" dirty="0"/>
+              <a:t> </a:t>
+            </a:r>
+            <a:r>
+              <a:rPr lang="en-US" altLang="zh-Hans" dirty="0"/>
+              <a:t>generate</a:t>
+            </a:r>
+            <a:r>
+              <a:rPr lang="zh-Hans" altLang="en-US" dirty="0"/>
+              <a:t> </a:t>
+            </a:r>
+            <a:r>
+              <a:rPr lang="en-US" altLang="zh-Hans" dirty="0"/>
+              <a:t>”original</a:t>
+            </a:r>
+            <a:r>
+              <a:rPr lang="zh-Hans" altLang="en-US" dirty="0"/>
+              <a:t> </a:t>
+            </a:r>
+            <a:r>
+              <a:rPr lang="en-US" altLang="zh-Hans" dirty="0"/>
+              <a:t>Openrefine</a:t>
+            </a:r>
+            <a:r>
+              <a:rPr lang="zh-Hans" altLang="en-US" dirty="0"/>
+              <a:t> </a:t>
+            </a:r>
+            <a:r>
+              <a:rPr lang="en-US" altLang="zh-Hans" dirty="0" err="1"/>
+              <a:t>json</a:t>
+            </a:r>
+            <a:r>
+              <a:rPr lang="zh-Hans" altLang="en-US" dirty="0"/>
+              <a:t> </a:t>
+            </a:r>
+            <a:r>
+              <a:rPr lang="en-US" altLang="zh-Hans" dirty="0"/>
+              <a:t>file”,</a:t>
+            </a:r>
+            <a:r>
+              <a:rPr lang="zh-Hans" altLang="en-US" dirty="0"/>
+              <a:t>  </a:t>
+            </a:r>
+            <a:r>
+              <a:rPr lang="en-US" altLang="zh-Hans" dirty="0"/>
+              <a:t>“user-guided</a:t>
+            </a:r>
+            <a:r>
+              <a:rPr lang="zh-Hans" altLang="en-US" dirty="0"/>
+              <a:t> </a:t>
+            </a:r>
+            <a:r>
+              <a:rPr lang="en-US" altLang="zh-Hans" dirty="0" err="1"/>
+              <a:t>json</a:t>
+            </a:r>
+            <a:r>
+              <a:rPr lang="zh-Hans" altLang="en-US" dirty="0"/>
+              <a:t> </a:t>
+            </a:r>
+            <a:r>
+              <a:rPr lang="en-US" altLang="zh-Hans" dirty="0"/>
+              <a:t>file”,</a:t>
+            </a:r>
+            <a:r>
+              <a:rPr lang="zh-Hans" altLang="en-US" dirty="0"/>
+              <a:t> </a:t>
+            </a:r>
+            <a:r>
+              <a:rPr lang="en-US" altLang="zh-Hans" dirty="0"/>
+              <a:t>and</a:t>
+            </a:r>
+            <a:r>
+              <a:rPr lang="zh-Hans" altLang="en-US" dirty="0"/>
+              <a:t> </a:t>
+            </a:r>
+            <a:r>
+              <a:rPr lang="en-US" altLang="zh-Hans" dirty="0"/>
+              <a:t>the</a:t>
+            </a:r>
+            <a:r>
+              <a:rPr lang="zh-Hans" altLang="en-US" dirty="0"/>
+              <a:t> </a:t>
+            </a:r>
+            <a:r>
+              <a:rPr lang="en-US" altLang="zh-Hans" dirty="0"/>
+              <a:t>cleaned</a:t>
+            </a:r>
+            <a:r>
+              <a:rPr lang="zh-Hans" altLang="en-US" dirty="0"/>
+              <a:t> </a:t>
+            </a:r>
+            <a:r>
+              <a:rPr lang="en-US" altLang="zh-Hans" dirty="0"/>
+              <a:t>data</a:t>
+            </a:r>
+            <a:r>
+              <a:rPr lang="zh-Hans" altLang="en-US" dirty="0"/>
+              <a:t> </a:t>
+            </a:r>
+            <a:r>
+              <a:rPr lang="en-US" altLang="zh-Hans" dirty="0"/>
+              <a:t>D2.</a:t>
+            </a:r>
+            <a:r>
+              <a:rPr lang="zh-Hans" altLang="en-US" dirty="0"/>
+              <a:t> </a:t>
+            </a:r>
+            <a:r>
+              <a:rPr lang="en-US" altLang="zh-Hans" dirty="0"/>
+              <a:t>“user-guided”</a:t>
+            </a:r>
+            <a:r>
+              <a:rPr lang="zh-Hans" altLang="en-US" dirty="0"/>
+              <a:t> </a:t>
+            </a:r>
+            <a:r>
+              <a:rPr lang="en-US" altLang="zh-Hans" dirty="0" err="1"/>
+              <a:t>json</a:t>
+            </a:r>
+            <a:r>
+              <a:rPr lang="zh-Hans" altLang="en-US" dirty="0"/>
+              <a:t> </a:t>
+            </a:r>
+            <a:r>
+              <a:rPr lang="en-US" altLang="zh-Hans" dirty="0"/>
+              <a:t>file</a:t>
+            </a:r>
+            <a:r>
+              <a:rPr lang="zh-Hans" altLang="en-US" dirty="0"/>
+              <a:t> </a:t>
+            </a:r>
+            <a:r>
+              <a:rPr lang="en-US" altLang="zh-Hans" dirty="0"/>
+              <a:t>catches</a:t>
+            </a:r>
+            <a:r>
+              <a:rPr lang="zh-Hans" altLang="en-US" dirty="0"/>
+              <a:t> </a:t>
+            </a:r>
+            <a:r>
+              <a:rPr lang="en-US" altLang="zh-Hans" dirty="0"/>
+              <a:t>“clustering</a:t>
+            </a:r>
+            <a:r>
+              <a:rPr lang="zh-Hans" altLang="en-US" dirty="0"/>
+              <a:t> </a:t>
+            </a:r>
+            <a:r>
+              <a:rPr lang="en-US" altLang="zh-Hans" dirty="0"/>
+              <a:t>type”,</a:t>
+            </a:r>
+            <a:r>
+              <a:rPr lang="zh-Hans" altLang="en-US" dirty="0"/>
+              <a:t> </a:t>
+            </a:r>
+            <a:r>
+              <a:rPr lang="en-US" altLang="zh-Hans" dirty="0"/>
+              <a:t>”clustering</a:t>
+            </a:r>
+            <a:r>
+              <a:rPr lang="zh-Hans" altLang="en-US" dirty="0"/>
+              <a:t> </a:t>
+            </a:r>
+            <a:r>
+              <a:rPr lang="en-US" altLang="zh-Hans" dirty="0"/>
+              <a:t>function”</a:t>
+            </a:r>
+            <a:r>
+              <a:rPr lang="zh-Hans" altLang="en-US" dirty="0"/>
+              <a:t> </a:t>
+            </a:r>
+            <a:r>
+              <a:rPr lang="en-US" altLang="zh-Hans" dirty="0"/>
+              <a:t>and</a:t>
+            </a:r>
+            <a:r>
+              <a:rPr lang="zh-Hans" altLang="en-US" dirty="0"/>
+              <a:t> </a:t>
+            </a:r>
+            <a:r>
+              <a:rPr lang="en-US" altLang="zh-Hans" dirty="0"/>
+              <a:t>”clustering</a:t>
+            </a:r>
+            <a:r>
+              <a:rPr lang="zh-Hans" altLang="en-US" dirty="0"/>
+              <a:t> </a:t>
+            </a:r>
+            <a:r>
+              <a:rPr lang="en-US" altLang="zh-Hans" dirty="0"/>
+              <a:t>parameters”.</a:t>
+            </a:r>
+          </a:p>
+          <a:p>
+            <a:pPr marL="0" indent="0">
+              <a:buNone/>
+            </a:pPr>
+            <a:r>
+              <a:rPr lang="en-US" altLang="zh-Hans" dirty="0"/>
+              <a:t>Step</a:t>
+            </a:r>
+            <a:r>
+              <a:rPr lang="zh-Hans" altLang="en-US" dirty="0"/>
+              <a:t> </a:t>
+            </a:r>
+            <a:r>
+              <a:rPr lang="en-US" altLang="zh-Hans" dirty="0"/>
+              <a:t>3:Parse&amp;reproduce.py</a:t>
+            </a:r>
+            <a:r>
+              <a:rPr lang="zh-Hans" altLang="en-US" dirty="0"/>
+              <a:t> </a:t>
+            </a:r>
+            <a:r>
+              <a:rPr lang="en-US" altLang="zh-Hans" dirty="0"/>
+              <a:t>using</a:t>
+            </a:r>
+            <a:r>
+              <a:rPr lang="zh-Hans" altLang="en-US" dirty="0"/>
+              <a:t> </a:t>
+            </a:r>
+            <a:r>
+              <a:rPr lang="en-US" altLang="zh-Hans" dirty="0"/>
+              <a:t>this</a:t>
+            </a:r>
+            <a:r>
+              <a:rPr lang="zh-Hans" altLang="en-US" dirty="0"/>
+              <a:t> </a:t>
+            </a:r>
+            <a:r>
+              <a:rPr lang="en-US" altLang="zh-Hans" dirty="0"/>
+              <a:t>system</a:t>
+            </a:r>
+            <a:r>
+              <a:rPr lang="zh-Hans" altLang="en-US" dirty="0"/>
+              <a:t> </a:t>
+            </a:r>
+            <a:r>
+              <a:rPr lang="en-US" altLang="zh-Hans" dirty="0"/>
+              <a:t>to</a:t>
+            </a:r>
+            <a:r>
+              <a:rPr lang="zh-Hans" altLang="en-US" dirty="0"/>
+              <a:t> </a:t>
+            </a:r>
+            <a:r>
+              <a:rPr lang="en-US" altLang="zh-Hans" dirty="0"/>
+              <a:t>parse</a:t>
+            </a:r>
+            <a:r>
+              <a:rPr lang="zh-Hans" altLang="en-US" dirty="0"/>
+              <a:t> </a:t>
+            </a:r>
+            <a:r>
+              <a:rPr lang="en-US" altLang="zh-Hans" dirty="0"/>
+              <a:t>and</a:t>
+            </a:r>
+            <a:r>
+              <a:rPr lang="zh-Hans" altLang="en-US" dirty="0"/>
+              <a:t> </a:t>
+            </a:r>
+            <a:r>
+              <a:rPr lang="en-US" altLang="zh-Hans" dirty="0"/>
+              <a:t>reproduce</a:t>
+            </a:r>
+            <a:r>
+              <a:rPr lang="zh-Hans" altLang="en-US" dirty="0"/>
+              <a:t> </a:t>
+            </a:r>
+            <a:r>
+              <a:rPr lang="en-US" altLang="zh-Hans" dirty="0"/>
+              <a:t>data</a:t>
+            </a:r>
+            <a:r>
+              <a:rPr lang="zh-Hans" altLang="en-US" dirty="0"/>
+              <a:t> </a:t>
+            </a:r>
+            <a:r>
+              <a:rPr lang="en-US" altLang="zh-Hans" dirty="0"/>
+              <a:t>wrangling</a:t>
+            </a:r>
+            <a:r>
+              <a:rPr lang="zh-Hans" altLang="en-US" dirty="0"/>
+              <a:t> </a:t>
+            </a:r>
+            <a:r>
+              <a:rPr lang="en-US" altLang="zh-Hans" dirty="0"/>
+              <a:t>procedure,</a:t>
+            </a:r>
+            <a:r>
+              <a:rPr lang="zh-Hans" altLang="en-US" dirty="0"/>
+              <a:t> </a:t>
+            </a:r>
+            <a:r>
+              <a:rPr lang="en-US" altLang="zh-Hans" dirty="0"/>
+              <a:t>and</a:t>
+            </a:r>
+            <a:r>
+              <a:rPr lang="zh-Hans" altLang="en-US" dirty="0"/>
+              <a:t> </a:t>
+            </a:r>
+            <a:r>
+              <a:rPr lang="en-US" altLang="zh-Hans" dirty="0"/>
+              <a:t>output</a:t>
+            </a:r>
+            <a:r>
+              <a:rPr lang="zh-Hans" altLang="en-US" dirty="0"/>
+              <a:t> </a:t>
+            </a:r>
+            <a:r>
+              <a:rPr lang="en-US" altLang="zh-Hans" dirty="0"/>
+              <a:t>cleaned</a:t>
+            </a:r>
+            <a:r>
+              <a:rPr lang="zh-Hans" altLang="en-US" dirty="0"/>
+              <a:t> </a:t>
+            </a:r>
+            <a:r>
+              <a:rPr lang="en-US" altLang="zh-Hans" dirty="0"/>
+              <a:t>data</a:t>
+            </a:r>
+            <a:r>
+              <a:rPr lang="zh-Hans" altLang="en-US" dirty="0"/>
+              <a:t> </a:t>
+            </a:r>
+            <a:r>
+              <a:rPr lang="en-US" altLang="zh-Hans" dirty="0"/>
+              <a:t>D2’.</a:t>
+            </a:r>
+          </a:p>
+          <a:p>
+            <a:pPr marL="0" indent="0">
+              <a:buNone/>
+            </a:pPr>
+            <a:r>
+              <a:rPr lang="en-US" altLang="zh-Hans" dirty="0"/>
+              <a:t>Step</a:t>
+            </a:r>
+            <a:r>
+              <a:rPr lang="zh-Hans" altLang="en-US" dirty="0"/>
+              <a:t> </a:t>
+            </a:r>
+            <a:r>
+              <a:rPr lang="en-US" altLang="zh-Hans" dirty="0"/>
+              <a:t>4:Compare</a:t>
+            </a:r>
+            <a:r>
+              <a:rPr lang="zh-Hans" altLang="en-US" dirty="0"/>
+              <a:t> </a:t>
+            </a:r>
+            <a:r>
+              <a:rPr lang="en-US" altLang="zh-Hans" dirty="0"/>
+              <a:t>D2</a:t>
+            </a:r>
+            <a:r>
+              <a:rPr lang="zh-Hans" altLang="en-US" dirty="0"/>
+              <a:t> </a:t>
+            </a:r>
+            <a:r>
+              <a:rPr lang="en-US" altLang="zh-Hans" dirty="0"/>
+              <a:t>and</a:t>
+            </a:r>
+            <a:r>
+              <a:rPr lang="zh-Hans" altLang="en-US" dirty="0"/>
+              <a:t> </a:t>
+            </a:r>
+            <a:r>
+              <a:rPr lang="en-US" altLang="zh-Hans" dirty="0"/>
+              <a:t>D2’.</a:t>
+            </a:r>
+          </a:p>
+          <a:p>
+            <a:pPr marL="0" indent="0">
+              <a:buNone/>
+            </a:pPr>
             <a:endParaRPr lang="en-US" dirty="0"/>
           </a:p>
         </p:txBody>
@@ -6906,7 +7937,7 @@
     </p:spTree>
     <p:extLst>
       <p:ext uri="{BB962C8B-B14F-4D97-AF65-F5344CB8AC3E}">
-        <p14:creationId xmlns:p14="http://schemas.microsoft.com/office/powerpoint/2010/main" val="1745129685"/>
+        <p14:creationId xmlns:p14="http://schemas.microsoft.com/office/powerpoint/2010/main" val="1787594738"/>
       </p:ext>
     </p:extLst>
   </p:cSld>
@@ -6917,6 +7948,369 @@
 </file>
 
 <file path=ppt/slides/slide6.xml><?xml version="1.0" encoding="utf-8"?>
+<p:sld xmlns:a="http://schemas.openxmlformats.org/drawingml/2006/main" xmlns:r="http://schemas.openxmlformats.org/officeDocument/2006/relationships" xmlns:p="http://schemas.openxmlformats.org/presentationml/2006/main">
+  <p:cSld>
+    <p:bg>
+      <p:bgPr>
+        <a:gradFill rotWithShape="1">
+          <a:gsLst>
+            <a:gs pos="0">
+              <a:schemeClr val="bg2">
+                <a:tint val="94000"/>
+                <a:satMod val="80000"/>
+                <a:lumMod val="106000"/>
+              </a:schemeClr>
+            </a:gs>
+            <a:gs pos="100000">
+              <a:schemeClr val="bg2">
+                <a:shade val="80000"/>
+              </a:schemeClr>
+            </a:gs>
+          </a:gsLst>
+          <a:path path="circle">
+            <a:fillToRect l="43000" r="43000" b="100000"/>
+          </a:path>
+        </a:gradFill>
+        <a:effectLst/>
+      </p:bgPr>
+    </p:bg>
+    <p:spTree>
+      <p:nvGrpSpPr>
+        <p:cNvPr id="1" name=""/>
+        <p:cNvGrpSpPr/>
+        <p:nvPr/>
+      </p:nvGrpSpPr>
+      <p:grpSpPr>
+        <a:xfrm>
+          <a:off x="0" y="0"/>
+          <a:ext cx="0" cy="0"/>
+          <a:chOff x="0" y="0"/>
+          <a:chExt cx="0" cy="0"/>
+        </a:xfrm>
+      </p:grpSpPr>
+      <p:sp>
+        <p:nvSpPr>
+          <p:cNvPr id="71" name="Rectangle 70">
+            <a:extLst>
+              <a:ext uri="{FF2B5EF4-FFF2-40B4-BE49-F238E27FC236}">
+                <a16:creationId xmlns:a16="http://schemas.microsoft.com/office/drawing/2014/main" id="{CDDE5CDF-1512-4CDA-B956-23D223F8DE44}"/>
+              </a:ext>
+              <a:ext uri="{C183D7F6-B498-43B3-948B-1728B52AA6E4}">
+                <adec:decorative xmlns:adec="http://schemas.microsoft.com/office/drawing/2017/decorative" val="1"/>
+              </a:ext>
+            </a:extLst>
+          </p:cNvPr>
+          <p:cNvSpPr>
+            <a:spLocks noGrp="1" noRot="1" noChangeAspect="1" noMove="1" noResize="1" noEditPoints="1" noAdjustHandles="1" noChangeArrowheads="1" noChangeShapeType="1" noTextEdit="1"/>
+          </p:cNvSpPr>
+          <p:nvPr>
+            <p:extLst>
+              <p:ext uri="{386F3935-93C4-4BCD-93E2-E3B085C9AB24}">
+                <p16:designElem xmlns:p16="http://schemas.microsoft.com/office/powerpoint/2015/main" val="1"/>
+              </p:ext>
+            </p:extLst>
+          </p:nvPr>
+        </p:nvSpPr>
+        <p:spPr>
+          <a:xfrm>
+            <a:off x="0" y="2019476"/>
+            <a:ext cx="12192000" cy="4105941"/>
+          </a:xfrm>
+          <a:prstGeom prst="rect">
+            <a:avLst/>
+          </a:prstGeom>
+          <a:gradFill flip="none" rotWithShape="1">
+            <a:gsLst>
+              <a:gs pos="0">
+                <a:schemeClr val="bg2">
+                  <a:alpha val="0"/>
+                </a:schemeClr>
+              </a:gs>
+              <a:gs pos="100000">
+                <a:schemeClr val="bg2"/>
+              </a:gs>
+            </a:gsLst>
+            <a:lin ang="5400000" scaled="0"/>
+            <a:tileRect/>
+          </a:gradFill>
+          <a:ln>
+            <a:noFill/>
+          </a:ln>
+        </p:spPr>
+        <p:style>
+          <a:lnRef idx="2">
+            <a:schemeClr val="accent1">
+              <a:shade val="50000"/>
+            </a:schemeClr>
+          </a:lnRef>
+          <a:fillRef idx="1">
+            <a:schemeClr val="accent1"/>
+          </a:fillRef>
+          <a:effectRef idx="0">
+            <a:schemeClr val="accent1"/>
+          </a:effectRef>
+          <a:fontRef idx="minor">
+            <a:schemeClr val="lt1"/>
+          </a:fontRef>
+        </p:style>
+      </p:sp>
+      <p:pic>
+        <p:nvPicPr>
+          <p:cNvPr id="73" name="Picture 72">
+            <a:extLst>
+              <a:ext uri="{FF2B5EF4-FFF2-40B4-BE49-F238E27FC236}">
+                <a16:creationId xmlns:a16="http://schemas.microsoft.com/office/drawing/2014/main" id="{B029D7D8-5A6B-4C76-94C8-15798C6C5ADB}"/>
+              </a:ext>
+              <a:ext uri="{C183D7F6-B498-43B3-948B-1728B52AA6E4}">
+                <adec:decorative xmlns:adec="http://schemas.microsoft.com/office/drawing/2017/decorative" val="1"/>
+              </a:ext>
+            </a:extLst>
+          </p:cNvPr>
+          <p:cNvPicPr>
+            <a:picLocks noGrp="1" noRot="1" noChangeAspect="1" noMove="1" noResize="1" noEditPoints="1" noAdjustHandles="1" noChangeArrowheads="1" noChangeShapeType="1" noCrop="1"/>
+          </p:cNvPicPr>
+          <p:nvPr>
+            <p:extLst>
+              <p:ext uri="{386F3935-93C4-4BCD-93E2-E3B085C9AB24}">
+                <p16:designElem xmlns:p16="http://schemas.microsoft.com/office/powerpoint/2015/main" val="1"/>
+              </p:ext>
+            </p:extLst>
+          </p:nvPr>
+        </p:nvPicPr>
+        <p:blipFill rotWithShape="1">
+          <a:blip r:embed="rId2">
+            <a:extLst>
+              <a:ext uri="{28A0092B-C50C-407E-A947-70E740481C1C}">
+                <a14:useLocalDpi xmlns:a14="http://schemas.microsoft.com/office/drawing/2010/main" val="0"/>
+              </a:ext>
+            </a:extLst>
+          </a:blip>
+          <a:srcRect t="1538" b="-1538"/>
+          <a:stretch/>
+        </p:blipFill>
+        <p:spPr bwMode="black">
+          <a:xfrm>
+            <a:off x="0" y="6126480"/>
+            <a:ext cx="12192000" cy="742950"/>
+          </a:xfrm>
+          <a:prstGeom prst="rect">
+            <a:avLst/>
+          </a:prstGeom>
+        </p:spPr>
+      </p:pic>
+      <p:cxnSp>
+        <p:nvCxnSpPr>
+          <p:cNvPr id="75" name="Straight Connector 74">
+            <a:extLst>
+              <a:ext uri="{FF2B5EF4-FFF2-40B4-BE49-F238E27FC236}">
+                <a16:creationId xmlns:a16="http://schemas.microsoft.com/office/drawing/2014/main" id="{A5C9319C-E20D-4884-952F-60B6A58C3E34}"/>
+              </a:ext>
+              <a:ext uri="{C183D7F6-B498-43B3-948B-1728B52AA6E4}">
+                <adec:decorative xmlns:adec="http://schemas.microsoft.com/office/drawing/2017/decorative" val="1"/>
+              </a:ext>
+            </a:extLst>
+          </p:cNvPr>
+          <p:cNvCxnSpPr>
+            <a:cxnSpLocks noGrp="1" noRot="1" noChangeAspect="1" noMove="1" noResize="1" noEditPoints="1" noAdjustHandles="1" noChangeArrowheads="1" noChangeShapeType="1"/>
+          </p:cNvCxnSpPr>
+          <p:nvPr>
+            <p:extLst>
+              <p:ext uri="{386F3935-93C4-4BCD-93E2-E3B085C9AB24}">
+                <p16:designElem xmlns:p16="http://schemas.microsoft.com/office/powerpoint/2015/main" val="1"/>
+              </p:ext>
+            </p:extLst>
+          </p:nvPr>
+        </p:nvCxnSpPr>
+        <p:spPr>
+          <a:xfrm>
+            <a:off x="0" y="6128413"/>
+            <a:ext cx="12192000" cy="0"/>
+          </a:xfrm>
+          <a:prstGeom prst="line">
+            <a:avLst/>
+          </a:prstGeom>
+          <a:ln w="12700">
+            <a:solidFill>
+              <a:srgbClr val="000001">
+                <a:alpha val="20000"/>
+              </a:srgbClr>
+            </a:solidFill>
+          </a:ln>
+        </p:spPr>
+        <p:style>
+          <a:lnRef idx="1">
+            <a:schemeClr val="accent1"/>
+          </a:lnRef>
+          <a:fillRef idx="0">
+            <a:schemeClr val="accent1"/>
+          </a:fillRef>
+          <a:effectRef idx="0">
+            <a:schemeClr val="accent1"/>
+          </a:effectRef>
+          <a:fontRef idx="minor">
+            <a:schemeClr val="tx1"/>
+          </a:fontRef>
+        </p:style>
+      </p:cxnSp>
+      <p:sp useBgFill="1">
+        <p:nvSpPr>
+          <p:cNvPr id="77" name="Rectangle 76">
+            <a:extLst>
+              <a:ext uri="{FF2B5EF4-FFF2-40B4-BE49-F238E27FC236}">
+                <a16:creationId xmlns:a16="http://schemas.microsoft.com/office/drawing/2014/main" id="{62C9703D-C8F9-44AD-A7C0-C2F3871F8C1B}"/>
+              </a:ext>
+              <a:ext uri="{C183D7F6-B498-43B3-948B-1728B52AA6E4}">
+                <adec:decorative xmlns:adec="http://schemas.microsoft.com/office/drawing/2017/decorative" val="1"/>
+              </a:ext>
+            </a:extLst>
+          </p:cNvPr>
+          <p:cNvSpPr>
+            <a:spLocks noGrp="1" noRot="1" noChangeAspect="1" noMove="1" noResize="1" noEditPoints="1" noAdjustHandles="1" noChangeArrowheads="1" noChangeShapeType="1" noTextEdit="1"/>
+          </p:cNvSpPr>
+          <p:nvPr>
+            <p:extLst>
+              <p:ext uri="{386F3935-93C4-4BCD-93E2-E3B085C9AB24}">
+                <p16:designElem xmlns:p16="http://schemas.microsoft.com/office/powerpoint/2015/main" val="1"/>
+              </p:ext>
+            </p:extLst>
+          </p:nvPr>
+        </p:nvSpPr>
+        <p:spPr>
+          <a:xfrm>
+            <a:off x="0" y="0"/>
+            <a:ext cx="12192000" cy="6160168"/>
+          </a:xfrm>
+          <a:prstGeom prst="rect">
+            <a:avLst/>
+          </a:prstGeom>
+          <a:ln>
+            <a:noFill/>
+          </a:ln>
+        </p:spPr>
+        <p:style>
+          <a:lnRef idx="2">
+            <a:schemeClr val="accent1">
+              <a:shade val="50000"/>
+            </a:schemeClr>
+          </a:lnRef>
+          <a:fillRef idx="1">
+            <a:schemeClr val="accent1"/>
+          </a:fillRef>
+          <a:effectRef idx="0">
+            <a:schemeClr val="accent1"/>
+          </a:effectRef>
+          <a:fontRef idx="minor">
+            <a:schemeClr val="lt1"/>
+          </a:fontRef>
+        </p:style>
+        <p:txBody>
+          <a:bodyPr rtlCol="0" anchor="ctr"/>
+          <a:lstStyle/>
+          <a:p>
+            <a:pPr algn="ctr"/>
+            <a:endParaRPr lang="en-US"/>
+          </a:p>
+        </p:txBody>
+      </p:sp>
+      <p:pic>
+        <p:nvPicPr>
+          <p:cNvPr id="2050" name="Picture 2" descr="https://docs.google.com/drawings/u/2/d/sQhydFQI8EXR-IuX3_BH8wQ/image?w=602&amp;h=488&amp;rev=507&amp;ac=1&amp;parent=1UK3gBb_t43eRHmRgkOhFU0gn34gilMXxuN21WR-x_UU">
+            <a:extLst>
+              <a:ext uri="{FF2B5EF4-FFF2-40B4-BE49-F238E27FC236}">
+                <a16:creationId xmlns:a16="http://schemas.microsoft.com/office/drawing/2014/main" id="{9C530377-8F37-2443-92E4-A5D922284FA6}"/>
+              </a:ext>
+            </a:extLst>
+          </p:cNvPr>
+          <p:cNvPicPr>
+            <a:picLocks noGrp="1" noChangeAspect="1" noChangeArrowheads="1"/>
+          </p:cNvPicPr>
+          <p:nvPr>
+            <p:ph idx="1"/>
+          </p:nvPr>
+        </p:nvPicPr>
+        <p:blipFill>
+          <a:blip r:embed="rId3">
+            <a:extLst>
+              <a:ext uri="{28A0092B-C50C-407E-A947-70E740481C1C}">
+                <a14:useLocalDpi xmlns:a14="http://schemas.microsoft.com/office/drawing/2010/main" val="0"/>
+              </a:ext>
+            </a:extLst>
+          </a:blip>
+          <a:srcRect/>
+          <a:stretch>
+            <a:fillRect/>
+          </a:stretch>
+        </p:blipFill>
+        <p:spPr bwMode="auto">
+          <a:xfrm>
+            <a:off x="3090173" y="643467"/>
+            <a:ext cx="6011653" cy="4873234"/>
+          </a:xfrm>
+          <a:prstGeom prst="rect">
+            <a:avLst/>
+          </a:prstGeom>
+          <a:noFill/>
+          <a:extLst>
+            <a:ext uri="{909E8E84-426E-40DD-AFC4-6F175D3DCCD1}">
+              <a14:hiddenFill xmlns:a14="http://schemas.microsoft.com/office/drawing/2010/main">
+                <a:solidFill>
+                  <a:srgbClr val="FFFFFF"/>
+                </a:solidFill>
+              </a14:hiddenFill>
+            </a:ext>
+          </a:extLst>
+        </p:spPr>
+      </p:pic>
+      <p:sp>
+        <p:nvSpPr>
+          <p:cNvPr id="4" name="TextBox 3">
+            <a:extLst>
+              <a:ext uri="{FF2B5EF4-FFF2-40B4-BE49-F238E27FC236}">
+                <a16:creationId xmlns:a16="http://schemas.microsoft.com/office/drawing/2014/main" id="{5618CB9B-37A7-144B-BF65-78F9F616001E}"/>
+              </a:ext>
+            </a:extLst>
+          </p:cNvPr>
+          <p:cNvSpPr txBox="1"/>
+          <p:nvPr/>
+        </p:nvSpPr>
+        <p:spPr>
+          <a:xfrm>
+            <a:off x="249091" y="274135"/>
+            <a:ext cx="1295996" cy="369332"/>
+          </a:xfrm>
+          <a:prstGeom prst="rect">
+            <a:avLst/>
+          </a:prstGeom>
+          <a:noFill/>
+        </p:spPr>
+        <p:txBody>
+          <a:bodyPr wrap="none" rtlCol="0">
+            <a:spAutoFit/>
+          </a:bodyPr>
+          <a:lstStyle/>
+          <a:p>
+            <a:r>
+              <a:rPr lang="en-US" altLang="zh-Hans" dirty="0"/>
+              <a:t>Userstory2:</a:t>
+            </a:r>
+            <a:endParaRPr lang="en-US" dirty="0"/>
+          </a:p>
+        </p:txBody>
+      </p:sp>
+    </p:spTree>
+    <p:extLst>
+      <p:ext uri="{BB962C8B-B14F-4D97-AF65-F5344CB8AC3E}">
+        <p14:creationId xmlns:p14="http://schemas.microsoft.com/office/powerpoint/2010/main" val="604722940"/>
+      </p:ext>
+    </p:extLst>
+  </p:cSld>
+  <p:clrMapOvr>
+    <a:masterClrMapping/>
+  </p:clrMapOvr>
+</p:sld>
+</file>
+
+<file path=ppt/slides/slide7.xml><?xml version="1.0" encoding="utf-8"?>
 <p:sld xmlns:a="http://schemas.openxmlformats.org/drawingml/2006/main" xmlns:r="http://schemas.openxmlformats.org/officeDocument/2006/relationships" xmlns:p="http://schemas.openxmlformats.org/presentationml/2006/main">
   <p:cSld>
     <p:spTree>
@@ -6938,6 +8332,355 @@
           <p:cNvPr id="2" name="Title 1">
             <a:extLst>
               <a:ext uri="{FF2B5EF4-FFF2-40B4-BE49-F238E27FC236}">
+                <a16:creationId xmlns:a16="http://schemas.microsoft.com/office/drawing/2014/main" id="{27B2D4C3-313B-104D-84DE-E9A39D1336CB}"/>
+              </a:ext>
+            </a:extLst>
+          </p:cNvPr>
+          <p:cNvSpPr>
+            <a:spLocks noGrp="1"/>
+          </p:cNvSpPr>
+          <p:nvPr>
+            <p:ph type="title"/>
+          </p:nvPr>
+        </p:nvSpPr>
+        <p:spPr/>
+        <p:txBody>
+          <a:bodyPr/>
+          <a:lstStyle/>
+          <a:p>
+            <a:pPr algn="ctr"/>
+            <a:r>
+              <a:rPr lang="en-US" dirty="0"/>
+              <a:t>Predefined data and workflow</a:t>
+            </a:r>
+          </a:p>
+        </p:txBody>
+      </p:sp>
+      <p:sp>
+        <p:nvSpPr>
+          <p:cNvPr id="3" name="Content Placeholder 2">
+            <a:extLst>
+              <a:ext uri="{FF2B5EF4-FFF2-40B4-BE49-F238E27FC236}">
+                <a16:creationId xmlns:a16="http://schemas.microsoft.com/office/drawing/2014/main" id="{A0AB6156-A8EA-CF44-AB6F-4AB708E4E28A}"/>
+              </a:ext>
+            </a:extLst>
+          </p:cNvPr>
+          <p:cNvSpPr>
+            <a:spLocks noGrp="1"/>
+          </p:cNvSpPr>
+          <p:nvPr>
+            <p:ph idx="1"/>
+          </p:nvPr>
+        </p:nvSpPr>
+        <p:spPr/>
+        <p:txBody>
+          <a:bodyPr/>
+          <a:lstStyle/>
+          <a:p>
+            <a:r>
+              <a:rPr lang="en-US" altLang="zh-Hans" dirty="0"/>
+              <a:t>Dataset</a:t>
+            </a:r>
+            <a:r>
+              <a:rPr lang="zh-Hans" altLang="en-US" dirty="0"/>
+              <a:t> </a:t>
+            </a:r>
+            <a:r>
+              <a:rPr lang="en-US" altLang="zh-Hans" dirty="0"/>
+              <a:t>is</a:t>
+            </a:r>
+            <a:r>
+              <a:rPr lang="zh-Hans" altLang="en-US" dirty="0"/>
+              <a:t> </a:t>
+            </a:r>
+            <a:r>
+              <a:rPr lang="en-US" altLang="zh-Hans" dirty="0"/>
+              <a:t>from</a:t>
+            </a:r>
+            <a:r>
+              <a:rPr lang="zh-Hans" altLang="en-US" dirty="0"/>
+              <a:t> </a:t>
+            </a:r>
+            <a:r>
+              <a:rPr lang="en-US" altLang="zh-Hans" dirty="0"/>
+              <a:t>this</a:t>
+            </a:r>
+            <a:r>
+              <a:rPr lang="zh-Hans" altLang="en-US" dirty="0"/>
+              <a:t> </a:t>
+            </a:r>
+            <a:r>
+              <a:rPr lang="en-US" altLang="zh-Hans" dirty="0"/>
+              <a:t>website:</a:t>
+            </a:r>
+            <a:r>
+              <a:rPr lang="zh-Hans" altLang="en-US" dirty="0"/>
+              <a:t> </a:t>
+            </a:r>
+            <a:r>
+              <a:rPr lang="en-US" altLang="zh-Hans" dirty="0">
+                <a:hlinkClick r:id="rId2"/>
+              </a:rPr>
+              <a:t>http://menus.nypl.org/data</a:t>
+            </a:r>
+            <a:r>
+              <a:rPr lang="en-US" altLang="zh-Hans" dirty="0"/>
+              <a:t>.</a:t>
+            </a:r>
+          </a:p>
+          <a:p>
+            <a:r>
+              <a:rPr lang="en-US" altLang="zh-Hans" dirty="0"/>
+              <a:t>Split</a:t>
+            </a:r>
+            <a:r>
+              <a:rPr lang="zh-Hans" altLang="en-US" dirty="0"/>
+              <a:t> </a:t>
+            </a:r>
+            <a:r>
+              <a:rPr lang="en-US" altLang="zh-Hans" dirty="0"/>
+              <a:t>the</a:t>
+            </a:r>
+            <a:r>
+              <a:rPr lang="zh-Hans" altLang="en-US" dirty="0"/>
+              <a:t> </a:t>
+            </a:r>
+            <a:r>
+              <a:rPr lang="en-US" altLang="zh-Hans" dirty="0"/>
+              <a:t>whole</a:t>
+            </a:r>
+            <a:r>
+              <a:rPr lang="zh-Hans" altLang="en-US" dirty="0"/>
+              <a:t> </a:t>
+            </a:r>
+            <a:r>
+              <a:rPr lang="en-US" altLang="zh-Hans" dirty="0" err="1"/>
+              <a:t>Menu.csv</a:t>
+            </a:r>
+            <a:r>
+              <a:rPr lang="zh-Hans" altLang="en-US" dirty="0"/>
+              <a:t> </a:t>
+            </a:r>
+            <a:r>
+              <a:rPr lang="en-US" altLang="zh-Hans" dirty="0"/>
+              <a:t>,</a:t>
+            </a:r>
+            <a:r>
+              <a:rPr lang="zh-Hans" altLang="en-US" dirty="0"/>
+              <a:t> </a:t>
+            </a:r>
+            <a:r>
+              <a:rPr lang="en-US" altLang="zh-Hans" dirty="0"/>
+              <a:t>a</a:t>
+            </a:r>
+            <a:r>
+              <a:rPr lang="zh-Hans" altLang="en-US" dirty="0"/>
+              <a:t> </a:t>
+            </a:r>
+            <a:r>
+              <a:rPr lang="en-US" altLang="zh-Hans" dirty="0"/>
+              <a:t>half</a:t>
+            </a:r>
+            <a:r>
+              <a:rPr lang="zh-Hans" altLang="en-US" dirty="0"/>
+              <a:t> </a:t>
+            </a:r>
+            <a:r>
+              <a:rPr lang="en-US" altLang="zh-Hans" dirty="0"/>
+              <a:t>for</a:t>
+            </a:r>
+            <a:r>
+              <a:rPr lang="zh-Hans" altLang="en-US" dirty="0"/>
+              <a:t> </a:t>
+            </a:r>
+            <a:r>
+              <a:rPr lang="en-US" altLang="zh-Hans" dirty="0"/>
+              <a:t>testing</a:t>
+            </a:r>
+            <a:r>
+              <a:rPr lang="zh-Hans" altLang="en-US" dirty="0"/>
+              <a:t> </a:t>
+            </a:r>
+            <a:r>
+              <a:rPr lang="en-US" altLang="zh-Hans" dirty="0"/>
+              <a:t>and</a:t>
+            </a:r>
+            <a:r>
+              <a:rPr lang="zh-Hans" altLang="en-US" dirty="0"/>
+              <a:t> </a:t>
+            </a:r>
+            <a:r>
+              <a:rPr lang="en-US" altLang="zh-Hans" dirty="0"/>
+              <a:t>the</a:t>
+            </a:r>
+            <a:r>
+              <a:rPr lang="zh-Hans" altLang="en-US" dirty="0"/>
+              <a:t> </a:t>
+            </a:r>
+            <a:r>
+              <a:rPr lang="en-US" altLang="zh-Hans" dirty="0"/>
+              <a:t>other</a:t>
+            </a:r>
+            <a:r>
+              <a:rPr lang="zh-Hans" altLang="en-US" dirty="0"/>
+              <a:t> </a:t>
+            </a:r>
+            <a:r>
+              <a:rPr lang="en-US" altLang="zh-Hans" dirty="0"/>
+              <a:t>half</a:t>
+            </a:r>
+            <a:r>
+              <a:rPr lang="zh-Hans" altLang="en-US" dirty="0"/>
+              <a:t> </a:t>
+            </a:r>
+            <a:r>
+              <a:rPr lang="en-US" altLang="zh-Hans" dirty="0"/>
+              <a:t>for</a:t>
+            </a:r>
+            <a:r>
+              <a:rPr lang="zh-Hans" altLang="en-US" dirty="0"/>
+              <a:t> </a:t>
+            </a:r>
+            <a:r>
+              <a:rPr lang="en-US" altLang="zh-Hans" dirty="0"/>
+              <a:t>training.</a:t>
+            </a:r>
+          </a:p>
+          <a:p>
+            <a:r>
+              <a:rPr lang="en-US" altLang="zh-Hans" dirty="0"/>
+              <a:t>There</a:t>
+            </a:r>
+            <a:r>
+              <a:rPr lang="zh-Hans" altLang="en-US" dirty="0"/>
+              <a:t> </a:t>
+            </a:r>
+            <a:r>
+              <a:rPr lang="en-US" altLang="zh-Hans" dirty="0"/>
+              <a:t>are</a:t>
+            </a:r>
+            <a:r>
+              <a:rPr lang="zh-Hans" altLang="en-US" dirty="0"/>
+              <a:t> </a:t>
+            </a:r>
+            <a:r>
+              <a:rPr lang="en-US" altLang="zh-Hans" dirty="0"/>
+              <a:t>two</a:t>
+            </a:r>
+            <a:r>
+              <a:rPr lang="zh-Hans" altLang="en-US" dirty="0"/>
+              <a:t> </a:t>
+            </a:r>
+            <a:r>
+              <a:rPr lang="en-US" altLang="zh-Hans" dirty="0"/>
+              <a:t>parts:</a:t>
+            </a:r>
+            <a:r>
+              <a:rPr lang="zh-Hans" altLang="en-US" dirty="0"/>
+              <a:t> </a:t>
+            </a:r>
+            <a:r>
+              <a:rPr lang="en-US" altLang="zh-Hans" dirty="0"/>
+              <a:t>Openrefine</a:t>
+            </a:r>
+            <a:r>
+              <a:rPr lang="zh-Hans" altLang="en-US" dirty="0"/>
+              <a:t> </a:t>
+            </a:r>
+            <a:r>
+              <a:rPr lang="en-US" altLang="zh-Hans" dirty="0"/>
+              <a:t>GUI</a:t>
+            </a:r>
+            <a:r>
+              <a:rPr lang="zh-Hans" altLang="en-US" dirty="0"/>
+              <a:t> </a:t>
+            </a:r>
+            <a:r>
+              <a:rPr lang="en-US" altLang="zh-Hans" dirty="0"/>
+              <a:t>workflow,</a:t>
+            </a:r>
+            <a:r>
+              <a:rPr lang="zh-Hans" altLang="en-US" dirty="0"/>
+              <a:t>  </a:t>
+            </a:r>
+            <a:r>
+              <a:rPr lang="en-US" altLang="zh-Hans" dirty="0"/>
+              <a:t>and</a:t>
+            </a:r>
+            <a:r>
+              <a:rPr lang="zh-Hans" altLang="en-US" dirty="0"/>
+              <a:t> </a:t>
+            </a:r>
+            <a:r>
+              <a:rPr lang="en-US" altLang="zh-Hans" dirty="0" err="1"/>
+              <a:t>Openrefine</a:t>
+            </a:r>
+            <a:r>
+              <a:rPr lang="en-US" altLang="zh-Hans" dirty="0"/>
+              <a:t>-client</a:t>
+            </a:r>
+            <a:r>
+              <a:rPr lang="zh-Hans" altLang="en-US" dirty="0"/>
+              <a:t> </a:t>
+            </a:r>
+            <a:r>
+              <a:rPr lang="en-US" altLang="zh-Hans" dirty="0"/>
+              <a:t>Library</a:t>
+            </a:r>
+            <a:r>
+              <a:rPr lang="zh-Hans" altLang="en-US" dirty="0"/>
+              <a:t> </a:t>
+            </a:r>
+            <a:r>
+              <a:rPr lang="en-US" altLang="zh-Hans" dirty="0"/>
+              <a:t>workflow.</a:t>
+            </a:r>
+            <a:r>
+              <a:rPr lang="zh-Hans" altLang="en-US" dirty="0"/>
+              <a:t> </a:t>
+            </a:r>
+            <a:endParaRPr lang="en-US" altLang="zh-Hans" dirty="0"/>
+          </a:p>
+          <a:p>
+            <a:endParaRPr lang="en-US" dirty="0"/>
+          </a:p>
+        </p:txBody>
+      </p:sp>
+    </p:spTree>
+    <p:extLst>
+      <p:ext uri="{BB962C8B-B14F-4D97-AF65-F5344CB8AC3E}">
+        <p14:creationId xmlns:p14="http://schemas.microsoft.com/office/powerpoint/2010/main" val="1745129685"/>
+      </p:ext>
+    </p:extLst>
+  </p:cSld>
+  <p:clrMapOvr>
+    <a:masterClrMapping/>
+  </p:clrMapOvr>
+</p:sld>
+</file>
+
+<file path=ppt/slides/slide8.xml><?xml version="1.0" encoding="utf-8"?>
+<p:sld xmlns:a="http://schemas.openxmlformats.org/drawingml/2006/main" xmlns:r="http://schemas.openxmlformats.org/officeDocument/2006/relationships" xmlns:p="http://schemas.openxmlformats.org/presentationml/2006/main">
+  <p:cSld>
+    <p:spTree>
+      <p:nvGrpSpPr>
+        <p:cNvPr id="1" name=""/>
+        <p:cNvGrpSpPr/>
+        <p:nvPr/>
+      </p:nvGrpSpPr>
+      <p:grpSpPr>
+        <a:xfrm>
+          <a:off x="0" y="0"/>
+          <a:ext cx="0" cy="0"/>
+          <a:chOff x="0" y="0"/>
+          <a:chExt cx="0" cy="0"/>
+        </a:xfrm>
+      </p:grpSpPr>
+      <p:sp>
+        <p:nvSpPr>
+          <p:cNvPr id="2" name="Title 1">
+            <a:extLst>
+              <a:ext uri="{FF2B5EF4-FFF2-40B4-BE49-F238E27FC236}">
                 <a16:creationId xmlns:a16="http://schemas.microsoft.com/office/drawing/2014/main" id="{B52DCFAE-D36D-3B4E-9016-524CAE7A99DA}"/>
               </a:ext>
             </a:extLst>
@@ -7027,7 +8770,7 @@
 </p:sld>
 </file>
 
-<file path=ppt/slides/slide7.xml><?xml version="1.0" encoding="utf-8"?>
+<file path=ppt/slides/slide9.xml><?xml version="1.0" encoding="utf-8"?>
 <p:sld xmlns:a="http://schemas.openxmlformats.org/drawingml/2006/main" xmlns:r="http://schemas.openxmlformats.org/officeDocument/2006/relationships" xmlns:p="http://schemas.openxmlformats.org/presentationml/2006/main">
   <p:cSld>
     <p:spTree>
@@ -7566,610 +9309,6 @@
 </p:sld>
 </file>
 
-<file path=ppt/slides/slide8.xml><?xml version="1.0" encoding="utf-8"?>
-<p:sld xmlns:a="http://schemas.openxmlformats.org/drawingml/2006/main" xmlns:r="http://schemas.openxmlformats.org/officeDocument/2006/relationships" xmlns:p="http://schemas.openxmlformats.org/presentationml/2006/main">
-  <p:cSld>
-    <p:spTree>
-      <p:nvGrpSpPr>
-        <p:cNvPr id="1" name=""/>
-        <p:cNvGrpSpPr/>
-        <p:nvPr/>
-      </p:nvGrpSpPr>
-      <p:grpSpPr>
-        <a:xfrm>
-          <a:off x="0" y="0"/>
-          <a:ext cx="0" cy="0"/>
-          <a:chOff x="0" y="0"/>
-          <a:chExt cx="0" cy="0"/>
-        </a:xfrm>
-      </p:grpSpPr>
-      <p:sp>
-        <p:nvSpPr>
-          <p:cNvPr id="2" name="Title 1">
-            <a:extLst>
-              <a:ext uri="{FF2B5EF4-FFF2-40B4-BE49-F238E27FC236}">
-                <a16:creationId xmlns:a16="http://schemas.microsoft.com/office/drawing/2014/main" id="{B52DCFAE-D36D-3B4E-9016-524CAE7A99DA}"/>
-              </a:ext>
-            </a:extLst>
-          </p:cNvPr>
-          <p:cNvSpPr>
-            <a:spLocks noGrp="1"/>
-          </p:cNvSpPr>
-          <p:nvPr>
-            <p:ph type="title"/>
-          </p:nvPr>
-        </p:nvSpPr>
-        <p:spPr/>
-        <p:txBody>
-          <a:bodyPr/>
-          <a:lstStyle/>
-          <a:p>
-            <a:pPr algn="ctr"/>
-            <a:r>
-              <a:rPr lang="en-US" altLang="zh-Hans" dirty="0"/>
-              <a:t>Openrefine</a:t>
-            </a:r>
-            <a:r>
-              <a:rPr lang="zh-Hans" altLang="en-US" dirty="0"/>
-              <a:t> </a:t>
-            </a:r>
-            <a:r>
-              <a:rPr lang="en-US" altLang="zh-Hans" dirty="0"/>
-              <a:t>Gui</a:t>
-            </a:r>
-            <a:r>
-              <a:rPr lang="zh-Hans" altLang="en-US" dirty="0"/>
-              <a:t> </a:t>
-            </a:r>
-            <a:r>
-              <a:rPr lang="en-US" altLang="zh-Hans" dirty="0"/>
-              <a:t>workflow</a:t>
-            </a:r>
-            <a:r>
-              <a:rPr lang="zh-Hans" altLang="en-US" dirty="0"/>
-              <a:t> </a:t>
-            </a:r>
-            <a:r>
-              <a:rPr lang="en-US" altLang="zh-Hans" dirty="0"/>
-              <a:t>outputs</a:t>
-            </a:r>
-            <a:endParaRPr lang="en-US" dirty="0"/>
-          </a:p>
-        </p:txBody>
-      </p:sp>
-      <p:sp>
-        <p:nvSpPr>
-          <p:cNvPr id="3" name="Content Placeholder 2">
-            <a:extLst>
-              <a:ext uri="{FF2B5EF4-FFF2-40B4-BE49-F238E27FC236}">
-                <a16:creationId xmlns:a16="http://schemas.microsoft.com/office/drawing/2014/main" id="{F9886DC5-405D-9343-BAF6-23919A6FE8E6}"/>
-              </a:ext>
-            </a:extLst>
-          </p:cNvPr>
-          <p:cNvSpPr>
-            <a:spLocks noGrp="1"/>
-          </p:cNvSpPr>
-          <p:nvPr>
-            <p:ph idx="1"/>
-          </p:nvPr>
-        </p:nvSpPr>
-        <p:spPr/>
-        <p:txBody>
-          <a:bodyPr>
-            <a:normAutofit/>
-          </a:bodyPr>
-          <a:lstStyle/>
-          <a:p>
-            <a:r>
-              <a:rPr lang="en-US" altLang="zh-Hans" dirty="0"/>
-              <a:t>1.</a:t>
-            </a:r>
-            <a:r>
-              <a:rPr lang="zh-Hans" altLang="en-US" dirty="0"/>
-              <a:t> </a:t>
-            </a:r>
-            <a:r>
-              <a:rPr lang="en-US" altLang="zh-Hans" dirty="0"/>
-              <a:t>export</a:t>
-            </a:r>
-            <a:r>
-              <a:rPr lang="zh-Hans" altLang="en-US" dirty="0"/>
-              <a:t> </a:t>
-            </a:r>
-            <a:r>
-              <a:rPr lang="en-US" altLang="zh-Hans" dirty="0"/>
-              <a:t>the</a:t>
-            </a:r>
-            <a:r>
-              <a:rPr lang="zh-Hans" altLang="en-US" dirty="0"/>
-              <a:t> </a:t>
-            </a:r>
-            <a:r>
-              <a:rPr lang="en-US" altLang="zh-Hans" dirty="0"/>
-              <a:t>Openrefine</a:t>
-            </a:r>
-            <a:r>
-              <a:rPr lang="zh-Hans" altLang="en-US" dirty="0"/>
-              <a:t> </a:t>
-            </a:r>
-            <a:r>
-              <a:rPr lang="en-US" altLang="zh-Hans" dirty="0"/>
-              <a:t>cleaned</a:t>
-            </a:r>
-            <a:r>
-              <a:rPr lang="zh-Hans" altLang="en-US" dirty="0"/>
-              <a:t> </a:t>
-            </a:r>
-            <a:r>
-              <a:rPr lang="en-US" altLang="zh-Hans" dirty="0"/>
-              <a:t>csv:</a:t>
-            </a:r>
-            <a:r>
-              <a:rPr lang="zh-Hans" altLang="en-US" dirty="0"/>
-              <a:t> </a:t>
-            </a:r>
-            <a:r>
-              <a:rPr lang="en-US" altLang="zh-Hans" dirty="0">
-                <a:hlinkClick r:id="rId2"/>
-              </a:rPr>
-              <a:t>Openrefine_cleanedcsvfile</a:t>
-            </a:r>
-            <a:endParaRPr lang="en-US" altLang="zh-Hans" dirty="0"/>
-          </a:p>
-          <a:p>
-            <a:r>
-              <a:rPr lang="en-US" altLang="zh-Hans" dirty="0"/>
-              <a:t>2.</a:t>
-            </a:r>
-            <a:r>
-              <a:rPr lang="zh-Hans" altLang="en-US" dirty="0"/>
-              <a:t> </a:t>
-            </a:r>
-            <a:r>
-              <a:rPr lang="en-US" altLang="zh-Hans" dirty="0"/>
-              <a:t>extract</a:t>
-            </a:r>
-            <a:r>
-              <a:rPr lang="zh-Hans" altLang="en-US" dirty="0"/>
-              <a:t> </a:t>
-            </a:r>
-            <a:r>
-              <a:rPr lang="en-US" altLang="zh-Hans" dirty="0"/>
-              <a:t>the</a:t>
-            </a:r>
-            <a:r>
-              <a:rPr lang="zh-Hans" altLang="en-US" dirty="0"/>
-              <a:t> </a:t>
-            </a:r>
-            <a:r>
-              <a:rPr lang="en-US" altLang="zh-Hans" dirty="0"/>
-              <a:t>Openrefine</a:t>
-            </a:r>
-            <a:r>
-              <a:rPr lang="zh-Hans" altLang="en-US" dirty="0"/>
-              <a:t> </a:t>
-            </a:r>
-            <a:r>
-              <a:rPr lang="en-US" altLang="zh-Hans" dirty="0" err="1"/>
-              <a:t>json</a:t>
-            </a:r>
-            <a:r>
-              <a:rPr lang="zh-Hans" altLang="en-US" dirty="0"/>
-              <a:t> </a:t>
-            </a:r>
-            <a:r>
-              <a:rPr lang="en-US" altLang="zh-Hans" dirty="0"/>
-              <a:t>file:</a:t>
-            </a:r>
-            <a:r>
-              <a:rPr lang="zh-Hans" altLang="en-US" dirty="0"/>
-              <a:t> </a:t>
-            </a:r>
-            <a:r>
-              <a:rPr lang="en-US" altLang="zh-Hans" dirty="0">
-                <a:hlinkClick r:id="rId3"/>
-              </a:rPr>
-              <a:t>Openrefine_cleanedjsonfile</a:t>
-            </a:r>
-            <a:endParaRPr lang="en-US" altLang="zh-Hans" dirty="0"/>
-          </a:p>
-          <a:p>
-            <a:r>
-              <a:rPr lang="en-US" altLang="zh-Hans" dirty="0"/>
-              <a:t>3.</a:t>
-            </a:r>
-            <a:r>
-              <a:rPr lang="zh-Hans" altLang="en-US" dirty="0"/>
-              <a:t> </a:t>
-            </a:r>
-            <a:r>
-              <a:rPr lang="en-US" altLang="zh-Hans" dirty="0"/>
-              <a:t>apply</a:t>
-            </a:r>
-            <a:r>
-              <a:rPr lang="zh-Hans" altLang="en-US" dirty="0"/>
-              <a:t> </a:t>
-            </a:r>
-            <a:r>
-              <a:rPr lang="en-US" altLang="zh-Hans" dirty="0"/>
-              <a:t>step2</a:t>
-            </a:r>
-            <a:r>
-              <a:rPr lang="zh-Hans" altLang="en-US" dirty="0"/>
-              <a:t> </a:t>
-            </a:r>
-            <a:r>
-              <a:rPr lang="en-US" altLang="zh-Hans" dirty="0" err="1"/>
-              <a:t>json</a:t>
-            </a:r>
-            <a:r>
-              <a:rPr lang="zh-Hans" altLang="en-US" dirty="0"/>
-              <a:t> </a:t>
-            </a:r>
-            <a:r>
-              <a:rPr lang="en-US" altLang="zh-Hans" dirty="0"/>
-              <a:t>file</a:t>
-            </a:r>
-            <a:r>
-              <a:rPr lang="zh-Hans" altLang="en-US" dirty="0"/>
-              <a:t> </a:t>
-            </a:r>
-            <a:r>
-              <a:rPr lang="en-US" altLang="zh-Hans" dirty="0"/>
-              <a:t>with</a:t>
-            </a:r>
-            <a:r>
-              <a:rPr lang="zh-Hans" altLang="en-US" dirty="0"/>
-              <a:t> </a:t>
-            </a:r>
-            <a:r>
-              <a:rPr lang="en-US" altLang="zh-Hans" dirty="0" err="1"/>
-              <a:t>openrefine</a:t>
-            </a:r>
-            <a:r>
-              <a:rPr lang="en-US" altLang="zh-Hans" dirty="0"/>
-              <a:t>-client</a:t>
-            </a:r>
-            <a:r>
-              <a:rPr lang="zh-Hans" altLang="en-US" dirty="0"/>
-              <a:t> </a:t>
-            </a:r>
-            <a:r>
-              <a:rPr lang="en-US" altLang="zh-Hans" dirty="0"/>
-              <a:t>library</a:t>
-            </a:r>
-            <a:r>
-              <a:rPr lang="zh-Hans" altLang="en-US" dirty="0"/>
-              <a:t> </a:t>
-            </a:r>
-            <a:r>
-              <a:rPr lang="en-US" altLang="zh-Hans" dirty="0"/>
-              <a:t>in</a:t>
-            </a:r>
-            <a:r>
-              <a:rPr lang="zh-Hans" altLang="en-US" dirty="0"/>
-              <a:t> </a:t>
-            </a:r>
-            <a:r>
-              <a:rPr lang="en-US" altLang="zh-Hans" dirty="0"/>
-              <a:t>bash</a:t>
-            </a:r>
-            <a:r>
-              <a:rPr lang="zh-Hans" altLang="en-US" dirty="0"/>
-              <a:t> </a:t>
-            </a:r>
-            <a:r>
-              <a:rPr lang="en-US" altLang="zh-Hans" dirty="0"/>
-              <a:t>mode:</a:t>
-            </a:r>
-            <a:r>
-              <a:rPr lang="zh-Hans" altLang="en-US" dirty="0"/>
-              <a:t> </a:t>
-            </a:r>
-            <a:r>
-              <a:rPr lang="en-US" altLang="zh-Hans" dirty="0">
-                <a:hlinkClick r:id="rId4"/>
-              </a:rPr>
-              <a:t>Openrefine-client_bash</a:t>
-            </a:r>
-            <a:endParaRPr lang="en-US" altLang="zh-Hans" dirty="0"/>
-          </a:p>
-          <a:p>
-            <a:r>
-              <a:rPr lang="en-US" altLang="zh-Hans" dirty="0"/>
-              <a:t>4.</a:t>
-            </a:r>
-            <a:r>
-              <a:rPr lang="zh-Hans" altLang="en-US" dirty="0"/>
-              <a:t> </a:t>
-            </a:r>
-            <a:r>
-              <a:rPr lang="en-US" altLang="zh-Hans" dirty="0"/>
-              <a:t>generate</a:t>
-            </a:r>
-            <a:r>
-              <a:rPr lang="zh-Hans" altLang="en-US" dirty="0"/>
-              <a:t> </a:t>
-            </a:r>
-            <a:r>
-              <a:rPr lang="en-US" altLang="zh-Hans" dirty="0"/>
-              <a:t>the</a:t>
-            </a:r>
-            <a:r>
-              <a:rPr lang="zh-Hans" altLang="en-US" dirty="0"/>
-              <a:t> </a:t>
-            </a:r>
-            <a:r>
-              <a:rPr lang="en-US" altLang="zh-Hans" dirty="0"/>
-              <a:t>Openrefine</a:t>
-            </a:r>
-            <a:r>
-              <a:rPr lang="zh-Hans" altLang="en-US" dirty="0"/>
-              <a:t> </a:t>
-            </a:r>
-            <a:r>
-              <a:rPr lang="en-US" altLang="zh-Hans" dirty="0"/>
-              <a:t>cleaned</a:t>
-            </a:r>
-            <a:r>
-              <a:rPr lang="zh-Hans" altLang="en-US" dirty="0"/>
-              <a:t> </a:t>
-            </a:r>
-            <a:r>
-              <a:rPr lang="en-US" altLang="zh-Hans" dirty="0"/>
-              <a:t>csv:</a:t>
-            </a:r>
-            <a:r>
-              <a:rPr lang="zh-Hans" altLang="en-US" dirty="0"/>
-              <a:t> </a:t>
-            </a:r>
-            <a:r>
-              <a:rPr lang="en-US" altLang="zh-Hans" dirty="0">
-                <a:hlinkClick r:id="rId5"/>
-              </a:rPr>
-              <a:t>Openrefine-client_cleanedcsvfile</a:t>
-            </a:r>
-            <a:endParaRPr lang="en-US" altLang="zh-Hans" dirty="0"/>
-          </a:p>
-          <a:p>
-            <a:r>
-              <a:rPr lang="en-US" altLang="zh-Hans" dirty="0"/>
-              <a:t>5.</a:t>
-            </a:r>
-            <a:r>
-              <a:rPr lang="zh-Hans" altLang="en-US" dirty="0"/>
-              <a:t> </a:t>
-            </a:r>
-            <a:r>
-              <a:rPr lang="en-US" altLang="zh-Hans" dirty="0"/>
-              <a:t>compare</a:t>
-            </a:r>
-            <a:r>
-              <a:rPr lang="zh-Hans" altLang="en-US" dirty="0"/>
-              <a:t> </a:t>
-            </a:r>
-            <a:r>
-              <a:rPr lang="en-US" altLang="zh-Hans" dirty="0"/>
-              <a:t>step1</a:t>
-            </a:r>
-            <a:r>
-              <a:rPr lang="zh-Hans" altLang="en-US" dirty="0"/>
-              <a:t> </a:t>
-            </a:r>
-            <a:r>
-              <a:rPr lang="en-US" altLang="zh-Hans" dirty="0"/>
-              <a:t>and</a:t>
-            </a:r>
-            <a:r>
-              <a:rPr lang="zh-Hans" altLang="en-US" dirty="0"/>
-              <a:t> </a:t>
-            </a:r>
-            <a:r>
-              <a:rPr lang="en-US" altLang="zh-Hans" dirty="0"/>
-              <a:t>step4</a:t>
-            </a:r>
-            <a:r>
-              <a:rPr lang="zh-Hans" altLang="en-US" dirty="0"/>
-              <a:t> </a:t>
-            </a:r>
-            <a:r>
-              <a:rPr lang="en-US" altLang="zh-Hans" dirty="0"/>
-              <a:t>output</a:t>
-            </a:r>
-            <a:r>
-              <a:rPr lang="zh-Hans" altLang="en-US" dirty="0"/>
-              <a:t> </a:t>
-            </a:r>
-            <a:r>
-              <a:rPr lang="en-US" altLang="zh-Hans" dirty="0"/>
-              <a:t>cleaned</a:t>
-            </a:r>
-            <a:r>
-              <a:rPr lang="zh-Hans" altLang="en-US" dirty="0"/>
-              <a:t> </a:t>
-            </a:r>
-            <a:r>
-              <a:rPr lang="en-US" altLang="zh-Hans" dirty="0"/>
-              <a:t>csv</a:t>
-            </a:r>
-            <a:r>
-              <a:rPr lang="zh-Hans" altLang="en-US" dirty="0"/>
-              <a:t> </a:t>
-            </a:r>
-            <a:r>
-              <a:rPr lang="en-US" altLang="zh-Hans" dirty="0"/>
-              <a:t>file,</a:t>
-            </a:r>
-            <a:r>
-              <a:rPr lang="zh-Hans" altLang="en-US" dirty="0"/>
-              <a:t> </a:t>
-            </a:r>
-            <a:r>
-              <a:rPr lang="en-US" altLang="zh-Hans" dirty="0"/>
-              <a:t>they</a:t>
-            </a:r>
-            <a:r>
-              <a:rPr lang="zh-Hans" altLang="en-US" dirty="0"/>
-              <a:t> </a:t>
-            </a:r>
-            <a:r>
-              <a:rPr lang="en-US" altLang="zh-Hans" dirty="0"/>
-              <a:t>are</a:t>
-            </a:r>
-            <a:r>
-              <a:rPr lang="zh-Hans" altLang="en-US" dirty="0"/>
-              <a:t> </a:t>
-            </a:r>
-            <a:r>
-              <a:rPr lang="en-US" altLang="zh-Hans" dirty="0"/>
-              <a:t>the</a:t>
-            </a:r>
-            <a:r>
-              <a:rPr lang="zh-Hans" altLang="en-US" dirty="0"/>
-              <a:t> </a:t>
-            </a:r>
-            <a:r>
-              <a:rPr lang="en-US" altLang="zh-Hans" dirty="0"/>
-              <a:t>same.</a:t>
-            </a:r>
-            <a:r>
-              <a:rPr lang="zh-Hans" altLang="en-US" dirty="0"/>
-              <a:t> </a:t>
-            </a:r>
-            <a:endParaRPr lang="en-US" altLang="zh-Hans" dirty="0"/>
-          </a:p>
-          <a:p>
-            <a:endParaRPr lang="en-US" altLang="zh-Hans" dirty="0"/>
-          </a:p>
-          <a:p>
-            <a:endParaRPr lang="en-US" altLang="zh-Hans" dirty="0"/>
-          </a:p>
-          <a:p>
-            <a:endParaRPr lang="en-US" altLang="zh-Hans" dirty="0"/>
-          </a:p>
-          <a:p>
-            <a:endParaRPr lang="en-US" dirty="0"/>
-          </a:p>
-        </p:txBody>
-      </p:sp>
-    </p:spTree>
-    <p:extLst>
-      <p:ext uri="{BB962C8B-B14F-4D97-AF65-F5344CB8AC3E}">
-        <p14:creationId xmlns:p14="http://schemas.microsoft.com/office/powerpoint/2010/main" val="4164511923"/>
-      </p:ext>
-    </p:extLst>
-  </p:cSld>
-  <p:clrMapOvr>
-    <a:masterClrMapping/>
-  </p:clrMapOvr>
-</p:sld>
-</file>
-
-<file path=ppt/slides/slide9.xml><?xml version="1.0" encoding="utf-8"?>
-<p:sld xmlns:a="http://schemas.openxmlformats.org/drawingml/2006/main" xmlns:r="http://schemas.openxmlformats.org/officeDocument/2006/relationships" xmlns:p="http://schemas.openxmlformats.org/presentationml/2006/main">
-  <p:cSld>
-    <p:spTree>
-      <p:nvGrpSpPr>
-        <p:cNvPr id="1" name=""/>
-        <p:cNvGrpSpPr/>
-        <p:nvPr/>
-      </p:nvGrpSpPr>
-      <p:grpSpPr>
-        <a:xfrm>
-          <a:off x="0" y="0"/>
-          <a:ext cx="0" cy="0"/>
-          <a:chOff x="0" y="0"/>
-          <a:chExt cx="0" cy="0"/>
-        </a:xfrm>
-      </p:grpSpPr>
-      <p:sp>
-        <p:nvSpPr>
-          <p:cNvPr id="2" name="Title 1">
-            <a:extLst>
-              <a:ext uri="{FF2B5EF4-FFF2-40B4-BE49-F238E27FC236}">
-                <a16:creationId xmlns:a16="http://schemas.microsoft.com/office/drawing/2014/main" id="{B63625F3-B375-8F4D-A693-3507D4FF38B6}"/>
-              </a:ext>
-            </a:extLst>
-          </p:cNvPr>
-          <p:cNvSpPr>
-            <a:spLocks noGrp="1"/>
-          </p:cNvSpPr>
-          <p:nvPr>
-            <p:ph type="title"/>
-          </p:nvPr>
-        </p:nvSpPr>
-        <p:spPr/>
-        <p:txBody>
-          <a:bodyPr/>
-          <a:lstStyle/>
-          <a:p>
-            <a:pPr algn="ctr"/>
-            <a:r>
-              <a:rPr lang="en-US" altLang="zh-Hans" dirty="0"/>
-              <a:t>Openrefine-client</a:t>
-            </a:r>
-            <a:r>
-              <a:rPr lang="zh-Hans" altLang="en-US" dirty="0"/>
-              <a:t> </a:t>
-            </a:r>
-            <a:r>
-              <a:rPr lang="en-US" altLang="zh-Hans" dirty="0"/>
-              <a:t>library</a:t>
-            </a:r>
-            <a:r>
-              <a:rPr lang="zh-Hans" altLang="en-US" dirty="0"/>
-              <a:t> </a:t>
-            </a:r>
-            <a:r>
-              <a:rPr lang="en-US" altLang="zh-Hans" dirty="0"/>
-              <a:t>Outputs</a:t>
-            </a:r>
-            <a:r>
-              <a:rPr lang="zh-Hans" altLang="en-US" dirty="0"/>
-              <a:t> </a:t>
-            </a:r>
-            <a:endParaRPr lang="en-US" dirty="0"/>
-          </a:p>
-        </p:txBody>
-      </p:sp>
-      <p:sp>
-        <p:nvSpPr>
-          <p:cNvPr id="3" name="Content Placeholder 2">
-            <a:extLst>
-              <a:ext uri="{FF2B5EF4-FFF2-40B4-BE49-F238E27FC236}">
-                <a16:creationId xmlns:a16="http://schemas.microsoft.com/office/drawing/2014/main" id="{E5BB94BD-6F14-734F-A6E2-DF07141C55EF}"/>
-              </a:ext>
-            </a:extLst>
-          </p:cNvPr>
-          <p:cNvSpPr>
-            <a:spLocks noGrp="1"/>
-          </p:cNvSpPr>
-          <p:nvPr>
-            <p:ph idx="1"/>
-          </p:nvPr>
-        </p:nvSpPr>
-        <p:spPr/>
-        <p:txBody>
-          <a:bodyPr/>
-          <a:lstStyle/>
-          <a:p>
-            <a:endParaRPr lang="en-US"/>
-          </a:p>
-        </p:txBody>
-      </p:sp>
-    </p:spTree>
-    <p:extLst>
-      <p:ext uri="{BB962C8B-B14F-4D97-AF65-F5344CB8AC3E}">
-        <p14:creationId xmlns:p14="http://schemas.microsoft.com/office/powerpoint/2010/main" val="663992507"/>
-      </p:ext>
-    </p:extLst>
-  </p:cSld>
-  <p:clrMapOvr>
-    <a:masterClrMapping/>
-  </p:clrMapOvr>
-</p:sld>
-</file>
-
 <file path=ppt/theme/theme1.xml><?xml version="1.0" encoding="utf-8"?>
 <a:theme xmlns:a="http://schemas.openxmlformats.org/drawingml/2006/main" name="Gallery">
   <a:themeElements>
@@ -8421,4 +9560,299 @@
     </a:ext>
   </a:extLst>
 </a:theme>
+</file>
+
+<file path=ppt/theme/theme2.xml><?xml version="1.0" encoding="utf-8"?>
+<a:theme xmlns:a="http://schemas.openxmlformats.org/drawingml/2006/main" name="Office Theme">
+  <a:themeElements>
+    <a:clrScheme name="Office">
+      <a:dk1>
+        <a:sysClr val="windowText" lastClr="000000"/>
+      </a:dk1>
+      <a:lt1>
+        <a:sysClr val="window" lastClr="FFFFFF"/>
+      </a:lt1>
+      <a:dk2>
+        <a:srgbClr val="44546A"/>
+      </a:dk2>
+      <a:lt2>
+        <a:srgbClr val="E7E6E6"/>
+      </a:lt2>
+      <a:accent1>
+        <a:srgbClr val="4472C4"/>
+      </a:accent1>
+      <a:accent2>
+        <a:srgbClr val="ED7D31"/>
+      </a:accent2>
+      <a:accent3>
+        <a:srgbClr val="A5A5A5"/>
+      </a:accent3>
+      <a:accent4>
+        <a:srgbClr val="FFC000"/>
+      </a:accent4>
+      <a:accent5>
+        <a:srgbClr val="5B9BD5"/>
+      </a:accent5>
+      <a:accent6>
+        <a:srgbClr val="70AD47"/>
+      </a:accent6>
+      <a:hlink>
+        <a:srgbClr val="0563C1"/>
+      </a:hlink>
+      <a:folHlink>
+        <a:srgbClr val="954F72"/>
+      </a:folHlink>
+    </a:clrScheme>
+    <a:fontScheme name="Office">
+      <a:majorFont>
+        <a:latin typeface="Calibri Light" panose="020F0302020204030204"/>
+        <a:ea typeface=""/>
+        <a:cs typeface=""/>
+        <a:font script="Jpan" typeface="游ゴシック Light"/>
+        <a:font script="Hang" typeface="맑은 고딕"/>
+        <a:font script="Hans" typeface="等线 Light"/>
+        <a:font script="Hant" typeface="新細明體"/>
+        <a:font script="Arab" typeface="Times New Roman"/>
+        <a:font script="Hebr" typeface="Times New Roman"/>
+        <a:font script="Thai" typeface="Angsana New"/>
+        <a:font script="Ethi" typeface="Nyala"/>
+        <a:font script="Beng" typeface="Vrinda"/>
+        <a:font script="Gujr" typeface="Shruti"/>
+        <a:font script="Khmr" typeface="MoolBoran"/>
+        <a:font script="Knda" typeface="Tunga"/>
+        <a:font script="Guru" typeface="Raavi"/>
+        <a:font script="Cans" typeface="Euphemia"/>
+        <a:font script="Cher" typeface="Plantagenet Cherokee"/>
+        <a:font script="Yiii" typeface="Microsoft Yi Baiti"/>
+        <a:font script="Tibt" typeface="Microsoft Himalaya"/>
+        <a:font script="Thaa" typeface="MV Boli"/>
+        <a:font script="Deva" typeface="Mangal"/>
+        <a:font script="Telu" typeface="Gautami"/>
+        <a:font script="Taml" typeface="Latha"/>
+        <a:font script="Syrc" typeface="Estrangelo Edessa"/>
+        <a:font script="Orya" typeface="Kalinga"/>
+        <a:font script="Mlym" typeface="Kartika"/>
+        <a:font script="Laoo" typeface="DokChampa"/>
+        <a:font script="Sinh" typeface="Iskoola Pota"/>
+        <a:font script="Mong" typeface="Mongolian Baiti"/>
+        <a:font script="Viet" typeface="Times New Roman"/>
+        <a:font script="Uigh" typeface="Microsoft Uighur"/>
+        <a:font script="Geor" typeface="Sylfaen"/>
+        <a:font script="Armn" typeface="Arial"/>
+        <a:font script="Bugi" typeface="Leelawadee UI"/>
+        <a:font script="Bopo" typeface="Microsoft JhengHei"/>
+        <a:font script="Java" typeface="Javanese Text"/>
+        <a:font script="Lisu" typeface="Segoe UI"/>
+        <a:font script="Mymr" typeface="Myanmar Text"/>
+        <a:font script="Nkoo" typeface="Ebrima"/>
+        <a:font script="Olck" typeface="Nirmala UI"/>
+        <a:font script="Osma" typeface="Ebrima"/>
+        <a:font script="Phag" typeface="Phagspa"/>
+        <a:font script="Syrn" typeface="Estrangelo Edessa"/>
+        <a:font script="Syrj" typeface="Estrangelo Edessa"/>
+        <a:font script="Syre" typeface="Estrangelo Edessa"/>
+        <a:font script="Sora" typeface="Nirmala UI"/>
+        <a:font script="Tale" typeface="Microsoft Tai Le"/>
+        <a:font script="Talu" typeface="Microsoft New Tai Lue"/>
+        <a:font script="Tfng" typeface="Ebrima"/>
+      </a:majorFont>
+      <a:minorFont>
+        <a:latin typeface="Calibri" panose="020F0502020204030204"/>
+        <a:ea typeface=""/>
+        <a:cs typeface=""/>
+        <a:font script="Jpan" typeface="游ゴシック"/>
+        <a:font script="Hang" typeface="맑은 고딕"/>
+        <a:font script="Hans" typeface="等线"/>
+        <a:font script="Hant" typeface="新細明體"/>
+        <a:font script="Arab" typeface="Arial"/>
+        <a:font script="Hebr" typeface="Arial"/>
+        <a:font script="Thai" typeface="Cordia New"/>
+        <a:font script="Ethi" typeface="Nyala"/>
+        <a:font script="Beng" typeface="Vrinda"/>
+        <a:font script="Gujr" typeface="Shruti"/>
+        <a:font script="Khmr" typeface="DaunPenh"/>
+        <a:font script="Knda" typeface="Tunga"/>
+        <a:font script="Guru" typeface="Raavi"/>
+        <a:font script="Cans" typeface="Euphemia"/>
+        <a:font script="Cher" typeface="Plantagenet Cherokee"/>
+        <a:font script="Yiii" typeface="Microsoft Yi Baiti"/>
+        <a:font script="Tibt" typeface="Microsoft Himalaya"/>
+        <a:font script="Thaa" typeface="MV Boli"/>
+        <a:font script="Deva" typeface="Mangal"/>
+        <a:font script="Telu" typeface="Gautami"/>
+        <a:font script="Taml" typeface="Latha"/>
+        <a:font script="Syrc" typeface="Estrangelo Edessa"/>
+        <a:font script="Orya" typeface="Kalinga"/>
+        <a:font script="Mlym" typeface="Kartika"/>
+        <a:font script="Laoo" typeface="DokChampa"/>
+        <a:font script="Sinh" typeface="Iskoola Pota"/>
+        <a:font script="Mong" typeface="Mongolian Baiti"/>
+        <a:font script="Viet" typeface="Arial"/>
+        <a:font script="Uigh" typeface="Microsoft Uighur"/>
+        <a:font script="Geor" typeface="Sylfaen"/>
+        <a:font script="Armn" typeface="Arial"/>
+        <a:font script="Bugi" typeface="Leelawadee UI"/>
+        <a:font script="Bopo" typeface="Microsoft JhengHei"/>
+        <a:font script="Java" typeface="Javanese Text"/>
+        <a:font script="Lisu" typeface="Segoe UI"/>
+        <a:font script="Mymr" typeface="Myanmar Text"/>
+        <a:font script="Nkoo" typeface="Ebrima"/>
+        <a:font script="Olck" typeface="Nirmala UI"/>
+        <a:font script="Osma" typeface="Ebrima"/>
+        <a:font script="Phag" typeface="Phagspa"/>
+        <a:font script="Syrn" typeface="Estrangelo Edessa"/>
+        <a:font script="Syrj" typeface="Estrangelo Edessa"/>
+        <a:font script="Syre" typeface="Estrangelo Edessa"/>
+        <a:font script="Sora" typeface="Nirmala UI"/>
+        <a:font script="Tale" typeface="Microsoft Tai Le"/>
+        <a:font script="Talu" typeface="Microsoft New Tai Lue"/>
+        <a:font script="Tfng" typeface="Ebrima"/>
+      </a:minorFont>
+    </a:fontScheme>
+    <a:fmtScheme name="Office">
+      <a:fillStyleLst>
+        <a:solidFill>
+          <a:schemeClr val="phClr"/>
+        </a:solidFill>
+        <a:gradFill rotWithShape="1">
+          <a:gsLst>
+            <a:gs pos="0">
+              <a:schemeClr val="phClr">
+                <a:lumMod val="110000"/>
+                <a:satMod val="105000"/>
+                <a:tint val="67000"/>
+              </a:schemeClr>
+            </a:gs>
+            <a:gs pos="50000">
+              <a:schemeClr val="phClr">
+                <a:lumMod val="105000"/>
+                <a:satMod val="103000"/>
+                <a:tint val="73000"/>
+              </a:schemeClr>
+            </a:gs>
+            <a:gs pos="100000">
+              <a:schemeClr val="phClr">
+                <a:lumMod val="105000"/>
+                <a:satMod val="109000"/>
+                <a:tint val="81000"/>
+              </a:schemeClr>
+            </a:gs>
+          </a:gsLst>
+          <a:lin ang="5400000" scaled="0"/>
+        </a:gradFill>
+        <a:gradFill rotWithShape="1">
+          <a:gsLst>
+            <a:gs pos="0">
+              <a:schemeClr val="phClr">
+                <a:satMod val="103000"/>
+                <a:lumMod val="102000"/>
+                <a:tint val="94000"/>
+              </a:schemeClr>
+            </a:gs>
+            <a:gs pos="50000">
+              <a:schemeClr val="phClr">
+                <a:satMod val="110000"/>
+                <a:lumMod val="100000"/>
+                <a:shade val="100000"/>
+              </a:schemeClr>
+            </a:gs>
+            <a:gs pos="100000">
+              <a:schemeClr val="phClr">
+                <a:lumMod val="99000"/>
+                <a:satMod val="120000"/>
+                <a:shade val="78000"/>
+              </a:schemeClr>
+            </a:gs>
+          </a:gsLst>
+          <a:lin ang="5400000" scaled="0"/>
+        </a:gradFill>
+      </a:fillStyleLst>
+      <a:lnStyleLst>
+        <a:ln w="6350" cap="flat" cmpd="sng" algn="ctr">
+          <a:solidFill>
+            <a:schemeClr val="phClr"/>
+          </a:solidFill>
+          <a:prstDash val="solid"/>
+          <a:miter lim="800000"/>
+        </a:ln>
+        <a:ln w="12700" cap="flat" cmpd="sng" algn="ctr">
+          <a:solidFill>
+            <a:schemeClr val="phClr"/>
+          </a:solidFill>
+          <a:prstDash val="solid"/>
+          <a:miter lim="800000"/>
+        </a:ln>
+        <a:ln w="19050" cap="flat" cmpd="sng" algn="ctr">
+          <a:solidFill>
+            <a:schemeClr val="phClr"/>
+          </a:solidFill>
+          <a:prstDash val="solid"/>
+          <a:miter lim="800000"/>
+        </a:ln>
+      </a:lnStyleLst>
+      <a:effectStyleLst>
+        <a:effectStyle>
+          <a:effectLst/>
+        </a:effectStyle>
+        <a:effectStyle>
+          <a:effectLst/>
+        </a:effectStyle>
+        <a:effectStyle>
+          <a:effectLst>
+            <a:outerShdw blurRad="57150" dist="19050" dir="5400000" algn="ctr" rotWithShape="0">
+              <a:srgbClr val="000000">
+                <a:alpha val="63000"/>
+              </a:srgbClr>
+            </a:outerShdw>
+          </a:effectLst>
+        </a:effectStyle>
+      </a:effectStyleLst>
+      <a:bgFillStyleLst>
+        <a:solidFill>
+          <a:schemeClr val="phClr"/>
+        </a:solidFill>
+        <a:solidFill>
+          <a:schemeClr val="phClr">
+            <a:tint val="95000"/>
+            <a:satMod val="170000"/>
+          </a:schemeClr>
+        </a:solidFill>
+        <a:gradFill rotWithShape="1">
+          <a:gsLst>
+            <a:gs pos="0">
+              <a:schemeClr val="phClr">
+                <a:tint val="93000"/>
+                <a:satMod val="150000"/>
+                <a:shade val="98000"/>
+                <a:lumMod val="102000"/>
+              </a:schemeClr>
+            </a:gs>
+            <a:gs pos="50000">
+              <a:schemeClr val="phClr">
+                <a:tint val="98000"/>
+                <a:satMod val="130000"/>
+                <a:shade val="90000"/>
+                <a:lumMod val="103000"/>
+              </a:schemeClr>
+            </a:gs>
+            <a:gs pos="100000">
+              <a:schemeClr val="phClr">
+                <a:shade val="63000"/>
+                <a:satMod val="120000"/>
+              </a:schemeClr>
+            </a:gs>
+          </a:gsLst>
+          <a:lin ang="5400000" scaled="0"/>
+        </a:gradFill>
+      </a:bgFillStyleLst>
+    </a:fmtScheme>
+  </a:themeElements>
+  <a:objectDefaults/>
+  <a:extraClrSchemeLst/>
+  <a:extLst>
+    <a:ext uri="{05A4C25C-085E-4340-85A3-A5531E510DB2}">
+      <thm15:themeFamily xmlns:thm15="http://schemas.microsoft.com/office/thememl/2012/main" name="Office Theme" id="{62F939B6-93AF-4DB8-9C6B-D6C7DFDC589F}" vid="{4A3C46E8-61CC-4603-A589-7422A47A8E4A}"/>
+    </a:ext>
+  </a:extLst>
+</a:theme>
 </file>
--- a/OpenRefine3Operations/Menu_case/WTpresentation.pptx
+++ b/OpenRefine3Operations/Menu_case/WTpresentation.pptx
@@ -119,6 +119,11 @@
       </a:defRPr>
     </a:lvl9pPr>
   </p:defaultTextStyle>
+  <p:extLst>
+    <p:ext uri="{EFAFB233-063F-42B5-8137-9DF3F51BA10A}">
+      <p15:sldGuideLst xmlns:p15="http://schemas.microsoft.com/office/powerpoint/2012/main"/>
+    </p:ext>
+  </p:extLst>
 </p:presentation>
 </file>
 
@@ -834,7 +839,7 @@
           <a:p>
             <a:fld id="{48A87A34-81AB-432B-8DAE-1953F412C126}" type="datetimeFigureOut">
               <a:rPr lang="en-US" dirty="0"/>
-              <a:t>7/16/18</a:t>
+              <a:t>7/17/18</a:t>
             </a:fld>
             <a:endParaRPr lang="en-US" dirty="0"/>
           </a:p>
@@ -1040,7 +1045,7 @@
           <a:p>
             <a:fld id="{48A87A34-81AB-432B-8DAE-1953F412C126}" type="datetimeFigureOut">
               <a:rPr lang="en-US" dirty="0"/>
-              <a:t>7/16/18</a:t>
+              <a:t>7/17/18</a:t>
             </a:fld>
             <a:endParaRPr lang="en-US" dirty="0"/>
           </a:p>
@@ -1250,7 +1255,7 @@
           <a:p>
             <a:fld id="{48A87A34-81AB-432B-8DAE-1953F412C126}" type="datetimeFigureOut">
               <a:rPr lang="en-US" dirty="0"/>
-              <a:t>7/16/18</a:t>
+              <a:t>7/17/18</a:t>
             </a:fld>
             <a:endParaRPr lang="en-US" dirty="0"/>
           </a:p>
@@ -1446,7 +1451,7 @@
           <a:p>
             <a:fld id="{48A87A34-81AB-432B-8DAE-1953F412C126}" type="datetimeFigureOut">
               <a:rPr lang="en-US" dirty="0"/>
-              <a:t>7/16/18</a:t>
+              <a:t>7/17/18</a:t>
             </a:fld>
             <a:endParaRPr lang="en-US" dirty="0"/>
           </a:p>
@@ -1720,7 +1725,7 @@
           <a:p>
             <a:fld id="{48A87A34-81AB-432B-8DAE-1953F412C126}" type="datetimeFigureOut">
               <a:rPr lang="en-US" dirty="0"/>
-              <a:t>7/16/18</a:t>
+              <a:t>7/17/18</a:t>
             </a:fld>
             <a:endParaRPr lang="en-US" dirty="0"/>
           </a:p>
@@ -1983,7 +1988,7 @@
           <a:p>
             <a:fld id="{48A87A34-81AB-432B-8DAE-1953F412C126}" type="datetimeFigureOut">
               <a:rPr lang="en-US" dirty="0"/>
-              <a:t>7/16/18</a:t>
+              <a:t>7/17/18</a:t>
             </a:fld>
             <a:endParaRPr lang="en-US" dirty="0"/>
           </a:p>
@@ -2394,7 +2399,7 @@
           <a:p>
             <a:fld id="{48A87A34-81AB-432B-8DAE-1953F412C126}" type="datetimeFigureOut">
               <a:rPr lang="en-US" dirty="0"/>
-              <a:t>7/16/18</a:t>
+              <a:t>7/17/18</a:t>
             </a:fld>
             <a:endParaRPr lang="en-US" dirty="0"/>
           </a:p>
@@ -2538,7 +2543,7 @@
           <a:p>
             <a:fld id="{48A87A34-81AB-432B-8DAE-1953F412C126}" type="datetimeFigureOut">
               <a:rPr lang="en-US" dirty="0"/>
-              <a:t>7/16/18</a:t>
+              <a:t>7/17/18</a:t>
             </a:fld>
             <a:endParaRPr lang="en-US" dirty="0"/>
           </a:p>
@@ -2659,7 +2664,7 @@
           <a:p>
             <a:fld id="{48A87A34-81AB-432B-8DAE-1953F412C126}" type="datetimeFigureOut">
               <a:rPr lang="en-US" dirty="0"/>
-              <a:t>7/16/18</a:t>
+              <a:t>7/17/18</a:t>
             </a:fld>
             <a:endParaRPr lang="en-US" dirty="0"/>
           </a:p>
@@ -2905,7 +2910,7 @@
           <a:p>
             <a:fld id="{48A87A34-81AB-432B-8DAE-1953F412C126}" type="datetimeFigureOut">
               <a:rPr lang="en-US" dirty="0"/>
-              <a:t>7/16/18</a:t>
+              <a:t>7/17/18</a:t>
             </a:fld>
             <a:endParaRPr lang="en-US" dirty="0"/>
           </a:p>
@@ -3346,7 +3351,7 @@
             <a:fld id="{48A87A34-81AB-432B-8DAE-1953F412C126}" type="datetimeFigureOut">
               <a:rPr lang="en-US" dirty="0"/>
               <a:pPr/>
-              <a:t>7/16/18</a:t>
+              <a:t>7/17/18</a:t>
             </a:fld>
             <a:endParaRPr lang="en-US" dirty="0"/>
           </a:p>
@@ -3668,7 +3673,7 @@
             <a:fld id="{48A87A34-81AB-432B-8DAE-1953F412C126}" type="datetimeFigureOut">
               <a:rPr lang="en-US" dirty="0"/>
               <a:pPr/>
-              <a:t>7/16/18</a:t>
+              <a:t>7/17/18</a:t>
             </a:fld>
             <a:endParaRPr lang="en-US" dirty="0"/>
           </a:p>
@@ -4972,10 +4977,16 @@
             <p:ph idx="1"/>
           </p:nvPr>
         </p:nvSpPr>
-        <p:spPr/>
+        <p:spPr>
+          <a:ln>
+            <a:solidFill>
+              <a:schemeClr val="accent1"/>
+            </a:solidFill>
+          </a:ln>
+        </p:spPr>
         <p:txBody>
           <a:bodyPr>
-            <a:normAutofit/>
+            <a:normAutofit fontScale="92500"/>
           </a:bodyPr>
           <a:lstStyle/>
           <a:p>
@@ -5592,6 +5603,66 @@
             <a:r>
               <a:rPr lang="en-US" altLang="zh-Hans" dirty="0"/>
               <a:t>file.</a:t>
+            </a:r>
+          </a:p>
+          <a:p>
+            <a:r>
+              <a:rPr lang="en-US" altLang="zh-Hans" dirty="0"/>
+              <a:t>3. </a:t>
+            </a:r>
+            <a:r>
+              <a:rPr lang="en-US" altLang="zh-Hans" dirty="0" err="1"/>
+              <a:t>parseandreproduce.py</a:t>
+            </a:r>
+            <a:r>
+              <a:rPr lang="en-US" altLang="zh-Hans" dirty="0"/>
+              <a:t>: </a:t>
+            </a:r>
+            <a:r>
+              <a:rPr lang="en-US" altLang="zh-Hans" dirty="0">
+                <a:hlinkClick r:id="rId4"/>
+              </a:rPr>
+              <a:t>ParseandReproduce</a:t>
+            </a:r>
+            <a:r>
+              <a:rPr lang="en-US" altLang="zh-Hans" dirty="0"/>
+              <a:t> system is used to parse the </a:t>
+            </a:r>
+            <a:r>
+              <a:rPr lang="en-US" altLang="zh-Hans" dirty="0">
+                <a:solidFill>
+                  <a:srgbClr val="FF0000"/>
+                </a:solidFill>
+              </a:rPr>
+              <a:t>user-guided </a:t>
+            </a:r>
+            <a:r>
+              <a:rPr lang="en-US" altLang="zh-Hans" dirty="0" err="1">
+                <a:solidFill>
+                  <a:srgbClr val="FF0000"/>
+                </a:solidFill>
+              </a:rPr>
+              <a:t>json</a:t>
+            </a:r>
+            <a:r>
+              <a:rPr lang="en-US" altLang="zh-Hans" dirty="0">
+                <a:solidFill>
+                  <a:srgbClr val="FF0000"/>
+                </a:solidFill>
+              </a:rPr>
+              <a:t> file</a:t>
+            </a:r>
+            <a:r>
+              <a:rPr lang="en-US" altLang="zh-Hans" dirty="0"/>
+              <a:t>, and by running it, Openrefine GUI will generate the cleaned data D2’, and the original </a:t>
+            </a:r>
+            <a:r>
+              <a:rPr lang="en-US" altLang="zh-Hans" dirty="0" err="1"/>
+              <a:t>json</a:t>
+            </a:r>
+            <a:r>
+              <a:rPr lang="en-US" altLang="zh-Hans" dirty="0"/>
+              <a:t> file.</a:t>
             </a:r>
           </a:p>
         </p:txBody>
@@ -5695,113 +5766,6 @@
             </a:r>
             <a:r>
               <a:rPr lang="en-US" altLang="zh-Hans" dirty="0"/>
-              <a:t>Parse</a:t>
-            </a:r>
-            <a:r>
-              <a:rPr lang="zh-Hans" altLang="en-US" dirty="0"/>
-              <a:t> </a:t>
-            </a:r>
-            <a:r>
-              <a:rPr lang="en-US" altLang="zh-Hans" dirty="0"/>
-              <a:t>the</a:t>
-            </a:r>
-            <a:r>
-              <a:rPr lang="zh-Hans" altLang="en-US" dirty="0"/>
-              <a:t> </a:t>
-            </a:r>
-            <a:r>
-              <a:rPr lang="en-US" altLang="zh-Hans" dirty="0"/>
-              <a:t>step2</a:t>
-            </a:r>
-            <a:r>
-              <a:rPr lang="zh-Hans" altLang="en-US" dirty="0"/>
-              <a:t> </a:t>
-            </a:r>
-            <a:r>
-              <a:rPr lang="en-US" altLang="zh-Hans" dirty="0"/>
-              <a:t>user-guided</a:t>
-            </a:r>
-            <a:r>
-              <a:rPr lang="zh-Hans" altLang="en-US" dirty="0"/>
-              <a:t> </a:t>
-            </a:r>
-            <a:r>
-              <a:rPr lang="en-US" altLang="zh-Hans" dirty="0" err="1"/>
-              <a:t>json</a:t>
-            </a:r>
-            <a:r>
-              <a:rPr lang="zh-Hans" altLang="en-US" dirty="0"/>
-              <a:t> </a:t>
-            </a:r>
-            <a:r>
-              <a:rPr lang="en-US" altLang="zh-Hans" dirty="0"/>
-              <a:t>file</a:t>
-            </a:r>
-            <a:r>
-              <a:rPr lang="zh-Hans" altLang="en-US" dirty="0"/>
-              <a:t> </a:t>
-            </a:r>
-            <a:r>
-              <a:rPr lang="en-US" altLang="zh-Hans" dirty="0"/>
-              <a:t>and</a:t>
-            </a:r>
-            <a:r>
-              <a:rPr lang="zh-Hans" altLang="en-US" dirty="0"/>
-              <a:t> </a:t>
-            </a:r>
-            <a:r>
-              <a:rPr lang="en-US" altLang="zh-Hans" dirty="0"/>
-              <a:t>reproduce</a:t>
-            </a:r>
-            <a:r>
-              <a:rPr lang="zh-Hans" altLang="en-US" dirty="0"/>
-              <a:t> </a:t>
-            </a:r>
-            <a:r>
-              <a:rPr lang="en-US" altLang="zh-Hans" dirty="0"/>
-              <a:t>the</a:t>
-            </a:r>
-            <a:r>
-              <a:rPr lang="zh-Hans" altLang="en-US" dirty="0"/>
-              <a:t> </a:t>
-            </a:r>
-            <a:r>
-              <a:rPr lang="en-US" altLang="zh-Hans" dirty="0"/>
-              <a:t>data</a:t>
-            </a:r>
-            <a:r>
-              <a:rPr lang="zh-Hans" altLang="en-US" dirty="0"/>
-              <a:t> </a:t>
-            </a:r>
-            <a:r>
-              <a:rPr lang="en-US" altLang="zh-Hans" dirty="0"/>
-              <a:t>wrangling</a:t>
-            </a:r>
-            <a:r>
-              <a:rPr lang="zh-Hans" altLang="en-US" dirty="0"/>
-              <a:t> </a:t>
-            </a:r>
-            <a:r>
-              <a:rPr lang="en-US" altLang="zh-Hans" dirty="0"/>
-              <a:t>procedure.</a:t>
-            </a:r>
-            <a:r>
-              <a:rPr lang="zh-Hans" altLang="en-US" dirty="0"/>
-              <a:t> </a:t>
-            </a:r>
-            <a:endParaRPr lang="en-US" altLang="zh-Hans" dirty="0"/>
-          </a:p>
-          <a:p>
-            <a:r>
-              <a:rPr lang="en-US" altLang="zh-Hans" dirty="0"/>
-              <a:t>2.</a:t>
-            </a:r>
-            <a:r>
-              <a:rPr lang="zh-Hans" altLang="en-US" dirty="0"/>
-              <a:t> </a:t>
-            </a:r>
-            <a:r>
-              <a:rPr lang="en-US" altLang="zh-Hans" dirty="0"/>
               <a:t>generate</a:t>
             </a:r>
             <a:r>
@@ -5901,7 +5865,7 @@
           <a:p>
             <a:r>
               <a:rPr lang="en-US" altLang="zh-Hans" dirty="0"/>
-              <a:t>3.</a:t>
+              <a:t>2.</a:t>
             </a:r>
             <a:r>
               <a:rPr lang="zh-Hans" altLang="en-US" dirty="0"/>
@@ -7810,7 +7774,15 @@
             </a:r>
             <a:r>
               <a:rPr lang="en-US" altLang="zh-Hans" dirty="0"/>
-              <a:t>and</a:t>
+              <a:t>the step 2 “user-guided” </a:t>
+            </a:r>
+            <a:r>
+              <a:rPr lang="en-US" altLang="zh-Hans" dirty="0" err="1"/>
+              <a:t>json</a:t>
+            </a:r>
+            <a:r>
+              <a:rPr lang="en-US" altLang="zh-Hans" dirty="0"/>
+              <a:t> file,</a:t>
             </a:r>
             <a:r>
               <a:rPr lang="zh-Hans" altLang="en-US" dirty="0"/>
